--- a/financial_report.pptx
+++ b/financial_report.pptx
@@ -10,6 +10,13 @@
     <p:sldId id="258" r:id="rId9"/>
     <p:sldId id="259" r:id="rId10"/>
     <p:sldId id="260" r:id="rId11"/>
+    <p:sldId id="261" r:id="rId12"/>
+    <p:sldId id="262" r:id="rId13"/>
+    <p:sldId id="263" r:id="rId14"/>
+    <p:sldId id="264" r:id="rId15"/>
+    <p:sldId id="265" r:id="rId16"/>
+    <p:sldId id="266" r:id="rId17"/>
+    <p:sldId id="267" r:id="rId18"/>
   </p:sldIdLst>
   <p:sldSz cx="9144000" cy="6858000" type="screen4x3"/>
   <p:notesSz cx="6858000" cy="9144000"/>
@@ -3124,6 +3131,162 @@
 </p:sld>
 </file>
 
+<file path=ppt/slides/slide10.xml><?xml version="1.0" encoding="utf-8"?>
+<p:sld xmlns:a="http://schemas.openxmlformats.org/drawingml/2006/main" xmlns:p="http://schemas.openxmlformats.org/presentationml/2006/main" xmlns:r="http://schemas.openxmlformats.org/officeDocument/2006/relationships">
+  <p:cSld>
+    <p:spTree>
+      <p:nvGrpSpPr>
+        <p:cNvPr id="1" name=""/>
+        <p:cNvGrpSpPr/>
+        <p:nvPr/>
+      </p:nvGrpSpPr>
+      <p:grpSpPr/>
+      <p:sp>
+        <p:nvSpPr>
+          <p:cNvPr id="2" name="Title 1"/>
+          <p:cNvSpPr>
+            <a:spLocks noGrp="1"/>
+          </p:cNvSpPr>
+          <p:nvPr>
+            <p:ph type="title"/>
+          </p:nvPr>
+        </p:nvSpPr>
+        <p:spPr/>
+        <p:txBody>
+          <a:bodyPr/>
+          <a:lstStyle/>
+          <a:p/>
+        </p:txBody>
+      </p:sp>
+      <p:sp>
+        <p:nvSpPr>
+          <p:cNvPr id="3" name="Content Placeholder 2"/>
+          <p:cNvSpPr>
+            <a:spLocks noGrp="1"/>
+          </p:cNvSpPr>
+          <p:nvPr>
+            <p:ph idx="1"/>
+          </p:nvPr>
+        </p:nvSpPr>
+        <p:spPr/>
+        <p:txBody>
+          <a:bodyPr/>
+          <a:lstStyle/>
+          <a:p/>
+        </p:txBody>
+      </p:sp>
+    </p:spTree>
+  </p:cSld>
+  <p:clrMapOvr>
+    <a:masterClrMapping/>
+  </p:clrMapOvr>
+</p:sld>
+</file>
+
+<file path=ppt/slides/slide11.xml><?xml version="1.0" encoding="utf-8"?>
+<p:sld xmlns:a="http://schemas.openxmlformats.org/drawingml/2006/main" xmlns:p="http://schemas.openxmlformats.org/presentationml/2006/main" xmlns:r="http://schemas.openxmlformats.org/officeDocument/2006/relationships">
+  <p:cSld>
+    <p:spTree>
+      <p:nvGrpSpPr>
+        <p:cNvPr id="1" name=""/>
+        <p:cNvGrpSpPr/>
+        <p:nvPr/>
+      </p:nvGrpSpPr>
+      <p:grpSpPr/>
+      <p:sp>
+        <p:nvSpPr>
+          <p:cNvPr id="2" name="Title 1"/>
+          <p:cNvSpPr>
+            <a:spLocks noGrp="1"/>
+          </p:cNvSpPr>
+          <p:nvPr>
+            <p:ph type="title"/>
+          </p:nvPr>
+        </p:nvSpPr>
+        <p:spPr/>
+        <p:txBody>
+          <a:bodyPr/>
+          <a:lstStyle/>
+          <a:p/>
+        </p:txBody>
+      </p:sp>
+      <p:sp>
+        <p:nvSpPr>
+          <p:cNvPr id="3" name="Content Placeholder 2"/>
+          <p:cNvSpPr>
+            <a:spLocks noGrp="1"/>
+          </p:cNvSpPr>
+          <p:nvPr>
+            <p:ph idx="1"/>
+          </p:nvPr>
+        </p:nvSpPr>
+        <p:spPr/>
+        <p:txBody>
+          <a:bodyPr/>
+          <a:lstStyle/>
+          <a:p/>
+        </p:txBody>
+      </p:sp>
+    </p:spTree>
+  </p:cSld>
+  <p:clrMapOvr>
+    <a:masterClrMapping/>
+  </p:clrMapOvr>
+</p:sld>
+</file>
+
+<file path=ppt/slides/slide12.xml><?xml version="1.0" encoding="utf-8"?>
+<p:sld xmlns:a="http://schemas.openxmlformats.org/drawingml/2006/main" xmlns:p="http://schemas.openxmlformats.org/presentationml/2006/main" xmlns:r="http://schemas.openxmlformats.org/officeDocument/2006/relationships">
+  <p:cSld>
+    <p:spTree>
+      <p:nvGrpSpPr>
+        <p:cNvPr id="1" name=""/>
+        <p:cNvGrpSpPr/>
+        <p:nvPr/>
+      </p:nvGrpSpPr>
+      <p:grpSpPr/>
+      <p:sp>
+        <p:nvSpPr>
+          <p:cNvPr id="2" name="Title 1"/>
+          <p:cNvSpPr>
+            <a:spLocks noGrp="1"/>
+          </p:cNvSpPr>
+          <p:nvPr>
+            <p:ph type="title"/>
+          </p:nvPr>
+        </p:nvSpPr>
+        <p:spPr/>
+        <p:txBody>
+          <a:bodyPr/>
+          <a:lstStyle/>
+          <a:p/>
+        </p:txBody>
+      </p:sp>
+      <p:sp>
+        <p:nvSpPr>
+          <p:cNvPr id="3" name="Content Placeholder 2"/>
+          <p:cNvSpPr>
+            <a:spLocks noGrp="1"/>
+          </p:cNvSpPr>
+          <p:nvPr>
+            <p:ph idx="1"/>
+          </p:nvPr>
+        </p:nvSpPr>
+        <p:spPr/>
+        <p:txBody>
+          <a:bodyPr/>
+          <a:lstStyle/>
+          <a:p/>
+        </p:txBody>
+      </p:sp>
+    </p:spTree>
+  </p:cSld>
+  <p:clrMapOvr>
+    <a:masterClrMapping/>
+  </p:clrMapOvr>
+</p:sld>
+</file>
+
 <file path=ppt/slides/slide2.xml><?xml version="1.0" encoding="utf-8"?>
 <p:sld xmlns:a="http://schemas.openxmlformats.org/drawingml/2006/main" xmlns:p="http://schemas.openxmlformats.org/presentationml/2006/main" xmlns:r="http://schemas.openxmlformats.org/officeDocument/2006/relationships">
   <p:cSld>
@@ -3236,288 +3399,6 @@
           <a:bodyPr/>
           <a:lstStyle/>
           <a:p/>
-          <a:p>
-            <a:pPr/>
-            <a:r>
-              <a:t>Current Assets</a:t>
-            </a:r>
-          </a:p>
-          <a:p>
-            <a:pPr lvl="1"/>
-            <a:r>
-              <a:t>Cash and Cash Equivalents</a:t>
-            </a:r>
-          </a:p>
-          <a:p>
-            <a:pPr lvl="2"/>
-            <a:r>
-              <a:t>Currency in checking/savings accounts</a:t>
-            </a:r>
-          </a:p>
-          <a:p>
-            <a:pPr lvl="2"/>
-            <a:r>
-              <a:t>Short-term Treasury bills (maturing &lt;3 months)</a:t>
-            </a:r>
-          </a:p>
-          <a:p>
-            <a:pPr lvl="2"/>
-            <a:r>
-              <a:t>Commercial paper from AAA-rated corporations</a:t>
-            </a:r>
-          </a:p>
-          <a:p>
-            <a:pPr lvl="2"/>
-            <a:r>
-              <a:t>Money market funds with daily liquidity</a:t>
-            </a:r>
-          </a:p>
-          <a:p>
-            <a:pPr lvl="2"/>
-            <a:r>
-              <a:t>Petty cash reserves for office expenses</a:t>
-            </a:r>
-          </a:p>
-          <a:p>
-            <a:pPr lvl="2"/>
-            <a:r>
-              <a:t>Foreign currency holdings in major currencies</a:t>
-            </a:r>
-          </a:p>
-          <a:p>
-            <a:pPr lvl="2"/>
-            <a:r>
-              <a:t>Undeposited checks from customers</a:t>
-            </a:r>
-          </a:p>
-          <a:p>
-            <a:pPr lvl="2"/>
-            <a:r>
-              <a:t>Cash in transit between bank accounts</a:t>
-            </a:r>
-          </a:p>
-          <a:p>
-            <a:pPr/>
-            <a:r>
-              <a:t>Current Assets</a:t>
-            </a:r>
-          </a:p>
-          <a:p>
-            <a:pPr lvl="1"/>
-            <a:r>
-              <a:t>Marketable Securities</a:t>
-            </a:r>
-          </a:p>
-          <a:p>
-            <a:pPr lvl="2"/>
-            <a:r>
-              <a:t>Corporate bonds with &lt;1yr maturity</a:t>
-            </a:r>
-          </a:p>
-          <a:p>
-            <a:pPr lvl="2"/>
-            <a:r>
-              <a:t>Government agency securities</a:t>
-            </a:r>
-          </a:p>
-          <a:p>
-            <a:pPr lvl="2"/>
-            <a:r>
-              <a:t>Certificates of deposit (CDs)</a:t>
-            </a:r>
-          </a:p>
-          <a:p>
-            <a:pPr lvl="2"/>
-            <a:r>
-              <a:t>Bankers' acceptances</a:t>
-            </a:r>
-          </a:p>
-          <a:p>
-            <a:pPr lvl="2"/>
-            <a:r>
-              <a:t>Commercial paper holdings</a:t>
-            </a:r>
-          </a:p>
-          <a:p>
-            <a:pPr lvl="2"/>
-            <a:r>
-              <a:t>Treasury notes maturing within 12 months</a:t>
-            </a:r>
-          </a:p>
-          <a:p>
-            <a:pPr lvl="2"/>
-            <a:r>
-              <a:t>Highly liquid ETF positions</a:t>
-            </a:r>
-          </a:p>
-          <a:p>
-            <a:pPr/>
-            <a:r>
-              <a:t>Current Assets</a:t>
-            </a:r>
-          </a:p>
-          <a:p>
-            <a:pPr lvl="1"/>
-            <a:r>
-              <a:t>Accounts Receivable</a:t>
-            </a:r>
-          </a:p>
-          <a:p>
-            <a:pPr lvl="2"/>
-            <a:r>
-              <a:t>Trade receivables from normal operations</a:t>
-            </a:r>
-          </a:p>
-          <a:p>
-            <a:pPr lvl="2"/>
-            <a:r>
-              <a:t>Installment receivables from long-term contracts</a:t>
-            </a:r>
-          </a:p>
-          <a:p>
-            <a:pPr lvl="2"/>
-            <a:r>
-              <a:t>Receivables from affiliated companies</a:t>
-            </a:r>
-          </a:p>
-          <a:p>
-            <a:pPr lvl="2"/>
-            <a:r>
-              <a:t>Allowance for doubtful accounts calculation</a:t>
-            </a:r>
-          </a:p>
-          <a:p>
-            <a:pPr lvl="2"/>
-            <a:r>
-              <a:t>Aging schedule analysis (30/60/90 days)</a:t>
-            </a:r>
-          </a:p>
-          <a:p>
-            <a:pPr lvl="2"/>
-            <a:r>
-              <a:t>Credit memo adjustments</a:t>
-            </a:r>
-          </a:p>
-          <a:p>
-            <a:pPr lvl="2"/>
-            <a:r>
-              <a:t>Factored receivables disclosure</a:t>
-            </a:r>
-          </a:p>
-          <a:p>
-            <a:pPr lvl="2"/>
-            <a:r>
-              <a:t>Unbilled receivables from progress contracts</a:t>
-            </a:r>
-          </a:p>
-          <a:p>
-            <a:pPr/>
-            <a:r>
-              <a:t>Non-Current Assets</a:t>
-            </a:r>
-          </a:p>
-          <a:p>
-            <a:pPr lvl="1"/>
-            <a:r>
-              <a:t>Property, Plant &amp; Equipment</a:t>
-            </a:r>
-          </a:p>
-          <a:p>
-            <a:pPr lvl="2"/>
-            <a:r>
-              <a:t>Land acquisition costs (original purchase)</a:t>
-            </a:r>
-          </a:p>
-          <a:p>
-            <a:pPr lvl="2"/>
-            <a:r>
-              <a:t>Building improvements capitalization</a:t>
-            </a:r>
-          </a:p>
-          <a:p>
-            <a:pPr lvl="2"/>
-            <a:r>
-              <a:t>Machinery installation costs</a:t>
-            </a:r>
-          </a:p>
-          <a:p>
-            <a:pPr lvl="2"/>
-            <a:r>
-              <a:t>Equipment depreciation schedules</a:t>
-            </a:r>
-          </a:p>
-          <a:p>
-            <a:pPr lvl="2"/>
-            <a:r>
-              <a:t>Leasehold improvement amortization</a:t>
-            </a:r>
-          </a:p>
-          <a:p>
-            <a:pPr lvl="2"/>
-            <a:r>
-              <a:t>Construction-in-progress accounts</a:t>
-            </a:r>
-          </a:p>
-          <a:p>
-            <a:pPr lvl="2"/>
-            <a:r>
-              <a:t>Capitalized interest during construction</a:t>
-            </a:r>
-          </a:p>
-          <a:p>
-            <a:pPr/>
-            <a:r>
-              <a:t>Non-Current Assets</a:t>
-            </a:r>
-          </a:p>
-          <a:p>
-            <a:pPr lvl="1"/>
-            <a:r>
-              <a:t>Intangible Assets</a:t>
-            </a:r>
-          </a:p>
-          <a:p>
-            <a:pPr lvl="2"/>
-            <a:r>
-              <a:t>Patent acquisition and amortization</a:t>
-            </a:r>
-          </a:p>
-          <a:p>
-            <a:pPr lvl="2"/>
-            <a:r>
-              <a:t>Trademark registration/maintenance costs</a:t>
-            </a:r>
-          </a:p>
-          <a:p>
-            <a:pPr lvl="2"/>
-            <a:r>
-              <a:t>Customer list valuations</a:t>
-            </a:r>
-          </a:p>
-          <a:p>
-            <a:pPr lvl="2"/>
-            <a:r>
-              <a:t>Non-compete agreement valuations</a:t>
-            </a:r>
-          </a:p>
-          <a:p>
-            <a:pPr lvl="2"/>
-            <a:r>
-              <a:t>Software development costs</a:t>
-            </a:r>
-          </a:p>
-          <a:p>
-            <a:pPr lvl="2"/>
-            <a:r>
-              <a:t>Licensing agreements fair value</a:t>
-            </a:r>
-          </a:p>
-          <a:p>
-            <a:pPr lvl="2"/>
-            <a:r>
-              <a:t>Goodwill impairment testing methodology</a:t>
-            </a:r>
-          </a:p>
         </p:txBody>
       </p:sp>
     </p:spTree>
@@ -3552,11 +3433,7 @@
         <p:txBody>
           <a:bodyPr/>
           <a:lstStyle/>
-          <a:p>
-            <a:r>
-              <a:t>Financial Report (Continued)</a:t>
-            </a:r>
-          </a:p>
+          <a:p/>
         </p:txBody>
       </p:sp>
       <p:sp>
@@ -3574,276 +3451,6 @@
           <a:bodyPr/>
           <a:lstStyle/>
           <a:p/>
-          <a:p>
-            <a:pPr/>
-            <a:r>
-              <a:t>Non-Current Assets</a:t>
-            </a:r>
-          </a:p>
-          <a:p>
-            <a:pPr lvl="1"/>
-            <a:r>
-              <a:t>Long-Term Investments</a:t>
-            </a:r>
-          </a:p>
-          <a:p>
-            <a:pPr lvl="2"/>
-            <a:r>
-              <a:t>Held-to-maturity securities portfolio</a:t>
-            </a:r>
-          </a:p>
-          <a:p>
-            <a:pPr lvl="2"/>
-            <a:r>
-              <a:t>Equity method investment accounting</a:t>
-            </a:r>
-          </a:p>
-          <a:p>
-            <a:pPr lvl="2"/>
-            <a:r>
-              <a:t>Real estate held for appreciation</a:t>
-            </a:r>
-          </a:p>
-          <a:p>
-            <a:pPr lvl="2"/>
-            <a:r>
-              <a:t>Venture capital fund investments</a:t>
-            </a:r>
-          </a:p>
-          <a:p>
-            <a:pPr lvl="2"/>
-            <a:r>
-              <a:t>Convertible debt instruments</a:t>
-            </a:r>
-          </a:p>
-          <a:p>
-            <a:pPr lvl="2"/>
-            <a:r>
-              <a:t>Restricted stock holdings</a:t>
-            </a:r>
-          </a:p>
-          <a:p>
-            <a:pPr lvl="2"/>
-            <a:r>
-              <a:t>Investments in subsidiaries</a:t>
-            </a:r>
-          </a:p>
-          <a:p>
-            <a:pPr/>
-            <a:r>
-              <a:t>Current Liabilities</a:t>
-            </a:r>
-          </a:p>
-          <a:p>
-            <a:pPr lvl="1"/>
-            <a:r>
-              <a:t>Accounts Payable</a:t>
-            </a:r>
-          </a:p>
-          <a:p>
-            <a:pPr lvl="2"/>
-            <a:r>
-              <a:t>Trade payables to suppliers</a:t>
-            </a:r>
-          </a:p>
-          <a:p>
-            <a:pPr lvl="2"/>
-            <a:r>
-              <a:t>Accrued purchases for goods received</a:t>
-            </a:r>
-          </a:p>
-          <a:p>
-            <a:pPr lvl="2"/>
-            <a:r>
-              <a:t>Third-party processor withholdings</a:t>
-            </a:r>
-          </a:p>
-          <a:p>
-            <a:pPr lvl="2"/>
-            <a:r>
-              <a:t>Construction retainage payable</a:t>
-            </a:r>
-          </a:p>
-          <a:p>
-            <a:pPr lvl="2"/>
-            <a:r>
-              <a:t>Dividends declared but unpaid</a:t>
-            </a:r>
-          </a:p>
-          <a:p>
-            <a:pPr lvl="2"/>
-            <a:r>
-              <a:t>Customer deposits/advance payments</a:t>
-            </a:r>
-          </a:p>
-          <a:p>
-            <a:pPr lvl="2"/>
-            <a:r>
-              <a:t>Escheat liability estimates</a:t>
-            </a:r>
-          </a:p>
-          <a:p>
-            <a:pPr/>
-            <a:r>
-              <a:t>Current Liabilities</a:t>
-            </a:r>
-          </a:p>
-          <a:p>
-            <a:pPr lvl="1"/>
-            <a:r>
-              <a:t>Short-Term Debt</a:t>
-            </a:r>
-          </a:p>
-          <a:p>
-            <a:pPr lvl="2"/>
-            <a:r>
-              <a:t>Commercial paper outstanding</a:t>
-            </a:r>
-          </a:p>
-          <a:p>
-            <a:pPr lvl="2"/>
-            <a:r>
-              <a:t>Revolving credit facility draws</a:t>
-            </a:r>
-          </a:p>
-          <a:p>
-            <a:pPr lvl="2"/>
-            <a:r>
-              <a:t>Current portion of long-term debt</a:t>
-            </a:r>
-          </a:p>
-          <a:p>
-            <a:pPr lvl="2"/>
-            <a:r>
-              <a:t>Bank overdraft facilities used</a:t>
-            </a:r>
-          </a:p>
-          <a:p>
-            <a:pPr lvl="2"/>
-            <a:r>
-              <a:t>Short-term lease liabilities</a:t>
-            </a:r>
-          </a:p>
-          <a:p>
-            <a:pPr lvl="2"/>
-            <a:r>
-              <a:t>Vendor financing arrangements</a:t>
-            </a:r>
-          </a:p>
-          <a:p>
-            <a:pPr lvl="2"/>
-            <a:r>
-              <a:t>Convertible debt equity component</a:t>
-            </a:r>
-          </a:p>
-          <a:p>
-            <a:pPr/>
-            <a:r>
-              <a:t>Long-Term Liabilities</a:t>
-            </a:r>
-          </a:p>
-          <a:p>
-            <a:pPr lvl="1"/>
-            <a:r>
-              <a:t>Bonds Payable</a:t>
-            </a:r>
-          </a:p>
-          <a:p>
-            <a:pPr lvl="2"/>
-            <a:r>
-              <a:t>Corporate bond issuance at premium/discount</a:t>
-            </a:r>
-          </a:p>
-          <a:p>
-            <a:pPr lvl="2"/>
-            <a:r>
-              <a:t>Debenture conversion features</a:t>
-            </a:r>
-          </a:p>
-          <a:p>
-            <a:pPr lvl="2"/>
-            <a:r>
-              <a:t>Sinking fund requirements</a:t>
-            </a:r>
-          </a:p>
-          <a:p>
-            <a:pPr lvl="2"/>
-            <a:r>
-              <a:t>Unamortized bond issuance costs</a:t>
-            </a:r>
-          </a:p>
-          <a:p>
-            <a:pPr lvl="2"/>
-            <a:r>
-              <a:t>Fair value hedge adjustments</a:t>
-            </a:r>
-          </a:p>
-          <a:p>
-            <a:pPr lvl="2"/>
-            <a:r>
-              <a:t>Callable bond provisions</a:t>
-            </a:r>
-          </a:p>
-          <a:p>
-            <a:pPr lvl="2"/>
-            <a:r>
-              <a:t>Convertible bond accounting</a:t>
-            </a:r>
-          </a:p>
-          <a:p>
-            <a:pPr/>
-            <a:r>
-              <a:t>Long-Term Liabilities</a:t>
-            </a:r>
-          </a:p>
-          <a:p>
-            <a:pPr lvl="1"/>
-            <a:r>
-              <a:t>Pension Liabilities</a:t>
-            </a:r>
-          </a:p>
-          <a:p>
-            <a:pPr lvl="2"/>
-            <a:r>
-              <a:t>Defined benefit obligation calculations</a:t>
-            </a:r>
-          </a:p>
-          <a:p>
-            <a:pPr lvl="2"/>
-            <a:r>
-              <a:t>Actuarial gains/losses recognition</a:t>
-            </a:r>
-          </a:p>
-          <a:p>
-            <a:pPr lvl="2"/>
-            <a:r>
-              <a:t>Plan asset valuations</a:t>
-            </a:r>
-          </a:p>
-          <a:p>
-            <a:pPr lvl="2"/>
-            <a:r>
-              <a:t>Curtailment/settlement accounting</a:t>
-            </a:r>
-          </a:p>
-          <a:p>
-            <a:pPr lvl="2"/>
-            <a:r>
-              <a:t>Multi-employer plan disclosures</a:t>
-            </a:r>
-          </a:p>
-          <a:p>
-            <a:pPr lvl="2"/>
-            <a:r>
-              <a:t>Post-employment benefits accrual</a:t>
-            </a:r>
-          </a:p>
-          <a:p>
-            <a:pPr lvl="2"/>
-            <a:r>
-              <a:t>Termination benefit provisions</a:t>
-            </a:r>
-          </a:p>
         </p:txBody>
       </p:sp>
     </p:spTree>
@@ -3878,11 +3485,7 @@
         <p:txBody>
           <a:bodyPr/>
           <a:lstStyle/>
-          <a:p>
-            <a:r>
-              <a:t>Financial Report (Continued)</a:t>
-            </a:r>
-          </a:p>
+          <a:p/>
         </p:txBody>
       </p:sp>
       <p:sp>
@@ -3900,114 +3503,214 @@
           <a:bodyPr/>
           <a:lstStyle/>
           <a:p/>
-          <a:p>
-            <a:pPr/>
-            <a:r>
-              <a:t>Shareholders' Equity</a:t>
-            </a:r>
-          </a:p>
-          <a:p>
-            <a:pPr lvl="1"/>
-            <a:r>
-              <a:t>Common Stock</a:t>
-            </a:r>
-          </a:p>
-          <a:p>
-            <a:pPr lvl="2"/>
-            <a:r>
-              <a:t>Par value per share disclosure</a:t>
-            </a:r>
-          </a:p>
-          <a:p>
-            <a:pPr lvl="2"/>
-            <a:r>
-              <a:t>Authorized shares vs outstanding</a:t>
-            </a:r>
-          </a:p>
-          <a:p>
-            <a:pPr lvl="2"/>
-            <a:r>
-              <a:t>Treasury stock accounting method</a:t>
-            </a:r>
-          </a:p>
-          <a:p>
-            <a:pPr lvl="2"/>
-            <a:r>
-              <a:t>Stock split adjustments</a:t>
-            </a:r>
-          </a:p>
-          <a:p>
-            <a:pPr lvl="2"/>
-            <a:r>
-              <a:t>Stock option pool reserves</a:t>
-            </a:r>
-          </a:p>
-          <a:p>
-            <a:pPr lvl="2"/>
-            <a:r>
-              <a:t>Restricted stock unit accruals</a:t>
-            </a:r>
-          </a:p>
-          <a:p>
-            <a:pPr lvl="2"/>
-            <a:r>
-              <a:t>Dividend reinvestment plan shares</a:t>
-            </a:r>
-          </a:p>
-          <a:p>
-            <a:pPr/>
-            <a:r>
-              <a:t>Shareholders' Equity</a:t>
-            </a:r>
-          </a:p>
-          <a:p>
-            <a:pPr lvl="1"/>
-            <a:r>
-              <a:t>Retained Earnings</a:t>
-            </a:r>
-          </a:p>
-          <a:p>
-            <a:pPr lvl="2"/>
-            <a:r>
-              <a:t>Prior period adjustments</a:t>
-            </a:r>
-          </a:p>
-          <a:p>
-            <a:pPr lvl="2"/>
-            <a:r>
-              <a:t>Dividend declaration accounting</a:t>
-            </a:r>
-          </a:p>
-          <a:p>
-            <a:pPr lvl="2"/>
-            <a:r>
-              <a:t>ESOP allocation impacts</a:t>
-            </a:r>
-          </a:p>
-          <a:p>
-            <a:pPr lvl="2"/>
-            <a:r>
-              <a:t>Foreign currency translation adjustments</a:t>
-            </a:r>
-          </a:p>
-          <a:p>
-            <a:pPr lvl="2"/>
-            <a:r>
-              <a:t>Hedging reserve balances</a:t>
-            </a:r>
-          </a:p>
-          <a:p>
-            <a:pPr lvl="2"/>
-            <a:r>
-              <a:t>Revaluation surplus accounts</a:t>
-            </a:r>
-          </a:p>
-          <a:p>
-            <a:pPr lvl="2"/>
-            <a:r>
-              <a:t>Accumulated other comprehensive income</a:t>
-            </a:r>
-          </a:p>
+        </p:txBody>
+      </p:sp>
+    </p:spTree>
+  </p:cSld>
+  <p:clrMapOvr>
+    <a:masterClrMapping/>
+  </p:clrMapOvr>
+</p:sld>
+</file>
+
+<file path=ppt/slides/slide6.xml><?xml version="1.0" encoding="utf-8"?>
+<p:sld xmlns:a="http://schemas.openxmlformats.org/drawingml/2006/main" xmlns:p="http://schemas.openxmlformats.org/presentationml/2006/main" xmlns:r="http://schemas.openxmlformats.org/officeDocument/2006/relationships">
+  <p:cSld>
+    <p:spTree>
+      <p:nvGrpSpPr>
+        <p:cNvPr id="1" name=""/>
+        <p:cNvGrpSpPr/>
+        <p:nvPr/>
+      </p:nvGrpSpPr>
+      <p:grpSpPr/>
+      <p:sp>
+        <p:nvSpPr>
+          <p:cNvPr id="2" name="Title 1"/>
+          <p:cNvSpPr>
+            <a:spLocks noGrp="1"/>
+          </p:cNvSpPr>
+          <p:nvPr>
+            <p:ph type="title"/>
+          </p:nvPr>
+        </p:nvSpPr>
+        <p:spPr/>
+        <p:txBody>
+          <a:bodyPr/>
+          <a:lstStyle/>
+          <a:p/>
+        </p:txBody>
+      </p:sp>
+      <p:sp>
+        <p:nvSpPr>
+          <p:cNvPr id="3" name="Content Placeholder 2"/>
+          <p:cNvSpPr>
+            <a:spLocks noGrp="1"/>
+          </p:cNvSpPr>
+          <p:nvPr>
+            <p:ph idx="1"/>
+          </p:nvPr>
+        </p:nvSpPr>
+        <p:spPr/>
+        <p:txBody>
+          <a:bodyPr/>
+          <a:lstStyle/>
+          <a:p/>
+        </p:txBody>
+      </p:sp>
+    </p:spTree>
+  </p:cSld>
+  <p:clrMapOvr>
+    <a:masterClrMapping/>
+  </p:clrMapOvr>
+</p:sld>
+</file>
+
+<file path=ppt/slides/slide7.xml><?xml version="1.0" encoding="utf-8"?>
+<p:sld xmlns:a="http://schemas.openxmlformats.org/drawingml/2006/main" xmlns:p="http://schemas.openxmlformats.org/presentationml/2006/main" xmlns:r="http://schemas.openxmlformats.org/officeDocument/2006/relationships">
+  <p:cSld>
+    <p:spTree>
+      <p:nvGrpSpPr>
+        <p:cNvPr id="1" name=""/>
+        <p:cNvGrpSpPr/>
+        <p:nvPr/>
+      </p:nvGrpSpPr>
+      <p:grpSpPr/>
+      <p:sp>
+        <p:nvSpPr>
+          <p:cNvPr id="2" name="Title 1"/>
+          <p:cNvSpPr>
+            <a:spLocks noGrp="1"/>
+          </p:cNvSpPr>
+          <p:nvPr>
+            <p:ph type="title"/>
+          </p:nvPr>
+        </p:nvSpPr>
+        <p:spPr/>
+        <p:txBody>
+          <a:bodyPr/>
+          <a:lstStyle/>
+          <a:p/>
+        </p:txBody>
+      </p:sp>
+      <p:sp>
+        <p:nvSpPr>
+          <p:cNvPr id="3" name="Content Placeholder 2"/>
+          <p:cNvSpPr>
+            <a:spLocks noGrp="1"/>
+          </p:cNvSpPr>
+          <p:nvPr>
+            <p:ph idx="1"/>
+          </p:nvPr>
+        </p:nvSpPr>
+        <p:spPr/>
+        <p:txBody>
+          <a:bodyPr/>
+          <a:lstStyle/>
+          <a:p/>
+        </p:txBody>
+      </p:sp>
+    </p:spTree>
+  </p:cSld>
+  <p:clrMapOvr>
+    <a:masterClrMapping/>
+  </p:clrMapOvr>
+</p:sld>
+</file>
+
+<file path=ppt/slides/slide8.xml><?xml version="1.0" encoding="utf-8"?>
+<p:sld xmlns:a="http://schemas.openxmlformats.org/drawingml/2006/main" xmlns:p="http://schemas.openxmlformats.org/presentationml/2006/main" xmlns:r="http://schemas.openxmlformats.org/officeDocument/2006/relationships">
+  <p:cSld>
+    <p:spTree>
+      <p:nvGrpSpPr>
+        <p:cNvPr id="1" name=""/>
+        <p:cNvGrpSpPr/>
+        <p:nvPr/>
+      </p:nvGrpSpPr>
+      <p:grpSpPr/>
+      <p:sp>
+        <p:nvSpPr>
+          <p:cNvPr id="2" name="Title 1"/>
+          <p:cNvSpPr>
+            <a:spLocks noGrp="1"/>
+          </p:cNvSpPr>
+          <p:nvPr>
+            <p:ph type="title"/>
+          </p:nvPr>
+        </p:nvSpPr>
+        <p:spPr/>
+        <p:txBody>
+          <a:bodyPr/>
+          <a:lstStyle/>
+          <a:p/>
+        </p:txBody>
+      </p:sp>
+      <p:sp>
+        <p:nvSpPr>
+          <p:cNvPr id="3" name="Content Placeholder 2"/>
+          <p:cNvSpPr>
+            <a:spLocks noGrp="1"/>
+          </p:cNvSpPr>
+          <p:nvPr>
+            <p:ph idx="1"/>
+          </p:nvPr>
+        </p:nvSpPr>
+        <p:spPr/>
+        <p:txBody>
+          <a:bodyPr/>
+          <a:lstStyle/>
+          <a:p/>
+        </p:txBody>
+      </p:sp>
+    </p:spTree>
+  </p:cSld>
+  <p:clrMapOvr>
+    <a:masterClrMapping/>
+  </p:clrMapOvr>
+</p:sld>
+</file>
+
+<file path=ppt/slides/slide9.xml><?xml version="1.0" encoding="utf-8"?>
+<p:sld xmlns:a="http://schemas.openxmlformats.org/drawingml/2006/main" xmlns:p="http://schemas.openxmlformats.org/presentationml/2006/main" xmlns:r="http://schemas.openxmlformats.org/officeDocument/2006/relationships">
+  <p:cSld>
+    <p:spTree>
+      <p:nvGrpSpPr>
+        <p:cNvPr id="1" name=""/>
+        <p:cNvGrpSpPr/>
+        <p:nvPr/>
+      </p:nvGrpSpPr>
+      <p:grpSpPr/>
+      <p:sp>
+        <p:nvSpPr>
+          <p:cNvPr id="2" name="Title 1"/>
+          <p:cNvSpPr>
+            <a:spLocks noGrp="1"/>
+          </p:cNvSpPr>
+          <p:nvPr>
+            <p:ph type="title"/>
+          </p:nvPr>
+        </p:nvSpPr>
+        <p:spPr/>
+        <p:txBody>
+          <a:bodyPr/>
+          <a:lstStyle/>
+          <a:p/>
+        </p:txBody>
+      </p:sp>
+      <p:sp>
+        <p:nvSpPr>
+          <p:cNvPr id="3" name="Content Placeholder 2"/>
+          <p:cNvSpPr>
+            <a:spLocks noGrp="1"/>
+          </p:cNvSpPr>
+          <p:nvPr>
+            <p:ph idx="1"/>
+          </p:nvPr>
+        </p:nvSpPr>
+        <p:spPr/>
+        <p:txBody>
+          <a:bodyPr/>
+          <a:lstStyle/>
+          <a:p/>
         </p:txBody>
       </p:sp>
     </p:spTree>

--- a/financial_report.pptx
+++ b/financial_report.pptx
@@ -5,18 +5,10 @@
     <p:sldMasterId id="2147483648" r:id="rId1"/>
   </p:sldMasterIdLst>
   <p:sldIdLst>
-    <p:sldId id="256" r:id="rId7"/>
-    <p:sldId id="257" r:id="rId8"/>
-    <p:sldId id="258" r:id="rId9"/>
-    <p:sldId id="259" r:id="rId10"/>
-    <p:sldId id="260" r:id="rId11"/>
-    <p:sldId id="261" r:id="rId12"/>
-    <p:sldId id="262" r:id="rId13"/>
-    <p:sldId id="263" r:id="rId14"/>
-    <p:sldId id="264" r:id="rId15"/>
-    <p:sldId id="265" r:id="rId16"/>
-    <p:sldId id="266" r:id="rId17"/>
-    <p:sldId id="267" r:id="rId18"/>
+    <p:sldId id="256" r:id="rId2"/>
+    <p:sldId id="257" r:id="rId3"/>
+    <p:sldId id="258" r:id="rId4"/>
+    <p:sldId id="259" r:id="rId5"/>
   </p:sldIdLst>
   <p:sldSz cx="9144000" cy="6858000" type="screen4x3"/>
   <p:notesSz cx="6858000" cy="9144000"/>
@@ -115,6 +107,22 @@
       </a:defRPr>
     </a:lvl9pPr>
   </p:defaultTextStyle>
+  <p:extLst>
+    <p:ext uri="{EFAFB233-063F-42B5-8137-9DF3F51BA10A}">
+      <p15:sldGuideLst xmlns:p15="http://schemas.microsoft.com/office/powerpoint/2012/main">
+        <p15:guide id="1" orient="horz" pos="2160">
+          <p15:clr>
+            <a:srgbClr val="A4A3A4"/>
+          </p15:clr>
+        </p15:guide>
+        <p15:guide id="2" pos="2880">
+          <p15:clr>
+            <a:srgbClr val="A4A3A4"/>
+          </p15:clr>
+        </p15:guide>
+      </p15:sldGuideLst>
+    </p:ext>
+  </p:extLst>
 </p:presentation>
 </file>
 
@@ -156,10 +164,9 @@
           <a:lstStyle/>
           <a:p>
             <a:r>
-              <a:rPr lang="en-US" smtClean="0"/>
+              <a:rPr lang="en-US"/>
               <a:t>Click to edit Master title style</a:t>
             </a:r>
-            <a:endParaRPr lang="en-US"/>
           </a:p>
         </p:txBody>
       </p:sp>
@@ -275,10 +282,9 @@
           </a:lstStyle>
           <a:p>
             <a:r>
-              <a:rPr lang="en-US" smtClean="0"/>
+              <a:rPr lang="en-US"/>
               <a:t>Click to edit Master subtitle style</a:t>
             </a:r>
-            <a:endParaRPr lang="en-US"/>
           </a:p>
         </p:txBody>
       </p:sp>
@@ -299,7 +305,7 @@
           <a:p>
             <a:fld id="{5BCAD085-E8A6-8845-BD4E-CB4CCA059FC4}" type="datetimeFigureOut">
               <a:rPr lang="en-US" smtClean="0"/>
-              <a:t>1/27/13</a:t>
+              <a:t>5/24/25</a:t>
             </a:fld>
             <a:endParaRPr lang="en-US"/>
           </a:p>
@@ -361,6 +367,258 @@
 </file>
 
 <file path=ppt/slideLayouts/slideLayout10.xml><?xml version="1.0" encoding="utf-8"?>
+<p:sldLayout xmlns:a="http://schemas.openxmlformats.org/drawingml/2006/main" xmlns:r="http://schemas.openxmlformats.org/officeDocument/2006/relationships" xmlns:p="http://schemas.openxmlformats.org/presentationml/2006/main" type="picTx" preserve="1">
+  <p:cSld name="Picture with Caption">
+    <p:spTree>
+      <p:nvGrpSpPr>
+        <p:cNvPr id="1" name=""/>
+        <p:cNvGrpSpPr/>
+        <p:nvPr/>
+      </p:nvGrpSpPr>
+      <p:grpSpPr>
+        <a:xfrm>
+          <a:off x="0" y="0"/>
+          <a:ext cx="0" cy="0"/>
+          <a:chOff x="0" y="0"/>
+          <a:chExt cx="0" cy="0"/>
+        </a:xfrm>
+      </p:grpSpPr>
+      <p:sp>
+        <p:nvSpPr>
+          <p:cNvPr id="2" name="Title 1"/>
+          <p:cNvSpPr>
+            <a:spLocks noGrp="1"/>
+          </p:cNvSpPr>
+          <p:nvPr>
+            <p:ph type="title"/>
+          </p:nvPr>
+        </p:nvSpPr>
+        <p:spPr>
+          <a:xfrm>
+            <a:off x="1792288" y="4800600"/>
+            <a:ext cx="5486400" cy="566738"/>
+          </a:xfrm>
+        </p:spPr>
+        <p:txBody>
+          <a:bodyPr anchor="b"/>
+          <a:lstStyle>
+            <a:lvl1pPr algn="l">
+              <a:defRPr sz="2000" b="1"/>
+            </a:lvl1pPr>
+          </a:lstStyle>
+          <a:p>
+            <a:r>
+              <a:rPr lang="en-US"/>
+              <a:t>Click to edit Master title style</a:t>
+            </a:r>
+          </a:p>
+        </p:txBody>
+      </p:sp>
+      <p:sp>
+        <p:nvSpPr>
+          <p:cNvPr id="3" name="Picture Placeholder 2"/>
+          <p:cNvSpPr>
+            <a:spLocks noGrp="1"/>
+          </p:cNvSpPr>
+          <p:nvPr>
+            <p:ph type="pic" idx="1"/>
+          </p:nvPr>
+        </p:nvSpPr>
+        <p:spPr>
+          <a:xfrm>
+            <a:off x="1792288" y="612775"/>
+            <a:ext cx="5486400" cy="4114800"/>
+          </a:xfrm>
+        </p:spPr>
+        <p:txBody>
+          <a:bodyPr/>
+          <a:lstStyle>
+            <a:lvl1pPr marL="0" indent="0">
+              <a:buNone/>
+              <a:defRPr sz="3200"/>
+            </a:lvl1pPr>
+            <a:lvl2pPr marL="457200" indent="0">
+              <a:buNone/>
+              <a:defRPr sz="2800"/>
+            </a:lvl2pPr>
+            <a:lvl3pPr marL="914400" indent="0">
+              <a:buNone/>
+              <a:defRPr sz="2400"/>
+            </a:lvl3pPr>
+            <a:lvl4pPr marL="1371600" indent="0">
+              <a:buNone/>
+              <a:defRPr sz="2000"/>
+            </a:lvl4pPr>
+            <a:lvl5pPr marL="1828800" indent="0">
+              <a:buNone/>
+              <a:defRPr sz="2000"/>
+            </a:lvl5pPr>
+            <a:lvl6pPr marL="2286000" indent="0">
+              <a:buNone/>
+              <a:defRPr sz="2000"/>
+            </a:lvl6pPr>
+            <a:lvl7pPr marL="2743200" indent="0">
+              <a:buNone/>
+              <a:defRPr sz="2000"/>
+            </a:lvl7pPr>
+            <a:lvl8pPr marL="3200400" indent="0">
+              <a:buNone/>
+              <a:defRPr sz="2000"/>
+            </a:lvl8pPr>
+            <a:lvl9pPr marL="3657600" indent="0">
+              <a:buNone/>
+              <a:defRPr sz="2000"/>
+            </a:lvl9pPr>
+          </a:lstStyle>
+          <a:p>
+            <a:endParaRPr lang="en-US"/>
+          </a:p>
+        </p:txBody>
+      </p:sp>
+      <p:sp>
+        <p:nvSpPr>
+          <p:cNvPr id="4" name="Text Placeholder 3"/>
+          <p:cNvSpPr>
+            <a:spLocks noGrp="1"/>
+          </p:cNvSpPr>
+          <p:nvPr>
+            <p:ph type="body" sz="half" idx="2"/>
+          </p:nvPr>
+        </p:nvSpPr>
+        <p:spPr>
+          <a:xfrm>
+            <a:off x="1792288" y="5367338"/>
+            <a:ext cx="5486400" cy="804862"/>
+          </a:xfrm>
+        </p:spPr>
+        <p:txBody>
+          <a:bodyPr/>
+          <a:lstStyle>
+            <a:lvl1pPr marL="0" indent="0">
+              <a:buNone/>
+              <a:defRPr sz="1400"/>
+            </a:lvl1pPr>
+            <a:lvl2pPr marL="457200" indent="0">
+              <a:buNone/>
+              <a:defRPr sz="1200"/>
+            </a:lvl2pPr>
+            <a:lvl3pPr marL="914400" indent="0">
+              <a:buNone/>
+              <a:defRPr sz="1000"/>
+            </a:lvl3pPr>
+            <a:lvl4pPr marL="1371600" indent="0">
+              <a:buNone/>
+              <a:defRPr sz="900"/>
+            </a:lvl4pPr>
+            <a:lvl5pPr marL="1828800" indent="0">
+              <a:buNone/>
+              <a:defRPr sz="900"/>
+            </a:lvl5pPr>
+            <a:lvl6pPr marL="2286000" indent="0">
+              <a:buNone/>
+              <a:defRPr sz="900"/>
+            </a:lvl6pPr>
+            <a:lvl7pPr marL="2743200" indent="0">
+              <a:buNone/>
+              <a:defRPr sz="900"/>
+            </a:lvl7pPr>
+            <a:lvl8pPr marL="3200400" indent="0">
+              <a:buNone/>
+              <a:defRPr sz="900"/>
+            </a:lvl8pPr>
+            <a:lvl9pPr marL="3657600" indent="0">
+              <a:buNone/>
+              <a:defRPr sz="900"/>
+            </a:lvl9pPr>
+          </a:lstStyle>
+          <a:p>
+            <a:pPr lvl="0"/>
+            <a:r>
+              <a:rPr lang="en-US"/>
+              <a:t>Click to edit Master text styles</a:t>
+            </a:r>
+          </a:p>
+        </p:txBody>
+      </p:sp>
+      <p:sp>
+        <p:nvSpPr>
+          <p:cNvPr id="5" name="Date Placeholder 4"/>
+          <p:cNvSpPr>
+            <a:spLocks noGrp="1"/>
+          </p:cNvSpPr>
+          <p:nvPr>
+            <p:ph type="dt" sz="half" idx="10"/>
+          </p:nvPr>
+        </p:nvSpPr>
+        <p:spPr/>
+        <p:txBody>
+          <a:bodyPr/>
+          <a:lstStyle/>
+          <a:p>
+            <a:fld id="{5BCAD085-E8A6-8845-BD4E-CB4CCA059FC4}" type="datetimeFigureOut">
+              <a:rPr lang="en-US" smtClean="0"/>
+              <a:t>5/24/25</a:t>
+            </a:fld>
+            <a:endParaRPr lang="en-US"/>
+          </a:p>
+        </p:txBody>
+      </p:sp>
+      <p:sp>
+        <p:nvSpPr>
+          <p:cNvPr id="6" name="Footer Placeholder 5"/>
+          <p:cNvSpPr>
+            <a:spLocks noGrp="1"/>
+          </p:cNvSpPr>
+          <p:nvPr>
+            <p:ph type="ftr" sz="quarter" idx="11"/>
+          </p:nvPr>
+        </p:nvSpPr>
+        <p:spPr/>
+        <p:txBody>
+          <a:bodyPr/>
+          <a:lstStyle/>
+          <a:p>
+            <a:endParaRPr lang="en-US"/>
+          </a:p>
+        </p:txBody>
+      </p:sp>
+      <p:sp>
+        <p:nvSpPr>
+          <p:cNvPr id="7" name="Slide Number Placeholder 6"/>
+          <p:cNvSpPr>
+            <a:spLocks noGrp="1"/>
+          </p:cNvSpPr>
+          <p:nvPr>
+            <p:ph type="sldNum" sz="quarter" idx="12"/>
+          </p:nvPr>
+        </p:nvSpPr>
+        <p:spPr/>
+        <p:txBody>
+          <a:bodyPr/>
+          <a:lstStyle/>
+          <a:p>
+            <a:fld id="{C1FF6DA9-008F-8B48-92A6-B652298478BF}" type="slidenum">
+              <a:rPr lang="en-US" smtClean="0"/>
+              <a:t>‹#›</a:t>
+            </a:fld>
+            <a:endParaRPr lang="en-US"/>
+          </a:p>
+        </p:txBody>
+      </p:sp>
+    </p:spTree>
+    <p:extLst>
+      <p:ext uri="{BB962C8B-B14F-4D97-AF65-F5344CB8AC3E}">
+        <p14:creationId xmlns:p14="http://schemas.microsoft.com/office/powerpoint/2010/main" val="3889236939"/>
+      </p:ext>
+    </p:extLst>
+  </p:cSld>
+  <p:clrMapOvr>
+    <a:masterClrMapping/>
+  </p:clrMapOvr>
+</p:sldLayout>
+</file>
+
+<file path=ppt/slideLayouts/slideLayout11.xml><?xml version="1.0" encoding="utf-8"?>
 <p:sldLayout xmlns:a="http://schemas.openxmlformats.org/drawingml/2006/main" xmlns:r="http://schemas.openxmlformats.org/officeDocument/2006/relationships" xmlns:p="http://schemas.openxmlformats.org/presentationml/2006/main" type="vertTx" preserve="1">
   <p:cSld name="Title and Vertical Text">
     <p:spTree>
@@ -393,10 +651,9 @@
           <a:lstStyle/>
           <a:p>
             <a:r>
-              <a:rPr lang="en-US" smtClean="0"/>
+              <a:rPr lang="en-US"/>
               <a:t>Click to edit Master title style</a:t>
             </a:r>
-            <a:endParaRPr lang="en-US"/>
           </a:p>
         </p:txBody>
       </p:sp>
@@ -417,38 +674,37 @@
           <a:p>
             <a:pPr lvl="0"/>
             <a:r>
-              <a:rPr lang="en-US" smtClean="0"/>
+              <a:rPr lang="en-US"/>
               <a:t>Click to edit Master text styles</a:t>
             </a:r>
           </a:p>
           <a:p>
             <a:pPr lvl="1"/>
             <a:r>
-              <a:rPr lang="en-US" smtClean="0"/>
+              <a:rPr lang="en-US"/>
               <a:t>Second level</a:t>
             </a:r>
           </a:p>
           <a:p>
             <a:pPr lvl="2"/>
             <a:r>
-              <a:rPr lang="en-US" smtClean="0"/>
+              <a:rPr lang="en-US"/>
               <a:t>Third level</a:t>
             </a:r>
           </a:p>
           <a:p>
             <a:pPr lvl="3"/>
             <a:r>
-              <a:rPr lang="en-US" smtClean="0"/>
+              <a:rPr lang="en-US"/>
               <a:t>Fourth level</a:t>
             </a:r>
           </a:p>
           <a:p>
             <a:pPr lvl="4"/>
             <a:r>
-              <a:rPr lang="en-US" smtClean="0"/>
+              <a:rPr lang="en-US"/>
               <a:t>Fifth level</a:t>
             </a:r>
-            <a:endParaRPr lang="en-US"/>
           </a:p>
         </p:txBody>
       </p:sp>
@@ -469,7 +725,7 @@
           <a:p>
             <a:fld id="{5BCAD085-E8A6-8845-BD4E-CB4CCA059FC4}" type="datetimeFigureOut">
               <a:rPr lang="en-US" smtClean="0"/>
-              <a:t>1/27/13</a:t>
+              <a:t>5/24/25</a:t>
             </a:fld>
             <a:endParaRPr lang="en-US"/>
           </a:p>
@@ -530,7 +786,7 @@
 </p:sldLayout>
 </file>
 
-<file path=ppt/slideLayouts/slideLayout11.xml><?xml version="1.0" encoding="utf-8"?>
+<file path=ppt/slideLayouts/slideLayout12.xml><?xml version="1.0" encoding="utf-8"?>
 <p:sldLayout xmlns:a="http://schemas.openxmlformats.org/drawingml/2006/main" xmlns:r="http://schemas.openxmlformats.org/officeDocument/2006/relationships" xmlns:p="http://schemas.openxmlformats.org/presentationml/2006/main" type="vertTitleAndTx" preserve="1">
   <p:cSld name="Vertical Title and Text">
     <p:spTree>
@@ -568,10 +824,9 @@
           <a:lstStyle/>
           <a:p>
             <a:r>
-              <a:rPr lang="en-US" smtClean="0"/>
+              <a:rPr lang="en-US"/>
               <a:t>Click to edit Master title style</a:t>
             </a:r>
-            <a:endParaRPr lang="en-US"/>
           </a:p>
         </p:txBody>
       </p:sp>
@@ -597,38 +852,37 @@
           <a:p>
             <a:pPr lvl="0"/>
             <a:r>
-              <a:rPr lang="en-US" smtClean="0"/>
+              <a:rPr lang="en-US"/>
               <a:t>Click to edit Master text styles</a:t>
             </a:r>
           </a:p>
           <a:p>
             <a:pPr lvl="1"/>
             <a:r>
-              <a:rPr lang="en-US" smtClean="0"/>
+              <a:rPr lang="en-US"/>
               <a:t>Second level</a:t>
             </a:r>
           </a:p>
           <a:p>
             <a:pPr lvl="2"/>
             <a:r>
-              <a:rPr lang="en-US" smtClean="0"/>
+              <a:rPr lang="en-US"/>
               <a:t>Third level</a:t>
             </a:r>
           </a:p>
           <a:p>
             <a:pPr lvl="3"/>
             <a:r>
-              <a:rPr lang="en-US" smtClean="0"/>
+              <a:rPr lang="en-US"/>
               <a:t>Fourth level</a:t>
             </a:r>
           </a:p>
           <a:p>
             <a:pPr lvl="4"/>
             <a:r>
-              <a:rPr lang="en-US" smtClean="0"/>
+              <a:rPr lang="en-US"/>
               <a:t>Fifth level</a:t>
             </a:r>
-            <a:endParaRPr lang="en-US"/>
           </a:p>
         </p:txBody>
       </p:sp>
@@ -649,7 +903,7 @@
           <a:p>
             <a:fld id="{5BCAD085-E8A6-8845-BD4E-CB4CCA059FC4}" type="datetimeFigureOut">
               <a:rPr lang="en-US" smtClean="0"/>
-              <a:t>1/27/13</a:t>
+              <a:t>5/24/25</a:t>
             </a:fld>
             <a:endParaRPr lang="en-US"/>
           </a:p>
@@ -743,10 +997,9 @@
           <a:lstStyle/>
           <a:p>
             <a:r>
-              <a:rPr lang="en-US" smtClean="0"/>
+              <a:rPr lang="en-US"/>
               <a:t>Click to edit Master title style</a:t>
             </a:r>
-            <a:endParaRPr lang="en-US"/>
           </a:p>
         </p:txBody>
       </p:sp>
@@ -767,38 +1020,37 @@
           <a:p>
             <a:pPr lvl="0"/>
             <a:r>
-              <a:rPr lang="en-US" smtClean="0"/>
+              <a:rPr lang="en-US"/>
               <a:t>Click to edit Master text styles</a:t>
             </a:r>
           </a:p>
           <a:p>
             <a:pPr lvl="1"/>
             <a:r>
-              <a:rPr lang="en-US" smtClean="0"/>
+              <a:rPr lang="en-US"/>
               <a:t>Second level</a:t>
             </a:r>
           </a:p>
           <a:p>
             <a:pPr lvl="2"/>
             <a:r>
-              <a:rPr lang="en-US" smtClean="0"/>
+              <a:rPr lang="en-US"/>
               <a:t>Third level</a:t>
             </a:r>
           </a:p>
           <a:p>
             <a:pPr lvl="3"/>
             <a:r>
-              <a:rPr lang="en-US" smtClean="0"/>
+              <a:rPr lang="en-US"/>
               <a:t>Fourth level</a:t>
             </a:r>
           </a:p>
           <a:p>
             <a:pPr lvl="4"/>
             <a:r>
-              <a:rPr lang="en-US" smtClean="0"/>
+              <a:rPr lang="en-US"/>
               <a:t>Fifth level</a:t>
             </a:r>
-            <a:endParaRPr lang="en-US"/>
           </a:p>
         </p:txBody>
       </p:sp>
@@ -819,7 +1071,7 @@
           <a:p>
             <a:fld id="{5BCAD085-E8A6-8845-BD4E-CB4CCA059FC4}" type="datetimeFigureOut">
               <a:rPr lang="en-US" smtClean="0"/>
-              <a:t>1/27/13</a:t>
+              <a:t>5/24/25</a:t>
             </a:fld>
             <a:endParaRPr lang="en-US"/>
           </a:p>
@@ -881,6 +1133,165 @@
 </file>
 
 <file path=ppt/slideLayouts/slideLayout3.xml><?xml version="1.0" encoding="utf-8"?>
+<p:sldLayout xmlns:a="http://schemas.openxmlformats.org/drawingml/2006/main" xmlns:r="http://schemas.openxmlformats.org/officeDocument/2006/relationships" xmlns:p="http://schemas.openxmlformats.org/presentationml/2006/main" preserve="1" userDrawn="1">
+  <p:cSld name="1_Title Slide">
+    <p:spTree>
+      <p:nvGrpSpPr>
+        <p:cNvPr id="1" name=""/>
+        <p:cNvGrpSpPr/>
+        <p:nvPr/>
+      </p:nvGrpSpPr>
+      <p:grpSpPr>
+        <a:xfrm>
+          <a:off x="0" y="0"/>
+          <a:ext cx="0" cy="0"/>
+          <a:chOff x="0" y="0"/>
+          <a:chExt cx="0" cy="0"/>
+        </a:xfrm>
+      </p:grpSpPr>
+      <p:sp>
+        <p:nvSpPr>
+          <p:cNvPr id="4" name="Date Placeholder 3"/>
+          <p:cNvSpPr>
+            <a:spLocks noGrp="1"/>
+          </p:cNvSpPr>
+          <p:nvPr>
+            <p:ph type="dt" sz="half" idx="10"/>
+          </p:nvPr>
+        </p:nvSpPr>
+        <p:spPr/>
+        <p:txBody>
+          <a:bodyPr/>
+          <a:lstStyle/>
+          <a:p>
+            <a:fld id="{5BCAD085-E8A6-8845-BD4E-CB4CCA059FC4}" type="datetimeFigureOut">
+              <a:rPr lang="en-US" smtClean="0"/>
+              <a:t>5/24/25</a:t>
+            </a:fld>
+            <a:endParaRPr lang="en-US"/>
+          </a:p>
+        </p:txBody>
+      </p:sp>
+      <p:sp>
+        <p:nvSpPr>
+          <p:cNvPr id="5" name="Footer Placeholder 4"/>
+          <p:cNvSpPr>
+            <a:spLocks noGrp="1"/>
+          </p:cNvSpPr>
+          <p:nvPr>
+            <p:ph type="ftr" sz="quarter" idx="11"/>
+          </p:nvPr>
+        </p:nvSpPr>
+        <p:spPr/>
+        <p:txBody>
+          <a:bodyPr/>
+          <a:lstStyle/>
+          <a:p>
+            <a:endParaRPr lang="en-US"/>
+          </a:p>
+        </p:txBody>
+      </p:sp>
+      <p:sp>
+        <p:nvSpPr>
+          <p:cNvPr id="6" name="Slide Number Placeholder 5"/>
+          <p:cNvSpPr>
+            <a:spLocks noGrp="1"/>
+          </p:cNvSpPr>
+          <p:nvPr>
+            <p:ph type="sldNum" sz="quarter" idx="12"/>
+          </p:nvPr>
+        </p:nvSpPr>
+        <p:spPr/>
+        <p:txBody>
+          <a:bodyPr/>
+          <a:lstStyle/>
+          <a:p>
+            <a:fld id="{C1FF6DA9-008F-8B48-92A6-B652298478BF}" type="slidenum">
+              <a:rPr lang="en-US" smtClean="0"/>
+              <a:t>‹#›</a:t>
+            </a:fld>
+            <a:endParaRPr lang="en-US"/>
+          </a:p>
+        </p:txBody>
+      </p:sp>
+      <p:sp>
+        <p:nvSpPr>
+          <p:cNvPr id="7" name="textMainBullets_R">
+            <a:extLst>
+              <a:ext uri="{FF2B5EF4-FFF2-40B4-BE49-F238E27FC236}">
+                <a16:creationId xmlns:a16="http://schemas.microsoft.com/office/drawing/2014/main" id="{67F3F66B-D93E-41A6-9034-0E83D2591BD9}"/>
+              </a:ext>
+            </a:extLst>
+          </p:cNvPr>
+          <p:cNvSpPr txBox="1"/>
+          <p:nvPr userDrawn="1"/>
+        </p:nvSpPr>
+        <p:spPr>
+          <a:xfrm>
+            <a:off x="4297680" y="914400"/>
+            <a:ext cx="3657600" cy="4572000"/>
+          </a:xfrm>
+          <a:prstGeom prst="rect">
+            <a:avLst/>
+          </a:prstGeom>
+          <a:noFill/>
+        </p:spPr>
+        <p:txBody>
+          <a:bodyPr wrap="none">
+            <a:spAutoFit/>
+          </a:bodyPr>
+          <a:lstStyle/>
+          <a:p>
+            <a:endParaRPr/>
+          </a:p>
+        </p:txBody>
+      </p:sp>
+      <p:sp>
+        <p:nvSpPr>
+          <p:cNvPr id="8" name="textMainBullets_L">
+            <a:extLst>
+              <a:ext uri="{FF2B5EF4-FFF2-40B4-BE49-F238E27FC236}">
+                <a16:creationId xmlns:a16="http://schemas.microsoft.com/office/drawing/2014/main" id="{E47655F6-780B-7593-1C95-16140CB660CD}"/>
+              </a:ext>
+            </a:extLst>
+          </p:cNvPr>
+          <p:cNvSpPr txBox="1"/>
+          <p:nvPr userDrawn="1"/>
+        </p:nvSpPr>
+        <p:spPr>
+          <a:xfrm>
+            <a:off x="457200" y="914400"/>
+            <a:ext cx="3657600" cy="4572000"/>
+          </a:xfrm>
+          <a:prstGeom prst="rect">
+            <a:avLst/>
+          </a:prstGeom>
+          <a:noFill/>
+        </p:spPr>
+        <p:txBody>
+          <a:bodyPr wrap="none">
+            <a:spAutoFit/>
+          </a:bodyPr>
+          <a:lstStyle/>
+          <a:p>
+            <a:endParaRPr/>
+          </a:p>
+        </p:txBody>
+      </p:sp>
+    </p:spTree>
+    <p:extLst>
+      <p:ext uri="{BB962C8B-B14F-4D97-AF65-F5344CB8AC3E}">
+        <p14:creationId xmlns:p14="http://schemas.microsoft.com/office/powerpoint/2010/main" val="1748789399"/>
+      </p:ext>
+    </p:extLst>
+  </p:cSld>
+  <p:clrMapOvr>
+    <a:masterClrMapping/>
+  </p:clrMapOvr>
+</p:sldLayout>
+</file>
+
+<file path=ppt/slideLayouts/slideLayout4.xml><?xml version="1.0" encoding="utf-8"?>
 <p:sldLayout xmlns:a="http://schemas.openxmlformats.org/drawingml/2006/main" xmlns:r="http://schemas.openxmlformats.org/officeDocument/2006/relationships" xmlns:p="http://schemas.openxmlformats.org/presentationml/2006/main" type="secHead" preserve="1">
   <p:cSld name="Section Header">
     <p:spTree>
@@ -922,10 +1333,9 @@
           </a:lstStyle>
           <a:p>
             <a:r>
-              <a:rPr lang="en-US" smtClean="0"/>
+              <a:rPr lang="en-US"/>
               <a:t>Click to edit Master title style</a:t>
             </a:r>
-            <a:endParaRPr lang="en-US"/>
           </a:p>
         </p:txBody>
       </p:sp>
@@ -1042,7 +1452,7 @@
           <a:p>
             <a:pPr lvl="0"/>
             <a:r>
-              <a:rPr lang="en-US" smtClean="0"/>
+              <a:rPr lang="en-US"/>
               <a:t>Click to edit Master text styles</a:t>
             </a:r>
           </a:p>
@@ -1065,7 +1475,7 @@
           <a:p>
             <a:fld id="{5BCAD085-E8A6-8845-BD4E-CB4CCA059FC4}" type="datetimeFigureOut">
               <a:rPr lang="en-US" smtClean="0"/>
-              <a:t>1/27/13</a:t>
+              <a:t>5/24/25</a:t>
             </a:fld>
             <a:endParaRPr lang="en-US"/>
           </a:p>
@@ -1126,7 +1536,7 @@
 </p:sldLayout>
 </file>
 
-<file path=ppt/slideLayouts/slideLayout4.xml><?xml version="1.0" encoding="utf-8"?>
+<file path=ppt/slideLayouts/slideLayout5.xml><?xml version="1.0" encoding="utf-8"?>
 <p:sldLayout xmlns:a="http://schemas.openxmlformats.org/drawingml/2006/main" xmlns:r="http://schemas.openxmlformats.org/officeDocument/2006/relationships" xmlns:p="http://schemas.openxmlformats.org/presentationml/2006/main" type="twoObj" preserve="1">
   <p:cSld name="Two Content">
     <p:spTree>
@@ -1159,10 +1569,9 @@
           <a:lstStyle/>
           <a:p>
             <a:r>
-              <a:rPr lang="en-US" smtClean="0"/>
+              <a:rPr lang="en-US"/>
               <a:t>Click to edit Master title style</a:t>
             </a:r>
-            <a:endParaRPr lang="en-US"/>
           </a:p>
         </p:txBody>
       </p:sp>
@@ -1216,38 +1625,37 @@
           <a:p>
             <a:pPr lvl="0"/>
             <a:r>
-              <a:rPr lang="en-US" smtClean="0"/>
+              <a:rPr lang="en-US"/>
               <a:t>Click to edit Master text styles</a:t>
             </a:r>
           </a:p>
           <a:p>
             <a:pPr lvl="1"/>
             <a:r>
-              <a:rPr lang="en-US" smtClean="0"/>
+              <a:rPr lang="en-US"/>
               <a:t>Second level</a:t>
             </a:r>
           </a:p>
           <a:p>
             <a:pPr lvl="2"/>
             <a:r>
-              <a:rPr lang="en-US" smtClean="0"/>
+              <a:rPr lang="en-US"/>
               <a:t>Third level</a:t>
             </a:r>
           </a:p>
           <a:p>
             <a:pPr lvl="3"/>
             <a:r>
-              <a:rPr lang="en-US" smtClean="0"/>
+              <a:rPr lang="en-US"/>
               <a:t>Fourth level</a:t>
             </a:r>
           </a:p>
           <a:p>
             <a:pPr lvl="4"/>
             <a:r>
-              <a:rPr lang="en-US" smtClean="0"/>
+              <a:rPr lang="en-US"/>
               <a:t>Fifth level</a:t>
             </a:r>
-            <a:endParaRPr lang="en-US"/>
           </a:p>
         </p:txBody>
       </p:sp>
@@ -1301,38 +1709,37 @@
           <a:p>
             <a:pPr lvl="0"/>
             <a:r>
-              <a:rPr lang="en-US" smtClean="0"/>
+              <a:rPr lang="en-US"/>
               <a:t>Click to edit Master text styles</a:t>
             </a:r>
           </a:p>
           <a:p>
             <a:pPr lvl="1"/>
             <a:r>
-              <a:rPr lang="en-US" smtClean="0"/>
+              <a:rPr lang="en-US"/>
               <a:t>Second level</a:t>
             </a:r>
           </a:p>
           <a:p>
             <a:pPr lvl="2"/>
             <a:r>
-              <a:rPr lang="en-US" smtClean="0"/>
+              <a:rPr lang="en-US"/>
               <a:t>Third level</a:t>
             </a:r>
           </a:p>
           <a:p>
             <a:pPr lvl="3"/>
             <a:r>
-              <a:rPr lang="en-US" smtClean="0"/>
+              <a:rPr lang="en-US"/>
               <a:t>Fourth level</a:t>
             </a:r>
           </a:p>
           <a:p>
             <a:pPr lvl="4"/>
             <a:r>
-              <a:rPr lang="en-US" smtClean="0"/>
+              <a:rPr lang="en-US"/>
               <a:t>Fifth level</a:t>
             </a:r>
-            <a:endParaRPr lang="en-US"/>
           </a:p>
         </p:txBody>
       </p:sp>
@@ -1353,7 +1760,7 @@
           <a:p>
             <a:fld id="{5BCAD085-E8A6-8845-BD4E-CB4CCA059FC4}" type="datetimeFigureOut">
               <a:rPr lang="en-US" smtClean="0"/>
-              <a:t>1/27/13</a:t>
+              <a:t>5/24/25</a:t>
             </a:fld>
             <a:endParaRPr lang="en-US"/>
           </a:p>
@@ -1414,7 +1821,7 @@
 </p:sldLayout>
 </file>
 
-<file path=ppt/slideLayouts/slideLayout5.xml><?xml version="1.0" encoding="utf-8"?>
+<file path=ppt/slideLayouts/slideLayout6.xml><?xml version="1.0" encoding="utf-8"?>
 <p:sldLayout xmlns:a="http://schemas.openxmlformats.org/drawingml/2006/main" xmlns:r="http://schemas.openxmlformats.org/officeDocument/2006/relationships" xmlns:p="http://schemas.openxmlformats.org/presentationml/2006/main" type="twoTxTwoObj" preserve="1">
   <p:cSld name="Comparison">
     <p:spTree>
@@ -1451,10 +1858,9 @@
           </a:lstStyle>
           <a:p>
             <a:r>
-              <a:rPr lang="en-US" smtClean="0"/>
+              <a:rPr lang="en-US"/>
               <a:t>Click to edit Master title style</a:t>
             </a:r>
-            <a:endParaRPr lang="en-US"/>
           </a:p>
         </p:txBody>
       </p:sp>
@@ -1517,7 +1923,7 @@
           <a:p>
             <a:pPr lvl="0"/>
             <a:r>
-              <a:rPr lang="en-US" smtClean="0"/>
+              <a:rPr lang="en-US"/>
               <a:t>Click to edit Master text styles</a:t>
             </a:r>
           </a:p>
@@ -1573,38 +1979,37 @@
           <a:p>
             <a:pPr lvl="0"/>
             <a:r>
-              <a:rPr lang="en-US" smtClean="0"/>
+              <a:rPr lang="en-US"/>
               <a:t>Click to edit Master text styles</a:t>
             </a:r>
           </a:p>
           <a:p>
             <a:pPr lvl="1"/>
             <a:r>
-              <a:rPr lang="en-US" smtClean="0"/>
+              <a:rPr lang="en-US"/>
               <a:t>Second level</a:t>
             </a:r>
           </a:p>
           <a:p>
             <a:pPr lvl="2"/>
             <a:r>
-              <a:rPr lang="en-US" smtClean="0"/>
+              <a:rPr lang="en-US"/>
               <a:t>Third level</a:t>
             </a:r>
           </a:p>
           <a:p>
             <a:pPr lvl="3"/>
             <a:r>
-              <a:rPr lang="en-US" smtClean="0"/>
+              <a:rPr lang="en-US"/>
               <a:t>Fourth level</a:t>
             </a:r>
           </a:p>
           <a:p>
             <a:pPr lvl="4"/>
             <a:r>
-              <a:rPr lang="en-US" smtClean="0"/>
+              <a:rPr lang="en-US"/>
               <a:t>Fifth level</a:t>
             </a:r>
-            <a:endParaRPr lang="en-US"/>
           </a:p>
         </p:txBody>
       </p:sp>
@@ -1667,7 +2072,7 @@
           <a:p>
             <a:pPr lvl="0"/>
             <a:r>
-              <a:rPr lang="en-US" smtClean="0"/>
+              <a:rPr lang="en-US"/>
               <a:t>Click to edit Master text styles</a:t>
             </a:r>
           </a:p>
@@ -1723,38 +2128,37 @@
           <a:p>
             <a:pPr lvl="0"/>
             <a:r>
-              <a:rPr lang="en-US" smtClean="0"/>
+              <a:rPr lang="en-US"/>
               <a:t>Click to edit Master text styles</a:t>
             </a:r>
           </a:p>
           <a:p>
             <a:pPr lvl="1"/>
             <a:r>
-              <a:rPr lang="en-US" smtClean="0"/>
+              <a:rPr lang="en-US"/>
               <a:t>Second level</a:t>
             </a:r>
           </a:p>
           <a:p>
             <a:pPr lvl="2"/>
             <a:r>
-              <a:rPr lang="en-US" smtClean="0"/>
+              <a:rPr lang="en-US"/>
               <a:t>Third level</a:t>
             </a:r>
           </a:p>
           <a:p>
             <a:pPr lvl="3"/>
             <a:r>
-              <a:rPr lang="en-US" smtClean="0"/>
+              <a:rPr lang="en-US"/>
               <a:t>Fourth level</a:t>
             </a:r>
           </a:p>
           <a:p>
             <a:pPr lvl="4"/>
             <a:r>
-              <a:rPr lang="en-US" smtClean="0"/>
+              <a:rPr lang="en-US"/>
               <a:t>Fifth level</a:t>
             </a:r>
-            <a:endParaRPr lang="en-US"/>
           </a:p>
         </p:txBody>
       </p:sp>
@@ -1775,7 +2179,7 @@
           <a:p>
             <a:fld id="{5BCAD085-E8A6-8845-BD4E-CB4CCA059FC4}" type="datetimeFigureOut">
               <a:rPr lang="en-US" smtClean="0"/>
-              <a:t>1/27/13</a:t>
+              <a:t>5/24/25</a:t>
             </a:fld>
             <a:endParaRPr lang="en-US"/>
           </a:p>
@@ -1836,7 +2240,7 @@
 </p:sldLayout>
 </file>
 
-<file path=ppt/slideLayouts/slideLayout6.xml><?xml version="1.0" encoding="utf-8"?>
+<file path=ppt/slideLayouts/slideLayout7.xml><?xml version="1.0" encoding="utf-8"?>
 <p:sldLayout xmlns:a="http://schemas.openxmlformats.org/drawingml/2006/main" xmlns:r="http://schemas.openxmlformats.org/officeDocument/2006/relationships" xmlns:p="http://schemas.openxmlformats.org/presentationml/2006/main" type="titleOnly" preserve="1">
   <p:cSld name="Title Only">
     <p:spTree>
@@ -1869,10 +2273,9 @@
           <a:lstStyle/>
           <a:p>
             <a:r>
-              <a:rPr lang="en-US" smtClean="0"/>
+              <a:rPr lang="en-US"/>
               <a:t>Click to edit Master title style</a:t>
             </a:r>
-            <a:endParaRPr lang="en-US"/>
           </a:p>
         </p:txBody>
       </p:sp>
@@ -1893,7 +2296,7 @@
           <a:p>
             <a:fld id="{5BCAD085-E8A6-8845-BD4E-CB4CCA059FC4}" type="datetimeFigureOut">
               <a:rPr lang="en-US" smtClean="0"/>
-              <a:t>1/27/13</a:t>
+              <a:t>5/24/25</a:t>
             </a:fld>
             <a:endParaRPr lang="en-US"/>
           </a:p>
@@ -1954,7 +2357,7 @@
 </p:sldLayout>
 </file>
 
-<file path=ppt/slideLayouts/slideLayout7.xml><?xml version="1.0" encoding="utf-8"?>
+<file path=ppt/slideLayouts/slideLayout8.xml><?xml version="1.0" encoding="utf-8"?>
 <p:sldLayout xmlns:a="http://schemas.openxmlformats.org/drawingml/2006/main" xmlns:r="http://schemas.openxmlformats.org/officeDocument/2006/relationships" xmlns:p="http://schemas.openxmlformats.org/presentationml/2006/main" type="blank" preserve="1">
   <p:cSld name="Blank">
     <p:spTree>
@@ -1988,7 +2391,7 @@
           <a:p>
             <a:fld id="{5BCAD085-E8A6-8845-BD4E-CB4CCA059FC4}" type="datetimeFigureOut">
               <a:rPr lang="en-US" smtClean="0"/>
-              <a:t>1/27/13</a:t>
+              <a:t>5/24/25</a:t>
             </a:fld>
             <a:endParaRPr lang="en-US"/>
           </a:p>
@@ -2049,7 +2452,7 @@
 </p:sldLayout>
 </file>
 
-<file path=ppt/slideLayouts/slideLayout8.xml><?xml version="1.0" encoding="utf-8"?>
+<file path=ppt/slideLayouts/slideLayout9.xml><?xml version="1.0" encoding="utf-8"?>
 <p:sldLayout xmlns:a="http://schemas.openxmlformats.org/drawingml/2006/main" xmlns:r="http://schemas.openxmlformats.org/officeDocument/2006/relationships" xmlns:p="http://schemas.openxmlformats.org/presentationml/2006/main" type="objTx" preserve="1">
   <p:cSld name="Content with Caption">
     <p:spTree>
@@ -2091,10 +2494,9 @@
           </a:lstStyle>
           <a:p>
             <a:r>
-              <a:rPr lang="en-US" smtClean="0"/>
+              <a:rPr lang="en-US"/>
               <a:t>Click to edit Master title style</a:t>
             </a:r>
-            <a:endParaRPr lang="en-US"/>
           </a:p>
         </p:txBody>
       </p:sp>
@@ -2148,38 +2550,37 @@
           <a:p>
             <a:pPr lvl="0"/>
             <a:r>
-              <a:rPr lang="en-US" smtClean="0"/>
+              <a:rPr lang="en-US"/>
               <a:t>Click to edit Master text styles</a:t>
             </a:r>
           </a:p>
           <a:p>
             <a:pPr lvl="1"/>
             <a:r>
-              <a:rPr lang="en-US" smtClean="0"/>
+              <a:rPr lang="en-US"/>
               <a:t>Second level</a:t>
             </a:r>
           </a:p>
           <a:p>
             <a:pPr lvl="2"/>
             <a:r>
-              <a:rPr lang="en-US" smtClean="0"/>
+              <a:rPr lang="en-US"/>
               <a:t>Third level</a:t>
             </a:r>
           </a:p>
           <a:p>
             <a:pPr lvl="3"/>
             <a:r>
-              <a:rPr lang="en-US" smtClean="0"/>
+              <a:rPr lang="en-US"/>
               <a:t>Fourth level</a:t>
             </a:r>
           </a:p>
           <a:p>
             <a:pPr lvl="4"/>
             <a:r>
-              <a:rPr lang="en-US" smtClean="0"/>
+              <a:rPr lang="en-US"/>
               <a:t>Fifth level</a:t>
             </a:r>
-            <a:endParaRPr lang="en-US"/>
           </a:p>
         </p:txBody>
       </p:sp>
@@ -2242,7 +2643,7 @@
           <a:p>
             <a:pPr lvl="0"/>
             <a:r>
-              <a:rPr lang="en-US" smtClean="0"/>
+              <a:rPr lang="en-US"/>
               <a:t>Click to edit Master text styles</a:t>
             </a:r>
           </a:p>
@@ -2265,7 +2666,7 @@
           <a:p>
             <a:fld id="{5BCAD085-E8A6-8845-BD4E-CB4CCA059FC4}" type="datetimeFigureOut">
               <a:rPr lang="en-US" smtClean="0"/>
-              <a:t>1/27/13</a:t>
+              <a:t>5/24/25</a:t>
             </a:fld>
             <a:endParaRPr lang="en-US"/>
           </a:p>
@@ -2317,259 +2718,6 @@
     <p:extLst>
       <p:ext uri="{BB962C8B-B14F-4D97-AF65-F5344CB8AC3E}">
         <p14:creationId xmlns:p14="http://schemas.microsoft.com/office/powerpoint/2010/main" val="1840726560"/>
-      </p:ext>
-    </p:extLst>
-  </p:cSld>
-  <p:clrMapOvr>
-    <a:masterClrMapping/>
-  </p:clrMapOvr>
-</p:sldLayout>
-</file>
-
-<file path=ppt/slideLayouts/slideLayout9.xml><?xml version="1.0" encoding="utf-8"?>
-<p:sldLayout xmlns:a="http://schemas.openxmlformats.org/drawingml/2006/main" xmlns:r="http://schemas.openxmlformats.org/officeDocument/2006/relationships" xmlns:p="http://schemas.openxmlformats.org/presentationml/2006/main" type="picTx" preserve="1">
-  <p:cSld name="Picture with Caption">
-    <p:spTree>
-      <p:nvGrpSpPr>
-        <p:cNvPr id="1" name=""/>
-        <p:cNvGrpSpPr/>
-        <p:nvPr/>
-      </p:nvGrpSpPr>
-      <p:grpSpPr>
-        <a:xfrm>
-          <a:off x="0" y="0"/>
-          <a:ext cx="0" cy="0"/>
-          <a:chOff x="0" y="0"/>
-          <a:chExt cx="0" cy="0"/>
-        </a:xfrm>
-      </p:grpSpPr>
-      <p:sp>
-        <p:nvSpPr>
-          <p:cNvPr id="2" name="Title 1"/>
-          <p:cNvSpPr>
-            <a:spLocks noGrp="1"/>
-          </p:cNvSpPr>
-          <p:nvPr>
-            <p:ph type="title"/>
-          </p:nvPr>
-        </p:nvSpPr>
-        <p:spPr>
-          <a:xfrm>
-            <a:off x="1792288" y="4800600"/>
-            <a:ext cx="5486400" cy="566738"/>
-          </a:xfrm>
-        </p:spPr>
-        <p:txBody>
-          <a:bodyPr anchor="b"/>
-          <a:lstStyle>
-            <a:lvl1pPr algn="l">
-              <a:defRPr sz="2000" b="1"/>
-            </a:lvl1pPr>
-          </a:lstStyle>
-          <a:p>
-            <a:r>
-              <a:rPr lang="en-US" smtClean="0"/>
-              <a:t>Click to edit Master title style</a:t>
-            </a:r>
-            <a:endParaRPr lang="en-US"/>
-          </a:p>
-        </p:txBody>
-      </p:sp>
-      <p:sp>
-        <p:nvSpPr>
-          <p:cNvPr id="3" name="Picture Placeholder 2"/>
-          <p:cNvSpPr>
-            <a:spLocks noGrp="1"/>
-          </p:cNvSpPr>
-          <p:nvPr>
-            <p:ph type="pic" idx="1"/>
-          </p:nvPr>
-        </p:nvSpPr>
-        <p:spPr>
-          <a:xfrm>
-            <a:off x="1792288" y="612775"/>
-            <a:ext cx="5486400" cy="4114800"/>
-          </a:xfrm>
-        </p:spPr>
-        <p:txBody>
-          <a:bodyPr/>
-          <a:lstStyle>
-            <a:lvl1pPr marL="0" indent="0">
-              <a:buNone/>
-              <a:defRPr sz="3200"/>
-            </a:lvl1pPr>
-            <a:lvl2pPr marL="457200" indent="0">
-              <a:buNone/>
-              <a:defRPr sz="2800"/>
-            </a:lvl2pPr>
-            <a:lvl3pPr marL="914400" indent="0">
-              <a:buNone/>
-              <a:defRPr sz="2400"/>
-            </a:lvl3pPr>
-            <a:lvl4pPr marL="1371600" indent="0">
-              <a:buNone/>
-              <a:defRPr sz="2000"/>
-            </a:lvl4pPr>
-            <a:lvl5pPr marL="1828800" indent="0">
-              <a:buNone/>
-              <a:defRPr sz="2000"/>
-            </a:lvl5pPr>
-            <a:lvl6pPr marL="2286000" indent="0">
-              <a:buNone/>
-              <a:defRPr sz="2000"/>
-            </a:lvl6pPr>
-            <a:lvl7pPr marL="2743200" indent="0">
-              <a:buNone/>
-              <a:defRPr sz="2000"/>
-            </a:lvl7pPr>
-            <a:lvl8pPr marL="3200400" indent="0">
-              <a:buNone/>
-              <a:defRPr sz="2000"/>
-            </a:lvl8pPr>
-            <a:lvl9pPr marL="3657600" indent="0">
-              <a:buNone/>
-              <a:defRPr sz="2000"/>
-            </a:lvl9pPr>
-          </a:lstStyle>
-          <a:p>
-            <a:endParaRPr lang="en-US"/>
-          </a:p>
-        </p:txBody>
-      </p:sp>
-      <p:sp>
-        <p:nvSpPr>
-          <p:cNvPr id="4" name="Text Placeholder 3"/>
-          <p:cNvSpPr>
-            <a:spLocks noGrp="1"/>
-          </p:cNvSpPr>
-          <p:nvPr>
-            <p:ph type="body" sz="half" idx="2"/>
-          </p:nvPr>
-        </p:nvSpPr>
-        <p:spPr>
-          <a:xfrm>
-            <a:off x="1792288" y="5367338"/>
-            <a:ext cx="5486400" cy="804862"/>
-          </a:xfrm>
-        </p:spPr>
-        <p:txBody>
-          <a:bodyPr/>
-          <a:lstStyle>
-            <a:lvl1pPr marL="0" indent="0">
-              <a:buNone/>
-              <a:defRPr sz="1400"/>
-            </a:lvl1pPr>
-            <a:lvl2pPr marL="457200" indent="0">
-              <a:buNone/>
-              <a:defRPr sz="1200"/>
-            </a:lvl2pPr>
-            <a:lvl3pPr marL="914400" indent="0">
-              <a:buNone/>
-              <a:defRPr sz="1000"/>
-            </a:lvl3pPr>
-            <a:lvl4pPr marL="1371600" indent="0">
-              <a:buNone/>
-              <a:defRPr sz="900"/>
-            </a:lvl4pPr>
-            <a:lvl5pPr marL="1828800" indent="0">
-              <a:buNone/>
-              <a:defRPr sz="900"/>
-            </a:lvl5pPr>
-            <a:lvl6pPr marL="2286000" indent="0">
-              <a:buNone/>
-              <a:defRPr sz="900"/>
-            </a:lvl6pPr>
-            <a:lvl7pPr marL="2743200" indent="0">
-              <a:buNone/>
-              <a:defRPr sz="900"/>
-            </a:lvl7pPr>
-            <a:lvl8pPr marL="3200400" indent="0">
-              <a:buNone/>
-              <a:defRPr sz="900"/>
-            </a:lvl8pPr>
-            <a:lvl9pPr marL="3657600" indent="0">
-              <a:buNone/>
-              <a:defRPr sz="900"/>
-            </a:lvl9pPr>
-          </a:lstStyle>
-          <a:p>
-            <a:pPr lvl="0"/>
-            <a:r>
-              <a:rPr lang="en-US" smtClean="0"/>
-              <a:t>Click to edit Master text styles</a:t>
-            </a:r>
-          </a:p>
-        </p:txBody>
-      </p:sp>
-      <p:sp>
-        <p:nvSpPr>
-          <p:cNvPr id="5" name="Date Placeholder 4"/>
-          <p:cNvSpPr>
-            <a:spLocks noGrp="1"/>
-          </p:cNvSpPr>
-          <p:nvPr>
-            <p:ph type="dt" sz="half" idx="10"/>
-          </p:nvPr>
-        </p:nvSpPr>
-        <p:spPr/>
-        <p:txBody>
-          <a:bodyPr/>
-          <a:lstStyle/>
-          <a:p>
-            <a:fld id="{5BCAD085-E8A6-8845-BD4E-CB4CCA059FC4}" type="datetimeFigureOut">
-              <a:rPr lang="en-US" smtClean="0"/>
-              <a:t>1/27/13</a:t>
-            </a:fld>
-            <a:endParaRPr lang="en-US"/>
-          </a:p>
-        </p:txBody>
-      </p:sp>
-      <p:sp>
-        <p:nvSpPr>
-          <p:cNvPr id="6" name="Footer Placeholder 5"/>
-          <p:cNvSpPr>
-            <a:spLocks noGrp="1"/>
-          </p:cNvSpPr>
-          <p:nvPr>
-            <p:ph type="ftr" sz="quarter" idx="11"/>
-          </p:nvPr>
-        </p:nvSpPr>
-        <p:spPr/>
-        <p:txBody>
-          <a:bodyPr/>
-          <a:lstStyle/>
-          <a:p>
-            <a:endParaRPr lang="en-US"/>
-          </a:p>
-        </p:txBody>
-      </p:sp>
-      <p:sp>
-        <p:nvSpPr>
-          <p:cNvPr id="7" name="Slide Number Placeholder 6"/>
-          <p:cNvSpPr>
-            <a:spLocks noGrp="1"/>
-          </p:cNvSpPr>
-          <p:nvPr>
-            <p:ph type="sldNum" sz="quarter" idx="12"/>
-          </p:nvPr>
-        </p:nvSpPr>
-        <p:spPr/>
-        <p:txBody>
-          <a:bodyPr/>
-          <a:lstStyle/>
-          <a:p>
-            <a:fld id="{C1FF6DA9-008F-8B48-92A6-B652298478BF}" type="slidenum">
-              <a:rPr lang="en-US" smtClean="0"/>
-              <a:t>‹#›</a:t>
-            </a:fld>
-            <a:endParaRPr lang="en-US"/>
-          </a:p>
-        </p:txBody>
-      </p:sp>
-    </p:spTree>
-    <p:extLst>
-      <p:ext uri="{BB962C8B-B14F-4D97-AF65-F5344CB8AC3E}">
-        <p14:creationId xmlns:p14="http://schemas.microsoft.com/office/powerpoint/2010/main" val="3889236939"/>
       </p:ext>
     </p:extLst>
   </p:cSld>
@@ -2627,10 +2775,9 @@
           <a:lstStyle/>
           <a:p>
             <a:r>
-              <a:rPr lang="en-US" smtClean="0"/>
+              <a:rPr lang="en-US"/>
               <a:t>Click to edit Master title style</a:t>
             </a:r>
-            <a:endParaRPr lang="en-US"/>
           </a:p>
         </p:txBody>
       </p:sp>
@@ -2661,38 +2808,37 @@
           <a:p>
             <a:pPr lvl="0"/>
             <a:r>
-              <a:rPr lang="en-US" smtClean="0"/>
+              <a:rPr lang="en-US"/>
               <a:t>Click to edit Master text styles</a:t>
             </a:r>
           </a:p>
           <a:p>
             <a:pPr lvl="1"/>
             <a:r>
-              <a:rPr lang="en-US" smtClean="0"/>
+              <a:rPr lang="en-US"/>
               <a:t>Second level</a:t>
             </a:r>
           </a:p>
           <a:p>
             <a:pPr lvl="2"/>
             <a:r>
-              <a:rPr lang="en-US" smtClean="0"/>
+              <a:rPr lang="en-US"/>
               <a:t>Third level</a:t>
             </a:r>
           </a:p>
           <a:p>
             <a:pPr lvl="3"/>
             <a:r>
-              <a:rPr lang="en-US" smtClean="0"/>
+              <a:rPr lang="en-US"/>
               <a:t>Fourth level</a:t>
             </a:r>
           </a:p>
           <a:p>
             <a:pPr lvl="4"/>
             <a:r>
-              <a:rPr lang="en-US" smtClean="0"/>
+              <a:rPr lang="en-US"/>
               <a:t>Fifth level</a:t>
             </a:r>
-            <a:endParaRPr lang="en-US"/>
           </a:p>
         </p:txBody>
       </p:sp>
@@ -2731,7 +2877,7 @@
           <a:p>
             <a:fld id="{5BCAD085-E8A6-8845-BD4E-CB4CCA059FC4}" type="datetimeFigureOut">
               <a:rPr lang="en-US" smtClean="0"/>
-              <a:t>1/27/13</a:t>
+              <a:t>5/24/25</a:t>
             </a:fld>
             <a:endParaRPr lang="en-US"/>
           </a:p>
@@ -2826,15 +2972,16 @@
   <p:sldLayoutIdLst>
     <p:sldLayoutId id="2147483649" r:id="rId1"/>
     <p:sldLayoutId id="2147483650" r:id="rId2"/>
-    <p:sldLayoutId id="2147483651" r:id="rId3"/>
-    <p:sldLayoutId id="2147483652" r:id="rId4"/>
-    <p:sldLayoutId id="2147483653" r:id="rId5"/>
-    <p:sldLayoutId id="2147483654" r:id="rId6"/>
-    <p:sldLayoutId id="2147483655" r:id="rId7"/>
-    <p:sldLayoutId id="2147483656" r:id="rId8"/>
-    <p:sldLayoutId id="2147483657" r:id="rId9"/>
-    <p:sldLayoutId id="2147483658" r:id="rId10"/>
-    <p:sldLayoutId id="2147483659" r:id="rId11"/>
+    <p:sldLayoutId id="2147483660" r:id="rId3"/>
+    <p:sldLayoutId id="2147483651" r:id="rId4"/>
+    <p:sldLayoutId id="2147483652" r:id="rId5"/>
+    <p:sldLayoutId id="2147483653" r:id="rId6"/>
+    <p:sldLayoutId id="2147483654" r:id="rId7"/>
+    <p:sldLayoutId id="2147483655" r:id="rId8"/>
+    <p:sldLayoutId id="2147483656" r:id="rId9"/>
+    <p:sldLayoutId id="2147483657" r:id="rId10"/>
+    <p:sldLayoutId id="2147483658" r:id="rId11"/>
+    <p:sldLayoutId id="2147483659" r:id="rId12"/>
   </p:sldLayoutIdLst>
   <p:txStyles>
     <p:titleStyle>
@@ -3090,7 +3237,7 @@
 </file>
 
 <file path=ppt/slides/slide1.xml><?xml version="1.0" encoding="utf-8"?>
-<p:sld xmlns:a="http://schemas.openxmlformats.org/drawingml/2006/main" xmlns:p="http://schemas.openxmlformats.org/presentationml/2006/main" xmlns:r="http://schemas.openxmlformats.org/officeDocument/2006/relationships">
+<p:sld xmlns:a="http://schemas.openxmlformats.org/drawingml/2006/main" xmlns:r="http://schemas.openxmlformats.org/officeDocument/2006/relationships" xmlns:p="http://schemas.openxmlformats.org/presentationml/2006/main">
   <p:cSld>
     <p:spTree>
       <p:nvGrpSpPr>
@@ -3098,11 +3245,20 @@
         <p:cNvGrpSpPr/>
         <p:nvPr/>
       </p:nvGrpSpPr>
-      <p:grpSpPr/>
+      <p:grpSpPr>
+        <a:xfrm>
+          <a:off x="0" y="0"/>
+          <a:ext cx="0" cy="0"/>
+          <a:chOff x="0" y="0"/>
+          <a:chExt cx="0" cy="0"/>
+        </a:xfrm>
+      </p:grpSpPr>
       <p:sp>
         <p:nvSpPr>
           <p:cNvPr id="2" name="textMainBullets"/>
-          <p:cNvSpPr txBox="1"/>
+          <p:cNvSpPr txBox="1">
+            <a:spLocks noChangeAspect="1"/>
+          </p:cNvSpPr>
           <p:nvPr/>
         </p:nvSpPr>
         <p:spPr>
@@ -3116,167 +3272,141 @@
           <a:noFill/>
         </p:spPr>
         <p:txBody>
-          <a:bodyPr wrap="none">
+          <a:bodyPr wrap="square">
             <a:spAutoFit/>
           </a:bodyPr>
           <a:lstStyle/>
-          <a:p/>
-        </p:txBody>
-      </p:sp>
-    </p:spTree>
-  </p:cSld>
-  <p:clrMapOvr>
-    <a:masterClrMapping/>
-  </p:clrMapOvr>
-</p:sld>
-</file>
-
-<file path=ppt/slides/slide10.xml><?xml version="1.0" encoding="utf-8"?>
-<p:sld xmlns:a="http://schemas.openxmlformats.org/drawingml/2006/main" xmlns:p="http://schemas.openxmlformats.org/presentationml/2006/main" xmlns:r="http://schemas.openxmlformats.org/officeDocument/2006/relationships">
-  <p:cSld>
-    <p:spTree>
-      <p:nvGrpSpPr>
-        <p:cNvPr id="1" name=""/>
-        <p:cNvGrpSpPr/>
-        <p:nvPr/>
-      </p:nvGrpSpPr>
-      <p:grpSpPr/>
-      <p:sp>
-        <p:nvSpPr>
-          <p:cNvPr id="2" name="Title 1"/>
-          <p:cNvSpPr>
-            <a:spLocks noGrp="1"/>
-          </p:cNvSpPr>
-          <p:nvPr>
-            <p:ph type="title"/>
-          </p:nvPr>
-        </p:nvSpPr>
-        <p:spPr/>
-        <p:txBody>
-          <a:bodyPr/>
-          <a:lstStyle/>
-          <a:p/>
-        </p:txBody>
-      </p:sp>
-      <p:sp>
-        <p:nvSpPr>
-          <p:cNvPr id="3" name="Content Placeholder 2"/>
-          <p:cNvSpPr>
-            <a:spLocks noGrp="1"/>
-          </p:cNvSpPr>
-          <p:nvPr>
-            <p:ph idx="1"/>
-          </p:nvPr>
-        </p:nvSpPr>
-        <p:spPr/>
-        <p:txBody>
-          <a:bodyPr/>
-          <a:lstStyle/>
-          <a:p/>
-        </p:txBody>
-      </p:sp>
-    </p:spTree>
-  </p:cSld>
-  <p:clrMapOvr>
-    <a:masterClrMapping/>
-  </p:clrMapOvr>
-</p:sld>
-</file>
-
-<file path=ppt/slides/slide11.xml><?xml version="1.0" encoding="utf-8"?>
-<p:sld xmlns:a="http://schemas.openxmlformats.org/drawingml/2006/main" xmlns:p="http://schemas.openxmlformats.org/presentationml/2006/main" xmlns:r="http://schemas.openxmlformats.org/officeDocument/2006/relationships">
-  <p:cSld>
-    <p:spTree>
-      <p:nvGrpSpPr>
-        <p:cNvPr id="1" name=""/>
-        <p:cNvGrpSpPr/>
-        <p:nvPr/>
-      </p:nvGrpSpPr>
-      <p:grpSpPr/>
-      <p:sp>
-        <p:nvSpPr>
-          <p:cNvPr id="2" name="Title 1"/>
-          <p:cNvSpPr>
-            <a:spLocks noGrp="1"/>
-          </p:cNvSpPr>
-          <p:nvPr>
-            <p:ph type="title"/>
-          </p:nvPr>
-        </p:nvSpPr>
-        <p:spPr/>
-        <p:txBody>
-          <a:bodyPr/>
-          <a:lstStyle/>
-          <a:p/>
-        </p:txBody>
-      </p:sp>
-      <p:sp>
-        <p:nvSpPr>
-          <p:cNvPr id="3" name="Content Placeholder 2"/>
-          <p:cNvSpPr>
-            <a:spLocks noGrp="1"/>
-          </p:cNvSpPr>
-          <p:nvPr>
-            <p:ph idx="1"/>
-          </p:nvPr>
-        </p:nvSpPr>
-        <p:spPr/>
-        <p:txBody>
-          <a:bodyPr/>
-          <a:lstStyle/>
-          <a:p/>
-        </p:txBody>
-      </p:sp>
-    </p:spTree>
-  </p:cSld>
-  <p:clrMapOvr>
-    <a:masterClrMapping/>
-  </p:clrMapOvr>
-</p:sld>
-</file>
-
-<file path=ppt/slides/slide12.xml><?xml version="1.0" encoding="utf-8"?>
-<p:sld xmlns:a="http://schemas.openxmlformats.org/drawingml/2006/main" xmlns:p="http://schemas.openxmlformats.org/presentationml/2006/main" xmlns:r="http://schemas.openxmlformats.org/officeDocument/2006/relationships">
-  <p:cSld>
-    <p:spTree>
-      <p:nvGrpSpPr>
-        <p:cNvPr id="1" name=""/>
-        <p:cNvGrpSpPr/>
-        <p:nvPr/>
-      </p:nvGrpSpPr>
-      <p:grpSpPr/>
-      <p:sp>
-        <p:nvSpPr>
-          <p:cNvPr id="2" name="Title 1"/>
-          <p:cNvSpPr>
-            <a:spLocks noGrp="1"/>
-          </p:cNvSpPr>
-          <p:nvPr>
-            <p:ph type="title"/>
-          </p:nvPr>
-        </p:nvSpPr>
-        <p:spPr/>
-        <p:txBody>
-          <a:bodyPr/>
-          <a:lstStyle/>
-          <a:p/>
-        </p:txBody>
-      </p:sp>
-      <p:sp>
-        <p:nvSpPr>
-          <p:cNvPr id="3" name="Content Placeholder 2"/>
-          <p:cNvSpPr>
-            <a:spLocks noGrp="1"/>
-          </p:cNvSpPr>
-          <p:nvPr>
-            <p:ph idx="1"/>
-          </p:nvPr>
-        </p:nvSpPr>
-        <p:spPr/>
-        <p:txBody>
-          <a:bodyPr/>
-          <a:lstStyle/>
-          <a:p/>
+          <a:p>
+            <a:endParaRPr/>
+          </a:p>
+          <a:p>
+            <a:pPr>
+              <a:defRPr b="1" sz="1400"/>
+            </a:pPr>
+            <a:r>
+              <a:t>Current Assets</a:t>
+            </a:r>
+          </a:p>
+          <a:p>
+            <a:pPr>
+              <a:defRPr i="1" sz="1200"/>
+            </a:pPr>
+            <a:r>
+              <a:t>Cash and Cash Equivalents</a:t>
+            </a:r>
+          </a:p>
+          <a:p>
+            <a:pPr lvl="1">
+              <a:defRPr sz="1100"/>
+            </a:pPr>
+            <a:r>
+              <a:t>Currency in checking/savings</a:t>
+            </a:r>
+          </a:p>
+          <a:p>
+            <a:pPr lvl="1">
+              <a:defRPr sz="1100"/>
+            </a:pPr>
+            <a:r>
+              <a:t>accounts Short-term Treasury</a:t>
+            </a:r>
+          </a:p>
+          <a:p>
+            <a:pPr lvl="1">
+              <a:defRPr sz="1100"/>
+            </a:pPr>
+            <a:r>
+              <a:t>bills (maturing &lt;3 months)</a:t>
+            </a:r>
+          </a:p>
+          <a:p>
+            <a:pPr lvl="1">
+              <a:defRPr sz="1100"/>
+            </a:pPr>
+            <a:r>
+              <a:t>Commercial paper from AAA-rated</a:t>
+            </a:r>
+          </a:p>
+          <a:p>
+            <a:pPr lvl="1">
+              <a:defRPr sz="1100"/>
+            </a:pPr>
+            <a:r>
+              <a:t>corporations Money market funds</a:t>
+            </a:r>
+          </a:p>
+          <a:p>
+            <a:pPr lvl="1">
+              <a:defRPr sz="1100"/>
+            </a:pPr>
+            <a:r>
+              <a:t>with daily liquidity Petty cash</a:t>
+            </a:r>
+          </a:p>
+          <a:p>
+            <a:pPr lvl="1">
+              <a:defRPr sz="1100"/>
+            </a:pPr>
+            <a:r>
+              <a:t>reserves for office expenses</a:t>
+            </a:r>
+          </a:p>
+          <a:p>
+            <a:pPr lvl="1">
+              <a:defRPr sz="1100"/>
+            </a:pPr>
+            <a:r>
+              <a:t>Foreign currency holdings in</a:t>
+            </a:r>
+          </a:p>
+          <a:p>
+            <a:pPr lvl="1">
+              <a:defRPr sz="1100"/>
+            </a:pPr>
+            <a:r>
+              <a:t>major currencies Undeposited</a:t>
+            </a:r>
+          </a:p>
+          <a:p>
+            <a:pPr lvl="1">
+              <a:defRPr sz="1100"/>
+            </a:pPr>
+            <a:r>
+              <a:t>checks from customers Cash in</a:t>
+            </a:r>
+          </a:p>
+          <a:p>
+            <a:pPr lvl="1">
+              <a:defRPr sz="1100"/>
+            </a:pPr>
+            <a:r>
+              <a:t>transit between bank accounts</a:t>
+            </a:r>
+          </a:p>
+          <a:p>
+            <a:pPr>
+              <a:defRPr b="1" sz="1400"/>
+            </a:pPr>
+            <a:r>
+              <a:t>Current Assets</a:t>
+            </a:r>
+          </a:p>
+          <a:p>
+            <a:pPr>
+              <a:defRPr i="1" sz="1200"/>
+            </a:pPr>
+            <a:r>
+              <a:t>Marketable Securities</a:t>
+            </a:r>
+          </a:p>
+          <a:p>
+            <a:pPr lvl="1">
+              <a:defRPr sz="1100"/>
+            </a:pPr>
+            <a:r>
+              <a:t>Corporate bonds with &lt;1yr</a:t>
+            </a:r>
+          </a:p>
         </p:txBody>
       </p:sp>
     </p:spTree>
@@ -3288,7 +3418,7 @@
 </file>
 
 <file path=ppt/slides/slide2.xml><?xml version="1.0" encoding="utf-8"?>
-<p:sld xmlns:a="http://schemas.openxmlformats.org/drawingml/2006/main" xmlns:p="http://schemas.openxmlformats.org/presentationml/2006/main" xmlns:r="http://schemas.openxmlformats.org/officeDocument/2006/relationships">
+<p:sld xmlns:a="http://schemas.openxmlformats.org/drawingml/2006/main" xmlns:r="http://schemas.openxmlformats.org/officeDocument/2006/relationships" xmlns:p="http://schemas.openxmlformats.org/presentationml/2006/main">
   <p:cSld>
     <p:spTree>
       <p:nvGrpSpPr>
@@ -3296,11 +3426,20 @@
         <p:cNvGrpSpPr/>
         <p:nvPr/>
       </p:nvGrpSpPr>
-      <p:grpSpPr/>
+      <p:grpSpPr>
+        <a:xfrm>
+          <a:off x="0" y="0"/>
+          <a:ext cx="0" cy="0"/>
+          <a:chOff x="0" y="0"/>
+          <a:chExt cx="0" cy="0"/>
+        </a:xfrm>
+      </p:grpSpPr>
       <p:sp>
         <p:nvSpPr>
           <p:cNvPr id="2" name="textMainBullets_L"/>
-          <p:cNvSpPr txBox="1"/>
+          <p:cNvSpPr txBox="1">
+            <a:spLocks noChangeAspect="1"/>
+          </p:cNvSpPr>
           <p:nvPr/>
         </p:nvSpPr>
         <p:spPr>
@@ -3314,17 +3453,149 @@
           <a:noFill/>
         </p:spPr>
         <p:txBody>
-          <a:bodyPr wrap="none">
+          <a:bodyPr wrap="square">
             <a:spAutoFit/>
           </a:bodyPr>
           <a:lstStyle/>
-          <a:p/>
+          <a:p>
+            <a:endParaRPr/>
+          </a:p>
+          <a:p>
+            <a:pPr>
+              <a:defRPr b="1" sz="1400"/>
+            </a:pPr>
+            <a:r>
+              <a:t>Current Assets (continued)</a:t>
+            </a:r>
+          </a:p>
+          <a:p>
+            <a:pPr>
+              <a:defRPr i="1" sz="1200"/>
+            </a:pPr>
+            <a:r>
+              <a:t>Marketable Securities</a:t>
+            </a:r>
+          </a:p>
+          <a:p>
+            <a:pPr>
+              <a:defRPr i="1" sz="1200"/>
+            </a:pPr>
+            <a:r>
+              <a:t>(continued)</a:t>
+            </a:r>
+          </a:p>
+          <a:p>
+            <a:pPr lvl="1">
+              <a:defRPr sz="1100"/>
+            </a:pPr>
+            <a:r>
+              <a:t>maturity Government agency</a:t>
+            </a:r>
+          </a:p>
+          <a:p>
+            <a:pPr lvl="1">
+              <a:defRPr sz="1100"/>
+            </a:pPr>
+            <a:r>
+              <a:t>securities Certificates of</a:t>
+            </a:r>
+          </a:p>
+          <a:p>
+            <a:pPr lvl="1">
+              <a:defRPr sz="1100"/>
+            </a:pPr>
+            <a:r>
+              <a:t>deposit (CDs) Bankers'</a:t>
+            </a:r>
+          </a:p>
+          <a:p>
+            <a:pPr lvl="1">
+              <a:defRPr sz="1100"/>
+            </a:pPr>
+            <a:r>
+              <a:t>acceptances</a:t>
+            </a:r>
+          </a:p>
+          <a:p>
+            <a:pPr>
+              <a:defRPr b="1" sz="1400"/>
+            </a:pPr>
+            <a:r>
+              <a:t>Current Assets</a:t>
+            </a:r>
+          </a:p>
+          <a:p>
+            <a:pPr>
+              <a:defRPr i="1" sz="1200"/>
+            </a:pPr>
+            <a:r>
+              <a:t>Marketable Securities</a:t>
+            </a:r>
+          </a:p>
+          <a:p>
+            <a:pPr lvl="1">
+              <a:defRPr sz="1100"/>
+            </a:pPr>
+            <a:r>
+              <a:t>Corporate bonds with &lt;1yr</a:t>
+            </a:r>
+          </a:p>
+          <a:p>
+            <a:pPr lvl="1">
+              <a:defRPr sz="1100"/>
+            </a:pPr>
+            <a:r>
+              <a:t>maturity Government agency</a:t>
+            </a:r>
+          </a:p>
+          <a:p>
+            <a:pPr lvl="1">
+              <a:defRPr sz="1100"/>
+            </a:pPr>
+            <a:r>
+              <a:t>securities Certificates of</a:t>
+            </a:r>
+          </a:p>
+          <a:p>
+            <a:pPr lvl="1">
+              <a:defRPr sz="1100"/>
+            </a:pPr>
+            <a:r>
+              <a:t>deposit (CDs) Bankers'</a:t>
+            </a:r>
+          </a:p>
+          <a:p>
+            <a:pPr lvl="1">
+              <a:defRPr sz="1100"/>
+            </a:pPr>
+            <a:r>
+              <a:t>acceptances Commercial paper</a:t>
+            </a:r>
+          </a:p>
+          <a:p>
+            <a:pPr lvl="1">
+              <a:defRPr sz="1100"/>
+            </a:pPr>
+            <a:r>
+              <a:t>holdings Treasury notes</a:t>
+            </a:r>
+          </a:p>
+          <a:p>
+            <a:pPr lvl="1">
+              <a:defRPr sz="1100"/>
+            </a:pPr>
+            <a:r>
+              <a:t>maturing within 12 months</a:t>
+            </a:r>
+          </a:p>
         </p:txBody>
       </p:sp>
       <p:sp>
         <p:nvSpPr>
           <p:cNvPr id="3" name="textMainBullets_R"/>
-          <p:cNvSpPr txBox="1"/>
+          <p:cNvSpPr txBox="1">
+            <a:spLocks noChangeAspect="1"/>
+          </p:cNvSpPr>
           <p:nvPr/>
         </p:nvSpPr>
         <p:spPr>
@@ -3338,11 +3609,141 @@
           <a:noFill/>
         </p:spPr>
         <p:txBody>
-          <a:bodyPr wrap="none">
+          <a:bodyPr wrap="square">
             <a:spAutoFit/>
           </a:bodyPr>
           <a:lstStyle/>
-          <a:p/>
+          <a:p>
+            <a:endParaRPr/>
+          </a:p>
+          <a:p>
+            <a:pPr>
+              <a:defRPr b="1" sz="1400"/>
+            </a:pPr>
+            <a:r>
+              <a:t>Current Assets (continued)</a:t>
+            </a:r>
+          </a:p>
+          <a:p>
+            <a:pPr>
+              <a:defRPr i="1" sz="1200"/>
+            </a:pPr>
+            <a:r>
+              <a:t>Marketable Securities</a:t>
+            </a:r>
+          </a:p>
+          <a:p>
+            <a:pPr>
+              <a:defRPr i="1" sz="1200"/>
+            </a:pPr>
+            <a:r>
+              <a:t>(continued)</a:t>
+            </a:r>
+          </a:p>
+          <a:p>
+            <a:pPr lvl="1">
+              <a:defRPr sz="1100"/>
+            </a:pPr>
+            <a:r>
+              <a:t>Highly liquid ETF positions</a:t>
+            </a:r>
+          </a:p>
+          <a:p>
+            <a:pPr>
+              <a:defRPr b="1" sz="1400"/>
+            </a:pPr>
+            <a:r>
+              <a:t>Current Assets</a:t>
+            </a:r>
+          </a:p>
+          <a:p>
+            <a:pPr>
+              <a:defRPr i="1" sz="1200"/>
+            </a:pPr>
+            <a:r>
+              <a:t>Marketable Securities</a:t>
+            </a:r>
+          </a:p>
+          <a:p>
+            <a:pPr lvl="1">
+              <a:defRPr sz="1100"/>
+            </a:pPr>
+            <a:r>
+              <a:t>Corporate bonds with &lt;1yr</a:t>
+            </a:r>
+          </a:p>
+          <a:p>
+            <a:pPr lvl="1">
+              <a:defRPr sz="1100"/>
+            </a:pPr>
+            <a:r>
+              <a:t>maturity Government agency</a:t>
+            </a:r>
+          </a:p>
+          <a:p>
+            <a:pPr lvl="1">
+              <a:defRPr sz="1100"/>
+            </a:pPr>
+            <a:r>
+              <a:t>securities Certificates of</a:t>
+            </a:r>
+          </a:p>
+          <a:p>
+            <a:pPr lvl="1">
+              <a:defRPr sz="1100"/>
+            </a:pPr>
+            <a:r>
+              <a:t>deposit (CDs) Bankers'</a:t>
+            </a:r>
+          </a:p>
+          <a:p>
+            <a:pPr lvl="1">
+              <a:defRPr sz="1100"/>
+            </a:pPr>
+            <a:r>
+              <a:t>acceptances Commercial paper</a:t>
+            </a:r>
+          </a:p>
+          <a:p>
+            <a:pPr lvl="1">
+              <a:defRPr sz="1100"/>
+            </a:pPr>
+            <a:r>
+              <a:t>holdings Treasury notes</a:t>
+            </a:r>
+          </a:p>
+          <a:p>
+            <a:pPr lvl="1">
+              <a:defRPr sz="1100"/>
+            </a:pPr>
+            <a:r>
+              <a:t>maturing within 12 months</a:t>
+            </a:r>
+          </a:p>
+          <a:p>
+            <a:pPr lvl="1">
+              <a:defRPr sz="1100"/>
+            </a:pPr>
+            <a:r>
+              <a:t>Highly liquid ETF positions</a:t>
+            </a:r>
+          </a:p>
+          <a:p>
+            <a:pPr>
+              <a:defRPr b="1" sz="1400"/>
+            </a:pPr>
+            <a:r>
+              <a:t>Current Assets</a:t>
+            </a:r>
+          </a:p>
+          <a:p>
+            <a:pPr>
+              <a:defRPr i="1" sz="1200"/>
+            </a:pPr>
+            <a:r>
+              <a:t>Accounts Receivable</a:t>
+            </a:r>
+          </a:p>
         </p:txBody>
       </p:sp>
     </p:spTree>
@@ -3354,54 +3755,358 @@
 </file>
 
 <file path=ppt/slides/slide3.xml><?xml version="1.0" encoding="utf-8"?>
-<p:sld xmlns:a="http://schemas.openxmlformats.org/drawingml/2006/main" xmlns:p="http://schemas.openxmlformats.org/presentationml/2006/main" xmlns:r="http://schemas.openxmlformats.org/officeDocument/2006/relationships">
+<p:sld xmlns:a="http://schemas.openxmlformats.org/drawingml/2006/main" xmlns:r="http://schemas.openxmlformats.org/officeDocument/2006/relationships" xmlns:p="http://schemas.openxmlformats.org/presentationml/2006/main">
   <p:cSld>
     <p:spTree>
       <p:nvGrpSpPr>
-        <p:cNvPr id="1" name=""/>
+        <p:cNvPr id="1" name="">
+          <a:extLst>
+            <a:ext uri="{FF2B5EF4-FFF2-40B4-BE49-F238E27FC236}">
+              <a16:creationId xmlns:a16="http://schemas.microsoft.com/office/drawing/2014/main" id="{CE63F516-311F-D767-B24F-995465FE17DA}"/>
+            </a:ext>
+          </a:extLst>
+        </p:cNvPr>
         <p:cNvGrpSpPr/>
         <p:nvPr/>
       </p:nvGrpSpPr>
-      <p:grpSpPr/>
-      <p:sp>
-        <p:nvSpPr>
-          <p:cNvPr id="2" name="Title 1"/>
-          <p:cNvSpPr>
-            <a:spLocks noGrp="1"/>
-          </p:cNvSpPr>
-          <p:nvPr>
-            <p:ph type="ctrTitle"/>
-          </p:nvPr>
-        </p:nvSpPr>
-        <p:spPr/>
-        <p:txBody>
-          <a:bodyPr/>
-          <a:lstStyle/>
-          <a:p>
-            <a:r>
-              <a:t>Financial Report</a:t>
-            </a:r>
-          </a:p>
-        </p:txBody>
-      </p:sp>
-      <p:sp>
-        <p:nvSpPr>
-          <p:cNvPr id="3" name="Subtitle 2"/>
-          <p:cNvSpPr>
-            <a:spLocks noGrp="1"/>
-          </p:cNvSpPr>
-          <p:nvPr>
-            <p:ph type="subTitle" idx="1"/>
-          </p:nvPr>
-        </p:nvSpPr>
-        <p:spPr/>
-        <p:txBody>
-          <a:bodyPr/>
-          <a:lstStyle/>
-          <a:p/>
+      <p:grpSpPr>
+        <a:xfrm>
+          <a:off x="0" y="0"/>
+          <a:ext cx="0" cy="0"/>
+          <a:chOff x="0" y="0"/>
+          <a:chExt cx="0" cy="0"/>
+        </a:xfrm>
+      </p:grpSpPr>
+      <p:sp>
+        <p:nvSpPr>
+          <p:cNvPr id="2" name="textMainBullets_L">
+            <a:extLst>
+              <a:ext uri="{FF2B5EF4-FFF2-40B4-BE49-F238E27FC236}">
+                <a16:creationId xmlns:a16="http://schemas.microsoft.com/office/drawing/2014/main" id="{1609B9C4-EE89-F835-8C6C-3911F99337A6}"/>
+              </a:ext>
+            </a:extLst>
+          </p:cNvPr>
+          <p:cNvSpPr txBox="1">
+            <a:spLocks noChangeAspect="1"/>
+          </p:cNvSpPr>
+          <p:nvPr/>
+        </p:nvSpPr>
+        <p:spPr>
+          <a:xfrm>
+            <a:off x="457200" y="914400"/>
+            <a:ext cx="3657600" cy="4572000"/>
+          </a:xfrm>
+          <a:prstGeom prst="rect">
+            <a:avLst/>
+          </a:prstGeom>
+          <a:noFill/>
+        </p:spPr>
+        <p:txBody>
+          <a:bodyPr wrap="square">
+            <a:spAutoFit/>
+          </a:bodyPr>
+          <a:lstStyle/>
+          <a:p>
+            <a:endParaRPr/>
+          </a:p>
+          <a:p>
+            <a:pPr>
+              <a:defRPr b="1" sz="1400"/>
+            </a:pPr>
+            <a:r>
+              <a:t>Current Assets (continued)</a:t>
+            </a:r>
+          </a:p>
+          <a:p>
+            <a:pPr>
+              <a:defRPr i="1" sz="1200"/>
+            </a:pPr>
+            <a:r>
+              <a:t>Accounts Receivable (continued)</a:t>
+            </a:r>
+          </a:p>
+          <a:p>
+            <a:pPr lvl="1">
+              <a:defRPr sz="1100"/>
+            </a:pPr>
+            <a:r>
+              <a:t>Trade receivables from normal</a:t>
+            </a:r>
+          </a:p>
+          <a:p>
+            <a:pPr lvl="1">
+              <a:defRPr sz="1100"/>
+            </a:pPr>
+            <a:r>
+              <a:t>operations Installment</a:t>
+            </a:r>
+          </a:p>
+          <a:p>
+            <a:pPr lvl="1">
+              <a:defRPr sz="1100"/>
+            </a:pPr>
+            <a:r>
+              <a:t>receivables from long-term</a:t>
+            </a:r>
+          </a:p>
+          <a:p>
+            <a:pPr lvl="1">
+              <a:defRPr sz="1100"/>
+            </a:pPr>
+            <a:r>
+              <a:t>contracts</a:t>
+            </a:r>
+          </a:p>
+          <a:p>
+            <a:pPr>
+              <a:defRPr b="1" sz="1400"/>
+            </a:pPr>
+            <a:r>
+              <a:t>Current Assets</a:t>
+            </a:r>
+          </a:p>
+          <a:p>
+            <a:pPr>
+              <a:defRPr i="1" sz="1200"/>
+            </a:pPr>
+            <a:r>
+              <a:t>Accounts Receivable</a:t>
+            </a:r>
+          </a:p>
+          <a:p>
+            <a:pPr lvl="1">
+              <a:defRPr sz="1100"/>
+            </a:pPr>
+            <a:r>
+              <a:t>Trade receivables from normal</a:t>
+            </a:r>
+          </a:p>
+          <a:p>
+            <a:pPr lvl="1">
+              <a:defRPr sz="1100"/>
+            </a:pPr>
+            <a:r>
+              <a:t>operations Installment</a:t>
+            </a:r>
+          </a:p>
+          <a:p>
+            <a:pPr lvl="1">
+              <a:defRPr sz="1100"/>
+            </a:pPr>
+            <a:r>
+              <a:t>receivables from long-term</a:t>
+            </a:r>
+          </a:p>
+          <a:p>
+            <a:pPr lvl="1">
+              <a:defRPr sz="1100"/>
+            </a:pPr>
+            <a:r>
+              <a:t>contracts Receivables from</a:t>
+            </a:r>
+          </a:p>
+          <a:p>
+            <a:pPr lvl="1">
+              <a:defRPr sz="1100"/>
+            </a:pPr>
+            <a:r>
+              <a:t>affiliated companies Allowance</a:t>
+            </a:r>
+          </a:p>
+          <a:p>
+            <a:pPr lvl="1">
+              <a:defRPr sz="1100"/>
+            </a:pPr>
+            <a:r>
+              <a:t>for doubtful accounts</a:t>
+            </a:r>
+          </a:p>
+          <a:p>
+            <a:pPr lvl="1">
+              <a:defRPr sz="1100"/>
+            </a:pPr>
+            <a:r>
+              <a:t>calculation Aging schedule</a:t>
+            </a:r>
+          </a:p>
+          <a:p>
+            <a:pPr lvl="1">
+              <a:defRPr sz="1100"/>
+            </a:pPr>
+            <a:r>
+              <a:t>analysis (30/60/90 days) Credit</a:t>
+            </a:r>
+          </a:p>
+        </p:txBody>
+      </p:sp>
+      <p:sp>
+        <p:nvSpPr>
+          <p:cNvPr id="3" name="textMainBullets_R">
+            <a:extLst>
+              <a:ext uri="{FF2B5EF4-FFF2-40B4-BE49-F238E27FC236}">
+                <a16:creationId xmlns:a16="http://schemas.microsoft.com/office/drawing/2014/main" id="{F60AF44C-28D9-CB30-1E6A-5560CDC42493}"/>
+              </a:ext>
+            </a:extLst>
+          </p:cNvPr>
+          <p:cNvSpPr txBox="1">
+            <a:spLocks noChangeAspect="1"/>
+          </p:cNvSpPr>
+          <p:nvPr/>
+        </p:nvSpPr>
+        <p:spPr>
+          <a:xfrm>
+            <a:off x="4297680" y="914400"/>
+            <a:ext cx="3657600" cy="4572000"/>
+          </a:xfrm>
+          <a:prstGeom prst="rect">
+            <a:avLst/>
+          </a:prstGeom>
+          <a:noFill/>
+        </p:spPr>
+        <p:txBody>
+          <a:bodyPr wrap="square">
+            <a:spAutoFit/>
+          </a:bodyPr>
+          <a:lstStyle/>
+          <a:p>
+            <a:endParaRPr/>
+          </a:p>
+          <a:p>
+            <a:pPr>
+              <a:defRPr b="1" sz="1400"/>
+            </a:pPr>
+            <a:r>
+              <a:t>Current Assets (continued)</a:t>
+            </a:r>
+          </a:p>
+          <a:p>
+            <a:pPr>
+              <a:defRPr i="1" sz="1200"/>
+            </a:pPr>
+            <a:r>
+              <a:t>Accounts Receivable (continued)</a:t>
+            </a:r>
+          </a:p>
+          <a:p>
+            <a:pPr lvl="1">
+              <a:defRPr sz="1100"/>
+            </a:pPr>
+            <a:r>
+              <a:t>memo adjustments Factored</a:t>
+            </a:r>
+          </a:p>
+          <a:p>
+            <a:pPr lvl="1">
+              <a:defRPr sz="1100"/>
+            </a:pPr>
+            <a:r>
+              <a:t>receivables disclosure Unbilled</a:t>
+            </a:r>
+          </a:p>
+          <a:p>
+            <a:pPr lvl="1">
+              <a:defRPr sz="1100"/>
+            </a:pPr>
+            <a:r>
+              <a:t>receivables from progress</a:t>
+            </a:r>
+          </a:p>
+          <a:p>
+            <a:pPr lvl="1">
+              <a:defRPr sz="1100"/>
+            </a:pPr>
+            <a:r>
+              <a:t>contracts</a:t>
+            </a:r>
+          </a:p>
+          <a:p>
+            <a:pPr>
+              <a:defRPr b="1" sz="1400"/>
+            </a:pPr>
+            <a:r>
+              <a:t>Current Assets</a:t>
+            </a:r>
+          </a:p>
+          <a:p>
+            <a:pPr>
+              <a:defRPr i="1" sz="1200"/>
+            </a:pPr>
+            <a:r>
+              <a:t>Accounts Receivable</a:t>
+            </a:r>
+          </a:p>
+          <a:p>
+            <a:pPr lvl="1">
+              <a:defRPr sz="1100"/>
+            </a:pPr>
+            <a:r>
+              <a:t>Trade receivables from normal</a:t>
+            </a:r>
+          </a:p>
+          <a:p>
+            <a:pPr lvl="1">
+              <a:defRPr sz="1100"/>
+            </a:pPr>
+            <a:r>
+              <a:t>operations Installment</a:t>
+            </a:r>
+          </a:p>
+          <a:p>
+            <a:pPr lvl="1">
+              <a:defRPr sz="1100"/>
+            </a:pPr>
+            <a:r>
+              <a:t>receivables from long-term</a:t>
+            </a:r>
+          </a:p>
+          <a:p>
+            <a:pPr lvl="1">
+              <a:defRPr sz="1100"/>
+            </a:pPr>
+            <a:r>
+              <a:t>contracts Receivables from</a:t>
+            </a:r>
+          </a:p>
+          <a:p>
+            <a:pPr lvl="1">
+              <a:defRPr sz="1100"/>
+            </a:pPr>
+            <a:r>
+              <a:t>affiliated companies Allowance</a:t>
+            </a:r>
+          </a:p>
+          <a:p>
+            <a:pPr lvl="1">
+              <a:defRPr sz="1100"/>
+            </a:pPr>
+            <a:r>
+              <a:t>for doubtful accounts</a:t>
+            </a:r>
+          </a:p>
+          <a:p>
+            <a:pPr lvl="1">
+              <a:defRPr sz="1100"/>
+            </a:pPr>
+            <a:r>
+              <a:t>calculation Aging schedule</a:t>
+            </a:r>
+          </a:p>
+          <a:p>
+            <a:pPr lvl="1">
+              <a:defRPr sz="1100"/>
+            </a:pPr>
+            <a:r>
+              <a:t>analysis (30/60/90 days) Credit</a:t>
+            </a:r>
+          </a:p>
         </p:txBody>
       </p:sp>
     </p:spTree>
+    <p:extLst>
+      <p:ext uri="{BB962C8B-B14F-4D97-AF65-F5344CB8AC3E}">
+        <p14:creationId xmlns:p14="http://schemas.microsoft.com/office/powerpoint/2010/main" val="3390904393"/>
+      </p:ext>
+    </p:extLst>
   </p:cSld>
   <p:clrMapOvr>
     <a:masterClrMapping/>
@@ -3410,310 +4115,358 @@
 </file>
 
 <file path=ppt/slides/slide4.xml><?xml version="1.0" encoding="utf-8"?>
-<p:sld xmlns:a="http://schemas.openxmlformats.org/drawingml/2006/main" xmlns:p="http://schemas.openxmlformats.org/presentationml/2006/main" xmlns:r="http://schemas.openxmlformats.org/officeDocument/2006/relationships">
+<p:sld xmlns:a="http://schemas.openxmlformats.org/drawingml/2006/main" xmlns:r="http://schemas.openxmlformats.org/officeDocument/2006/relationships" xmlns:p="http://schemas.openxmlformats.org/presentationml/2006/main">
   <p:cSld>
     <p:spTree>
       <p:nvGrpSpPr>
-        <p:cNvPr id="1" name=""/>
+        <p:cNvPr id="1" name="">
+          <a:extLst>
+            <a:ext uri="{FF2B5EF4-FFF2-40B4-BE49-F238E27FC236}">
+              <a16:creationId xmlns:a16="http://schemas.microsoft.com/office/drawing/2014/main" id="{46358799-719D-F77A-8395-035AEAC80A07}"/>
+            </a:ext>
+          </a:extLst>
+        </p:cNvPr>
         <p:cNvGrpSpPr/>
         <p:nvPr/>
       </p:nvGrpSpPr>
-      <p:grpSpPr/>
-      <p:sp>
-        <p:nvSpPr>
-          <p:cNvPr id="2" name="Title 1"/>
-          <p:cNvSpPr>
-            <a:spLocks noGrp="1"/>
-          </p:cNvSpPr>
-          <p:nvPr>
-            <p:ph type="title"/>
-          </p:nvPr>
-        </p:nvSpPr>
-        <p:spPr/>
-        <p:txBody>
-          <a:bodyPr/>
-          <a:lstStyle/>
-          <a:p/>
-        </p:txBody>
-      </p:sp>
-      <p:sp>
-        <p:nvSpPr>
-          <p:cNvPr id="3" name="Content Placeholder 2"/>
-          <p:cNvSpPr>
-            <a:spLocks noGrp="1"/>
-          </p:cNvSpPr>
-          <p:nvPr>
-            <p:ph idx="1"/>
-          </p:nvPr>
-        </p:nvSpPr>
-        <p:spPr/>
-        <p:txBody>
-          <a:bodyPr/>
-          <a:lstStyle/>
-          <a:p/>
+      <p:grpSpPr>
+        <a:xfrm>
+          <a:off x="0" y="0"/>
+          <a:ext cx="0" cy="0"/>
+          <a:chOff x="0" y="0"/>
+          <a:chExt cx="0" cy="0"/>
+        </a:xfrm>
+      </p:grpSpPr>
+      <p:sp>
+        <p:nvSpPr>
+          <p:cNvPr id="2" name="textMainBullets_L">
+            <a:extLst>
+              <a:ext uri="{FF2B5EF4-FFF2-40B4-BE49-F238E27FC236}">
+                <a16:creationId xmlns:a16="http://schemas.microsoft.com/office/drawing/2014/main" id="{52EF3AD7-3BC2-25B5-A93A-14275C2F7A65}"/>
+              </a:ext>
+            </a:extLst>
+          </p:cNvPr>
+          <p:cNvSpPr txBox="1">
+            <a:spLocks noChangeAspect="1"/>
+          </p:cNvSpPr>
+          <p:nvPr/>
+        </p:nvSpPr>
+        <p:spPr>
+          <a:xfrm>
+            <a:off x="457200" y="914400"/>
+            <a:ext cx="3657600" cy="4572000"/>
+          </a:xfrm>
+          <a:prstGeom prst="rect">
+            <a:avLst/>
+          </a:prstGeom>
+          <a:noFill/>
+        </p:spPr>
+        <p:txBody>
+          <a:bodyPr wrap="square">
+            <a:spAutoFit/>
+          </a:bodyPr>
+          <a:lstStyle/>
+          <a:p>
+            <a:endParaRPr/>
+          </a:p>
+          <a:p>
+            <a:pPr>
+              <a:defRPr b="1" sz="1400"/>
+            </a:pPr>
+            <a:r>
+              <a:t>Current Assets (continued)</a:t>
+            </a:r>
+          </a:p>
+          <a:p>
+            <a:pPr>
+              <a:defRPr i="1" sz="1200"/>
+            </a:pPr>
+            <a:r>
+              <a:t>Accounts Receivable (continued)</a:t>
+            </a:r>
+          </a:p>
+          <a:p>
+            <a:pPr lvl="1">
+              <a:defRPr sz="1100"/>
+            </a:pPr>
+            <a:r>
+              <a:t>memo adjustments Factored</a:t>
+            </a:r>
+          </a:p>
+          <a:p>
+            <a:pPr lvl="1">
+              <a:defRPr sz="1100"/>
+            </a:pPr>
+            <a:r>
+              <a:t>receivables disclosure Unbilled</a:t>
+            </a:r>
+          </a:p>
+          <a:p>
+            <a:pPr lvl="1">
+              <a:defRPr sz="1100"/>
+            </a:pPr>
+            <a:r>
+              <a:t>receivables from progress</a:t>
+            </a:r>
+          </a:p>
+          <a:p>
+            <a:pPr lvl="1">
+              <a:defRPr sz="1100"/>
+            </a:pPr>
+            <a:r>
+              <a:t>contracts</a:t>
+            </a:r>
+          </a:p>
+          <a:p>
+            <a:pPr>
+              <a:defRPr b="1" sz="1400"/>
+            </a:pPr>
+            <a:r>
+              <a:t>Current Assets</a:t>
+            </a:r>
+          </a:p>
+          <a:p>
+            <a:pPr>
+              <a:defRPr i="1" sz="1200"/>
+            </a:pPr>
+            <a:r>
+              <a:t>Accounts Receivable</a:t>
+            </a:r>
+          </a:p>
+          <a:p>
+            <a:pPr lvl="1">
+              <a:defRPr sz="1100"/>
+            </a:pPr>
+            <a:r>
+              <a:t>Trade receivables from normal</a:t>
+            </a:r>
+          </a:p>
+          <a:p>
+            <a:pPr lvl="1">
+              <a:defRPr sz="1100"/>
+            </a:pPr>
+            <a:r>
+              <a:t>operations Installment</a:t>
+            </a:r>
+          </a:p>
+          <a:p>
+            <a:pPr lvl="1">
+              <a:defRPr sz="1100"/>
+            </a:pPr>
+            <a:r>
+              <a:t>receivables from long-term</a:t>
+            </a:r>
+          </a:p>
+          <a:p>
+            <a:pPr lvl="1">
+              <a:defRPr sz="1100"/>
+            </a:pPr>
+            <a:r>
+              <a:t>contracts Receivables from</a:t>
+            </a:r>
+          </a:p>
+          <a:p>
+            <a:pPr lvl="1">
+              <a:defRPr sz="1100"/>
+            </a:pPr>
+            <a:r>
+              <a:t>affiliated companies Allowance</a:t>
+            </a:r>
+          </a:p>
+          <a:p>
+            <a:pPr lvl="1">
+              <a:defRPr sz="1100"/>
+            </a:pPr>
+            <a:r>
+              <a:t>for doubtful accounts</a:t>
+            </a:r>
+          </a:p>
+          <a:p>
+            <a:pPr lvl="1">
+              <a:defRPr sz="1100"/>
+            </a:pPr>
+            <a:r>
+              <a:t>calculation Aging schedule</a:t>
+            </a:r>
+          </a:p>
+          <a:p>
+            <a:pPr lvl="1">
+              <a:defRPr sz="1100"/>
+            </a:pPr>
+            <a:r>
+              <a:t>analysis (30/60/90 days) Credit</a:t>
+            </a:r>
+          </a:p>
+        </p:txBody>
+      </p:sp>
+      <p:sp>
+        <p:nvSpPr>
+          <p:cNvPr id="3" name="textMainBullets_R">
+            <a:extLst>
+              <a:ext uri="{FF2B5EF4-FFF2-40B4-BE49-F238E27FC236}">
+                <a16:creationId xmlns:a16="http://schemas.microsoft.com/office/drawing/2014/main" id="{4A7A8408-0754-C798-6BDD-B8586DA48C26}"/>
+              </a:ext>
+            </a:extLst>
+          </p:cNvPr>
+          <p:cNvSpPr txBox="1">
+            <a:spLocks noChangeAspect="1"/>
+          </p:cNvSpPr>
+          <p:nvPr/>
+        </p:nvSpPr>
+        <p:spPr>
+          <a:xfrm>
+            <a:off x="4297680" y="914400"/>
+            <a:ext cx="3657600" cy="4572000"/>
+          </a:xfrm>
+          <a:prstGeom prst="rect">
+            <a:avLst/>
+          </a:prstGeom>
+          <a:noFill/>
+        </p:spPr>
+        <p:txBody>
+          <a:bodyPr wrap="square">
+            <a:spAutoFit/>
+          </a:bodyPr>
+          <a:lstStyle/>
+          <a:p>
+            <a:endParaRPr/>
+          </a:p>
+          <a:p>
+            <a:pPr>
+              <a:defRPr b="1" sz="1400"/>
+            </a:pPr>
+            <a:r>
+              <a:t>Current Assets (continued)</a:t>
+            </a:r>
+          </a:p>
+          <a:p>
+            <a:pPr>
+              <a:defRPr i="1" sz="1200"/>
+            </a:pPr>
+            <a:r>
+              <a:t>Accounts Receivable (continued)</a:t>
+            </a:r>
+          </a:p>
+          <a:p>
+            <a:pPr lvl="1">
+              <a:defRPr sz="1100"/>
+            </a:pPr>
+            <a:r>
+              <a:t>memo adjustments Factored</a:t>
+            </a:r>
+          </a:p>
+          <a:p>
+            <a:pPr lvl="1">
+              <a:defRPr sz="1100"/>
+            </a:pPr>
+            <a:r>
+              <a:t>receivables disclosure Unbilled</a:t>
+            </a:r>
+          </a:p>
+          <a:p>
+            <a:pPr lvl="1">
+              <a:defRPr sz="1100"/>
+            </a:pPr>
+            <a:r>
+              <a:t>receivables from progress</a:t>
+            </a:r>
+          </a:p>
+          <a:p>
+            <a:pPr lvl="1">
+              <a:defRPr sz="1100"/>
+            </a:pPr>
+            <a:r>
+              <a:t>contracts</a:t>
+            </a:r>
+          </a:p>
+          <a:p>
+            <a:pPr>
+              <a:defRPr b="1" sz="1400"/>
+            </a:pPr>
+            <a:r>
+              <a:t>Current Assets</a:t>
+            </a:r>
+          </a:p>
+          <a:p>
+            <a:pPr>
+              <a:defRPr i="1" sz="1200"/>
+            </a:pPr>
+            <a:r>
+              <a:t>Accounts Receivable</a:t>
+            </a:r>
+          </a:p>
+          <a:p>
+            <a:pPr lvl="1">
+              <a:defRPr sz="1100"/>
+            </a:pPr>
+            <a:r>
+              <a:t>Trade receivables from normal</a:t>
+            </a:r>
+          </a:p>
+          <a:p>
+            <a:pPr lvl="1">
+              <a:defRPr sz="1100"/>
+            </a:pPr>
+            <a:r>
+              <a:t>operations Installment</a:t>
+            </a:r>
+          </a:p>
+          <a:p>
+            <a:pPr lvl="1">
+              <a:defRPr sz="1100"/>
+            </a:pPr>
+            <a:r>
+              <a:t>receivables from long-term</a:t>
+            </a:r>
+          </a:p>
+          <a:p>
+            <a:pPr lvl="1">
+              <a:defRPr sz="1100"/>
+            </a:pPr>
+            <a:r>
+              <a:t>contracts Receivables from</a:t>
+            </a:r>
+          </a:p>
+          <a:p>
+            <a:pPr lvl="1">
+              <a:defRPr sz="1100"/>
+            </a:pPr>
+            <a:r>
+              <a:t>affiliated companies Allowance</a:t>
+            </a:r>
+          </a:p>
+          <a:p>
+            <a:pPr lvl="1">
+              <a:defRPr sz="1100"/>
+            </a:pPr>
+            <a:r>
+              <a:t>for doubtful accounts</a:t>
+            </a:r>
+          </a:p>
+          <a:p>
+            <a:pPr lvl="1">
+              <a:defRPr sz="1100"/>
+            </a:pPr>
+            <a:r>
+              <a:t>calculation Aging schedule</a:t>
+            </a:r>
+          </a:p>
+          <a:p>
+            <a:pPr lvl="1">
+              <a:defRPr sz="1100"/>
+            </a:pPr>
+            <a:r>
+              <a:t>analysis (30/60/90 days) Credit</a:t>
+            </a:r>
+          </a:p>
         </p:txBody>
       </p:sp>
     </p:spTree>
-  </p:cSld>
-  <p:clrMapOvr>
-    <a:masterClrMapping/>
-  </p:clrMapOvr>
-</p:sld>
-</file>
-
-<file path=ppt/slides/slide5.xml><?xml version="1.0" encoding="utf-8"?>
-<p:sld xmlns:a="http://schemas.openxmlformats.org/drawingml/2006/main" xmlns:p="http://schemas.openxmlformats.org/presentationml/2006/main" xmlns:r="http://schemas.openxmlformats.org/officeDocument/2006/relationships">
-  <p:cSld>
-    <p:spTree>
-      <p:nvGrpSpPr>
-        <p:cNvPr id="1" name=""/>
-        <p:cNvGrpSpPr/>
-        <p:nvPr/>
-      </p:nvGrpSpPr>
-      <p:grpSpPr/>
-      <p:sp>
-        <p:nvSpPr>
-          <p:cNvPr id="2" name="Title 1"/>
-          <p:cNvSpPr>
-            <a:spLocks noGrp="1"/>
-          </p:cNvSpPr>
-          <p:nvPr>
-            <p:ph type="title"/>
-          </p:nvPr>
-        </p:nvSpPr>
-        <p:spPr/>
-        <p:txBody>
-          <a:bodyPr/>
-          <a:lstStyle/>
-          <a:p/>
-        </p:txBody>
-      </p:sp>
-      <p:sp>
-        <p:nvSpPr>
-          <p:cNvPr id="3" name="Content Placeholder 2"/>
-          <p:cNvSpPr>
-            <a:spLocks noGrp="1"/>
-          </p:cNvSpPr>
-          <p:nvPr>
-            <p:ph idx="1"/>
-          </p:nvPr>
-        </p:nvSpPr>
-        <p:spPr/>
-        <p:txBody>
-          <a:bodyPr/>
-          <a:lstStyle/>
-          <a:p/>
-        </p:txBody>
-      </p:sp>
-    </p:spTree>
-  </p:cSld>
-  <p:clrMapOvr>
-    <a:masterClrMapping/>
-  </p:clrMapOvr>
-</p:sld>
-</file>
-
-<file path=ppt/slides/slide6.xml><?xml version="1.0" encoding="utf-8"?>
-<p:sld xmlns:a="http://schemas.openxmlformats.org/drawingml/2006/main" xmlns:p="http://schemas.openxmlformats.org/presentationml/2006/main" xmlns:r="http://schemas.openxmlformats.org/officeDocument/2006/relationships">
-  <p:cSld>
-    <p:spTree>
-      <p:nvGrpSpPr>
-        <p:cNvPr id="1" name=""/>
-        <p:cNvGrpSpPr/>
-        <p:nvPr/>
-      </p:nvGrpSpPr>
-      <p:grpSpPr/>
-      <p:sp>
-        <p:nvSpPr>
-          <p:cNvPr id="2" name="Title 1"/>
-          <p:cNvSpPr>
-            <a:spLocks noGrp="1"/>
-          </p:cNvSpPr>
-          <p:nvPr>
-            <p:ph type="title"/>
-          </p:nvPr>
-        </p:nvSpPr>
-        <p:spPr/>
-        <p:txBody>
-          <a:bodyPr/>
-          <a:lstStyle/>
-          <a:p/>
-        </p:txBody>
-      </p:sp>
-      <p:sp>
-        <p:nvSpPr>
-          <p:cNvPr id="3" name="Content Placeholder 2"/>
-          <p:cNvSpPr>
-            <a:spLocks noGrp="1"/>
-          </p:cNvSpPr>
-          <p:nvPr>
-            <p:ph idx="1"/>
-          </p:nvPr>
-        </p:nvSpPr>
-        <p:spPr/>
-        <p:txBody>
-          <a:bodyPr/>
-          <a:lstStyle/>
-          <a:p/>
-        </p:txBody>
-      </p:sp>
-    </p:spTree>
-  </p:cSld>
-  <p:clrMapOvr>
-    <a:masterClrMapping/>
-  </p:clrMapOvr>
-</p:sld>
-</file>
-
-<file path=ppt/slides/slide7.xml><?xml version="1.0" encoding="utf-8"?>
-<p:sld xmlns:a="http://schemas.openxmlformats.org/drawingml/2006/main" xmlns:p="http://schemas.openxmlformats.org/presentationml/2006/main" xmlns:r="http://schemas.openxmlformats.org/officeDocument/2006/relationships">
-  <p:cSld>
-    <p:spTree>
-      <p:nvGrpSpPr>
-        <p:cNvPr id="1" name=""/>
-        <p:cNvGrpSpPr/>
-        <p:nvPr/>
-      </p:nvGrpSpPr>
-      <p:grpSpPr/>
-      <p:sp>
-        <p:nvSpPr>
-          <p:cNvPr id="2" name="Title 1"/>
-          <p:cNvSpPr>
-            <a:spLocks noGrp="1"/>
-          </p:cNvSpPr>
-          <p:nvPr>
-            <p:ph type="title"/>
-          </p:nvPr>
-        </p:nvSpPr>
-        <p:spPr/>
-        <p:txBody>
-          <a:bodyPr/>
-          <a:lstStyle/>
-          <a:p/>
-        </p:txBody>
-      </p:sp>
-      <p:sp>
-        <p:nvSpPr>
-          <p:cNvPr id="3" name="Content Placeholder 2"/>
-          <p:cNvSpPr>
-            <a:spLocks noGrp="1"/>
-          </p:cNvSpPr>
-          <p:nvPr>
-            <p:ph idx="1"/>
-          </p:nvPr>
-        </p:nvSpPr>
-        <p:spPr/>
-        <p:txBody>
-          <a:bodyPr/>
-          <a:lstStyle/>
-          <a:p/>
-        </p:txBody>
-      </p:sp>
-    </p:spTree>
-  </p:cSld>
-  <p:clrMapOvr>
-    <a:masterClrMapping/>
-  </p:clrMapOvr>
-</p:sld>
-</file>
-
-<file path=ppt/slides/slide8.xml><?xml version="1.0" encoding="utf-8"?>
-<p:sld xmlns:a="http://schemas.openxmlformats.org/drawingml/2006/main" xmlns:p="http://schemas.openxmlformats.org/presentationml/2006/main" xmlns:r="http://schemas.openxmlformats.org/officeDocument/2006/relationships">
-  <p:cSld>
-    <p:spTree>
-      <p:nvGrpSpPr>
-        <p:cNvPr id="1" name=""/>
-        <p:cNvGrpSpPr/>
-        <p:nvPr/>
-      </p:nvGrpSpPr>
-      <p:grpSpPr/>
-      <p:sp>
-        <p:nvSpPr>
-          <p:cNvPr id="2" name="Title 1"/>
-          <p:cNvSpPr>
-            <a:spLocks noGrp="1"/>
-          </p:cNvSpPr>
-          <p:nvPr>
-            <p:ph type="title"/>
-          </p:nvPr>
-        </p:nvSpPr>
-        <p:spPr/>
-        <p:txBody>
-          <a:bodyPr/>
-          <a:lstStyle/>
-          <a:p/>
-        </p:txBody>
-      </p:sp>
-      <p:sp>
-        <p:nvSpPr>
-          <p:cNvPr id="3" name="Content Placeholder 2"/>
-          <p:cNvSpPr>
-            <a:spLocks noGrp="1"/>
-          </p:cNvSpPr>
-          <p:nvPr>
-            <p:ph idx="1"/>
-          </p:nvPr>
-        </p:nvSpPr>
-        <p:spPr/>
-        <p:txBody>
-          <a:bodyPr/>
-          <a:lstStyle/>
-          <a:p/>
-        </p:txBody>
-      </p:sp>
-    </p:spTree>
-  </p:cSld>
-  <p:clrMapOvr>
-    <a:masterClrMapping/>
-  </p:clrMapOvr>
-</p:sld>
-</file>
-
-<file path=ppt/slides/slide9.xml><?xml version="1.0" encoding="utf-8"?>
-<p:sld xmlns:a="http://schemas.openxmlformats.org/drawingml/2006/main" xmlns:p="http://schemas.openxmlformats.org/presentationml/2006/main" xmlns:r="http://schemas.openxmlformats.org/officeDocument/2006/relationships">
-  <p:cSld>
-    <p:spTree>
-      <p:nvGrpSpPr>
-        <p:cNvPr id="1" name=""/>
-        <p:cNvGrpSpPr/>
-        <p:nvPr/>
-      </p:nvGrpSpPr>
-      <p:grpSpPr/>
-      <p:sp>
-        <p:nvSpPr>
-          <p:cNvPr id="2" name="Title 1"/>
-          <p:cNvSpPr>
-            <a:spLocks noGrp="1"/>
-          </p:cNvSpPr>
-          <p:nvPr>
-            <p:ph type="title"/>
-          </p:nvPr>
-        </p:nvSpPr>
-        <p:spPr/>
-        <p:txBody>
-          <a:bodyPr/>
-          <a:lstStyle/>
-          <a:p/>
-        </p:txBody>
-      </p:sp>
-      <p:sp>
-        <p:nvSpPr>
-          <p:cNvPr id="3" name="Content Placeholder 2"/>
-          <p:cNvSpPr>
-            <a:spLocks noGrp="1"/>
-          </p:cNvSpPr>
-          <p:nvPr>
-            <p:ph idx="1"/>
-          </p:nvPr>
-        </p:nvSpPr>
-        <p:spPr/>
-        <p:txBody>
-          <a:bodyPr/>
-          <a:lstStyle/>
-          <a:p/>
-        </p:txBody>
-      </p:sp>
-    </p:spTree>
+    <p:extLst>
+      <p:ext uri="{BB962C8B-B14F-4D97-AF65-F5344CB8AC3E}">
+        <p14:creationId xmlns:p14="http://schemas.microsoft.com/office/powerpoint/2010/main" val="854010995"/>
+      </p:ext>
+    </p:extLst>
   </p:cSld>
   <p:clrMapOvr>
     <a:masterClrMapping/>

--- a/financial_report.pptx
+++ b/financial_report.pptx
@@ -3280,131 +3280,183 @@
             <a:endParaRPr/>
           </a:p>
           <a:p>
-            <a:pPr>
-              <a:defRPr b="1" sz="1400"/>
-            </a:pPr>
-            <a:r>
+            <a:r>
+              <a:rPr b="1" sz="900">
+                <a:solidFill>
+                  <a:srgbClr val="003296"/>
+                </a:solidFill>
+              </a:rPr>
               <a:t>Current Assets</a:t>
             </a:r>
           </a:p>
           <a:p>
-            <a:pPr>
-              <a:defRPr i="1" sz="1200"/>
-            </a:pPr>
-            <a:r>
+            <a:r>
+              <a:rPr i="1" sz="900"/>
               <a:t>Cash and Cash Equivalents</a:t>
             </a:r>
           </a:p>
           <a:p>
-            <a:pPr lvl="1">
-              <a:defRPr sz="1100"/>
-            </a:pPr>
-            <a:r>
-              <a:t>Currency in checking/savings</a:t>
-            </a:r>
-          </a:p>
-          <a:p>
-            <a:pPr lvl="1">
-              <a:defRPr sz="1100"/>
-            </a:pPr>
-            <a:r>
-              <a:t>accounts Short-term Treasury</a:t>
-            </a:r>
-          </a:p>
-          <a:p>
-            <a:pPr lvl="1">
-              <a:defRPr sz="1100"/>
-            </a:pPr>
-            <a:r>
-              <a:t>bills (maturing &lt;3 months)</a:t>
-            </a:r>
-          </a:p>
-          <a:p>
-            <a:pPr lvl="1">
-              <a:defRPr sz="1100"/>
-            </a:pPr>
-            <a:r>
-              <a:t>Commercial paper from AAA-rated</a:t>
-            </a:r>
-          </a:p>
-          <a:p>
-            <a:pPr lvl="1">
-              <a:defRPr sz="1100"/>
-            </a:pPr>
-            <a:r>
-              <a:t>corporations Money market funds</a:t>
-            </a:r>
-          </a:p>
-          <a:p>
-            <a:pPr lvl="1">
-              <a:defRPr sz="1100"/>
-            </a:pPr>
-            <a:r>
-              <a:t>with daily liquidity Petty cash</a:t>
-            </a:r>
-          </a:p>
-          <a:p>
-            <a:pPr lvl="1">
-              <a:defRPr sz="1100"/>
-            </a:pPr>
-            <a:r>
-              <a:t>reserves for office expenses</a:t>
-            </a:r>
-          </a:p>
-          <a:p>
-            <a:pPr lvl="1">
-              <a:defRPr sz="1100"/>
-            </a:pPr>
-            <a:r>
-              <a:t>Foreign currency holdings in</a:t>
-            </a:r>
-          </a:p>
-          <a:p>
-            <a:pPr lvl="1">
-              <a:defRPr sz="1100"/>
-            </a:pPr>
-            <a:r>
-              <a:t>major currencies Undeposited</a:t>
-            </a:r>
-          </a:p>
-          <a:p>
-            <a:pPr lvl="1">
-              <a:defRPr sz="1100"/>
-            </a:pPr>
-            <a:r>
-              <a:t>checks from customers Cash in</a:t>
-            </a:r>
-          </a:p>
-          <a:p>
-            <a:pPr lvl="1">
-              <a:defRPr sz="1100"/>
-            </a:pPr>
-            <a:r>
-              <a:t>transit between bank accounts</a:t>
-            </a:r>
-          </a:p>
-          <a:p>
-            <a:pPr>
-              <a:defRPr b="1" sz="1400"/>
-            </a:pPr>
-            <a:r>
+            <a:r>
+              <a:rPr sz="900"/>
+              <a:t>■ Currency in checking/savings accounts</a:t>
+            </a:r>
+          </a:p>
+          <a:p>
+            <a:r>
+              <a:rPr sz="900"/>
+              <a:t>■ Short-term Treasury bills (maturing &lt;3 months)</a:t>
+            </a:r>
+          </a:p>
+          <a:p>
+            <a:r>
+              <a:rPr sz="900"/>
+              <a:t>■ Commercial paper from AAA-rated corporations</a:t>
+            </a:r>
+          </a:p>
+          <a:p>
+            <a:r>
+              <a:rPr sz="900"/>
+              <a:t>■ Money market funds with daily liquidity</a:t>
+            </a:r>
+          </a:p>
+          <a:p>
+            <a:r>
+              <a:rPr sz="900"/>
+              <a:t>■ Petty cash reserves for office expenses</a:t>
+            </a:r>
+          </a:p>
+          <a:p>
+            <a:r>
+              <a:rPr sz="900"/>
+              <a:t>■ Foreign currency holdings in major currencies</a:t>
+            </a:r>
+          </a:p>
+          <a:p>
+            <a:r>
+              <a:rPr sz="900"/>
+              <a:t>■ Undeposited checks from customers</a:t>
+            </a:r>
+          </a:p>
+          <a:p>
+            <a:r>
+              <a:rPr sz="900"/>
+              <a:t>■ Cash in transit between bank accounts</a:t>
+            </a:r>
+          </a:p>
+          <a:p>
+            <a:r>
+              <a:rPr b="1" sz="900">
+                <a:solidFill>
+                  <a:srgbClr val="003296"/>
+                </a:solidFill>
+              </a:rPr>
               <a:t>Current Assets</a:t>
             </a:r>
           </a:p>
           <a:p>
-            <a:pPr>
-              <a:defRPr i="1" sz="1200"/>
-            </a:pPr>
-            <a:r>
+            <a:r>
+              <a:rPr i="1" sz="900"/>
               <a:t>Marketable Securities</a:t>
             </a:r>
           </a:p>
           <a:p>
-            <a:pPr lvl="1">
-              <a:defRPr sz="1100"/>
-            </a:pPr>
-            <a:r>
-              <a:t>Corporate bonds with &lt;1yr</a:t>
+            <a:r>
+              <a:rPr sz="900"/>
+              <a:t>■ Corporate bonds with &lt;1yr maturity</a:t>
+            </a:r>
+          </a:p>
+          <a:p>
+            <a:r>
+              <a:rPr sz="900"/>
+              <a:t>■ Government agency securities</a:t>
+            </a:r>
+          </a:p>
+          <a:p>
+            <a:r>
+              <a:rPr sz="900"/>
+              <a:t>■ Certificates of deposit (CDs)</a:t>
+            </a:r>
+          </a:p>
+          <a:p>
+            <a:r>
+              <a:rPr sz="900"/>
+              <a:t>■ Bankers' acceptances</a:t>
+            </a:r>
+          </a:p>
+          <a:p>
+            <a:r>
+              <a:rPr sz="900"/>
+              <a:t>■ Commercial paper holdings</a:t>
+            </a:r>
+          </a:p>
+          <a:p>
+            <a:r>
+              <a:rPr sz="900"/>
+              <a:t>■ Treasury notes maturing within 12 months</a:t>
+            </a:r>
+          </a:p>
+          <a:p>
+            <a:r>
+              <a:rPr sz="900"/>
+              <a:t>■ Highly liquid ETF positions</a:t>
+            </a:r>
+          </a:p>
+          <a:p>
+            <a:r>
+              <a:rPr b="1" sz="900">
+                <a:solidFill>
+                  <a:srgbClr val="003296"/>
+                </a:solidFill>
+              </a:rPr>
+              <a:t>Current Assets</a:t>
+            </a:r>
+          </a:p>
+          <a:p>
+            <a:r>
+              <a:rPr i="1" sz="900"/>
+              <a:t>Accounts Receivable</a:t>
+            </a:r>
+          </a:p>
+          <a:p>
+            <a:r>
+              <a:rPr sz="900"/>
+              <a:t>■ Trade receivables from normal operations</a:t>
+            </a:r>
+          </a:p>
+          <a:p>
+            <a:r>
+              <a:rPr sz="900"/>
+              <a:t>■ Installment receivables from long-term contracts</a:t>
+            </a:r>
+          </a:p>
+          <a:p>
+            <a:r>
+              <a:rPr sz="900"/>
+              <a:t>■ Receivables from affiliated companies</a:t>
+            </a:r>
+          </a:p>
+          <a:p>
+            <a:r>
+              <a:rPr sz="900"/>
+              <a:t>■ Allowance for doubtful accounts calculation</a:t>
+            </a:r>
+          </a:p>
+          <a:p>
+            <a:r>
+              <a:rPr sz="900"/>
+              <a:t>■ Aging schedule analysis (30/60/90 days)</a:t>
+            </a:r>
+          </a:p>
+          <a:p>
+            <a:r>
+              <a:rPr sz="900"/>
+              <a:t>■ Credit memo adjustments</a:t>
+            </a:r>
+          </a:p>
+          <a:p>
+            <a:r>
+              <a:rPr sz="900"/>
+              <a:t>■ Factored receivables disclosure</a:t>
             </a:r>
           </a:p>
         </p:txBody>
@@ -3461,131 +3513,181 @@
             <a:endParaRPr/>
           </a:p>
           <a:p>
-            <a:pPr>
-              <a:defRPr b="1" sz="1400"/>
-            </a:pPr>
-            <a:r>
+            <a:r>
+              <a:rPr b="1" sz="900">
+                <a:solidFill>
+                  <a:srgbClr val="003296"/>
+                </a:solidFill>
+              </a:rPr>
               <a:t>Current Assets (continued)</a:t>
             </a:r>
           </a:p>
           <a:p>
-            <a:pPr>
-              <a:defRPr i="1" sz="1200"/>
-            </a:pPr>
-            <a:r>
+            <a:r>
+              <a:rPr i="1" sz="900"/>
+              <a:t>Accounts Receivable (continued)</a:t>
+            </a:r>
+          </a:p>
+          <a:p>
+            <a:r>
+              <a:rPr b="1" sz="900">
+                <a:solidFill>
+                  <a:srgbClr val="003296"/>
+                </a:solidFill>
+              </a:rPr>
+              <a:t>Current Assets</a:t>
+            </a:r>
+          </a:p>
+          <a:p>
+            <a:r>
+              <a:rPr i="1" sz="900"/>
               <a:t>Marketable Securities</a:t>
             </a:r>
           </a:p>
           <a:p>
-            <a:pPr>
-              <a:defRPr i="1" sz="1200"/>
-            </a:pPr>
-            <a:r>
-              <a:t>(continued)</a:t>
-            </a:r>
-          </a:p>
-          <a:p>
-            <a:pPr lvl="1">
-              <a:defRPr sz="1100"/>
-            </a:pPr>
-            <a:r>
-              <a:t>maturity Government agency</a:t>
-            </a:r>
-          </a:p>
-          <a:p>
-            <a:pPr lvl="1">
-              <a:defRPr sz="1100"/>
-            </a:pPr>
-            <a:r>
-              <a:t>securities Certificates of</a:t>
-            </a:r>
-          </a:p>
-          <a:p>
-            <a:pPr lvl="1">
-              <a:defRPr sz="1100"/>
-            </a:pPr>
-            <a:r>
-              <a:t>deposit (CDs) Bankers'</a:t>
-            </a:r>
-          </a:p>
-          <a:p>
-            <a:pPr lvl="1">
-              <a:defRPr sz="1100"/>
-            </a:pPr>
-            <a:r>
-              <a:t>acceptances</a:t>
-            </a:r>
-          </a:p>
-          <a:p>
-            <a:pPr>
-              <a:defRPr b="1" sz="1400"/>
-            </a:pPr>
-            <a:r>
+            <a:r>
+              <a:rPr sz="900"/>
+              <a:t>■ Corporate bonds with &lt;1yr maturity</a:t>
+            </a:r>
+          </a:p>
+          <a:p>
+            <a:r>
+              <a:rPr sz="900"/>
+              <a:t>■ Government agency securities</a:t>
+            </a:r>
+          </a:p>
+          <a:p>
+            <a:r>
+              <a:rPr sz="900"/>
+              <a:t>■ Certificates of deposit (CDs)</a:t>
+            </a:r>
+          </a:p>
+          <a:p>
+            <a:r>
+              <a:rPr sz="900"/>
+              <a:t>■ Bankers' acceptances</a:t>
+            </a:r>
+          </a:p>
+          <a:p>
+            <a:r>
+              <a:rPr sz="900"/>
+              <a:t>■ Commercial paper holdings</a:t>
+            </a:r>
+          </a:p>
+          <a:p>
+            <a:r>
+              <a:rPr sz="900"/>
+              <a:t>■ Treasury notes maturing within 12 months</a:t>
+            </a:r>
+          </a:p>
+          <a:p>
+            <a:r>
+              <a:rPr sz="900"/>
+              <a:t>■ Highly liquid ETF positions</a:t>
+            </a:r>
+          </a:p>
+          <a:p>
+            <a:r>
+              <a:rPr b="1" sz="900">
+                <a:solidFill>
+                  <a:srgbClr val="003296"/>
+                </a:solidFill>
+              </a:rPr>
               <a:t>Current Assets</a:t>
             </a:r>
           </a:p>
           <a:p>
-            <a:pPr>
-              <a:defRPr i="1" sz="1200"/>
-            </a:pPr>
-            <a:r>
-              <a:t>Marketable Securities</a:t>
-            </a:r>
-          </a:p>
-          <a:p>
-            <a:pPr lvl="1">
-              <a:defRPr sz="1100"/>
-            </a:pPr>
-            <a:r>
-              <a:t>Corporate bonds with &lt;1yr</a:t>
-            </a:r>
-          </a:p>
-          <a:p>
-            <a:pPr lvl="1">
-              <a:defRPr sz="1100"/>
-            </a:pPr>
-            <a:r>
-              <a:t>maturity Government agency</a:t>
-            </a:r>
-          </a:p>
-          <a:p>
-            <a:pPr lvl="1">
-              <a:defRPr sz="1100"/>
-            </a:pPr>
-            <a:r>
-              <a:t>securities Certificates of</a:t>
-            </a:r>
-          </a:p>
-          <a:p>
-            <a:pPr lvl="1">
-              <a:defRPr sz="1100"/>
-            </a:pPr>
-            <a:r>
-              <a:t>deposit (CDs) Bankers'</a:t>
-            </a:r>
-          </a:p>
-          <a:p>
-            <a:pPr lvl="1">
-              <a:defRPr sz="1100"/>
-            </a:pPr>
-            <a:r>
-              <a:t>acceptances Commercial paper</a:t>
-            </a:r>
-          </a:p>
-          <a:p>
-            <a:pPr lvl="1">
-              <a:defRPr sz="1100"/>
-            </a:pPr>
-            <a:r>
-              <a:t>holdings Treasury notes</a:t>
-            </a:r>
-          </a:p>
-          <a:p>
-            <a:pPr lvl="1">
-              <a:defRPr sz="1100"/>
-            </a:pPr>
-            <a:r>
-              <a:t>maturing within 12 months</a:t>
+            <a:r>
+              <a:rPr i="1" sz="900"/>
+              <a:t>Accounts Receivable</a:t>
+            </a:r>
+          </a:p>
+          <a:p>
+            <a:r>
+              <a:rPr sz="900"/>
+              <a:t>■ Trade receivables from normal operations</a:t>
+            </a:r>
+          </a:p>
+          <a:p>
+            <a:r>
+              <a:rPr sz="900"/>
+              <a:t>■ Installment receivables from long-term contracts</a:t>
+            </a:r>
+          </a:p>
+          <a:p>
+            <a:r>
+              <a:rPr sz="900"/>
+              <a:t>■ Receivables from affiliated companies</a:t>
+            </a:r>
+          </a:p>
+          <a:p>
+            <a:r>
+              <a:rPr sz="900"/>
+              <a:t>■ Allowance for doubtful accounts calculation</a:t>
+            </a:r>
+          </a:p>
+          <a:p>
+            <a:r>
+              <a:rPr sz="900"/>
+              <a:t>■ Aging schedule analysis (30/60/90 days)</a:t>
+            </a:r>
+          </a:p>
+          <a:p>
+            <a:r>
+              <a:rPr sz="900"/>
+              <a:t>■ Credit memo adjustments</a:t>
+            </a:r>
+          </a:p>
+          <a:p>
+            <a:r>
+              <a:rPr sz="900"/>
+              <a:t>■ Factored receivables disclosure</a:t>
+            </a:r>
+          </a:p>
+          <a:p>
+            <a:r>
+              <a:rPr sz="900"/>
+              <a:t>■ Unbilled receivables from progress contracts</a:t>
+            </a:r>
+          </a:p>
+          <a:p>
+            <a:r>
+              <a:rPr b="1" sz="900">
+                <a:solidFill>
+                  <a:srgbClr val="003296"/>
+                </a:solidFill>
+              </a:rPr>
+              <a:t>Non-Current Assets</a:t>
+            </a:r>
+          </a:p>
+          <a:p>
+            <a:r>
+              <a:rPr i="1" sz="900"/>
+              <a:t>Property, Plant &amp; Equipment</a:t>
+            </a:r>
+          </a:p>
+          <a:p>
+            <a:r>
+              <a:rPr sz="900"/>
+              <a:t>■ Land acquisition costs (original purchase)</a:t>
+            </a:r>
+          </a:p>
+          <a:p>
+            <a:r>
+              <a:rPr sz="900"/>
+              <a:t>■ Building improvements capitalization</a:t>
+            </a:r>
+          </a:p>
+          <a:p>
+            <a:r>
+              <a:rPr sz="900"/>
+              <a:t>■ Machinery installation costs</a:t>
+            </a:r>
+          </a:p>
+          <a:p>
+            <a:r>
+              <a:rPr sz="900"/>
+              <a:t>■ Equipment depreciation schedules</a:t>
             </a:r>
           </a:p>
         </p:txBody>
@@ -3617,131 +3719,169 @@
             <a:endParaRPr/>
           </a:p>
           <a:p>
-            <a:pPr>
-              <a:defRPr b="1" sz="1400"/>
-            </a:pPr>
-            <a:r>
-              <a:t>Current Assets (continued)</a:t>
-            </a:r>
-          </a:p>
-          <a:p>
-            <a:pPr>
-              <a:defRPr i="1" sz="1200"/>
-            </a:pPr>
-            <a:r>
-              <a:t>Marketable Securities</a:t>
-            </a:r>
-          </a:p>
-          <a:p>
-            <a:pPr>
-              <a:defRPr i="1" sz="1200"/>
-            </a:pPr>
-            <a:r>
-              <a:t>(continued)</a:t>
-            </a:r>
-          </a:p>
-          <a:p>
-            <a:pPr lvl="1">
-              <a:defRPr sz="1100"/>
-            </a:pPr>
-            <a:r>
-              <a:t>Highly liquid ETF positions</a:t>
-            </a:r>
-          </a:p>
-          <a:p>
-            <a:pPr>
-              <a:defRPr b="1" sz="1400"/>
-            </a:pPr>
-            <a:r>
+            <a:r>
+              <a:rPr b="1" sz="900">
+                <a:solidFill>
+                  <a:srgbClr val="003296"/>
+                </a:solidFill>
+              </a:rPr>
+              <a:t>Non-Current Assets (continued)</a:t>
+            </a:r>
+          </a:p>
+          <a:p>
+            <a:r>
+              <a:rPr i="1" sz="900"/>
+              <a:t>Property, Plant &amp; Equipment (continued)</a:t>
+            </a:r>
+          </a:p>
+          <a:p>
+            <a:r>
+              <a:rPr b="1" sz="900">
+                <a:solidFill>
+                  <a:srgbClr val="003296"/>
+                </a:solidFill>
+              </a:rPr>
               <a:t>Current Assets</a:t>
             </a:r>
           </a:p>
           <a:p>
-            <a:pPr>
-              <a:defRPr i="1" sz="1200"/>
-            </a:pPr>
-            <a:r>
-              <a:t>Marketable Securities</a:t>
-            </a:r>
-          </a:p>
-          <a:p>
-            <a:pPr lvl="1">
-              <a:defRPr sz="1100"/>
-            </a:pPr>
-            <a:r>
-              <a:t>Corporate bonds with &lt;1yr</a:t>
-            </a:r>
-          </a:p>
-          <a:p>
-            <a:pPr lvl="1">
-              <a:defRPr sz="1100"/>
-            </a:pPr>
-            <a:r>
-              <a:t>maturity Government agency</a:t>
-            </a:r>
-          </a:p>
-          <a:p>
-            <a:pPr lvl="1">
-              <a:defRPr sz="1100"/>
-            </a:pPr>
-            <a:r>
-              <a:t>securities Certificates of</a:t>
-            </a:r>
-          </a:p>
-          <a:p>
-            <a:pPr lvl="1">
-              <a:defRPr sz="1100"/>
-            </a:pPr>
-            <a:r>
-              <a:t>deposit (CDs) Bankers'</a:t>
-            </a:r>
-          </a:p>
-          <a:p>
-            <a:pPr lvl="1">
-              <a:defRPr sz="1100"/>
-            </a:pPr>
-            <a:r>
-              <a:t>acceptances Commercial paper</a:t>
-            </a:r>
-          </a:p>
-          <a:p>
-            <a:pPr lvl="1">
-              <a:defRPr sz="1100"/>
-            </a:pPr>
-            <a:r>
-              <a:t>holdings Treasury notes</a:t>
-            </a:r>
-          </a:p>
-          <a:p>
-            <a:pPr lvl="1">
-              <a:defRPr sz="1100"/>
-            </a:pPr>
-            <a:r>
-              <a:t>maturing within 12 months</a:t>
-            </a:r>
-          </a:p>
-          <a:p>
-            <a:pPr lvl="1">
-              <a:defRPr sz="1100"/>
-            </a:pPr>
-            <a:r>
-              <a:t>Highly liquid ETF positions</a:t>
-            </a:r>
-          </a:p>
-          <a:p>
-            <a:pPr>
-              <a:defRPr b="1" sz="1400"/>
-            </a:pPr>
-            <a:r>
-              <a:t>Current Assets</a:t>
-            </a:r>
-          </a:p>
-          <a:p>
-            <a:pPr>
-              <a:defRPr i="1" sz="1200"/>
-            </a:pPr>
-            <a:r>
+            <a:r>
+              <a:rPr i="1" sz="900"/>
               <a:t>Accounts Receivable</a:t>
+            </a:r>
+          </a:p>
+          <a:p>
+            <a:r>
+              <a:rPr sz="900"/>
+              <a:t>■ Trade receivables from normal operations</a:t>
+            </a:r>
+          </a:p>
+          <a:p>
+            <a:r>
+              <a:rPr sz="900"/>
+              <a:t>■ Installment receivables from long-term contracts</a:t>
+            </a:r>
+          </a:p>
+          <a:p>
+            <a:r>
+              <a:rPr sz="900"/>
+              <a:t>■ Receivables from affiliated companies</a:t>
+            </a:r>
+          </a:p>
+          <a:p>
+            <a:r>
+              <a:rPr sz="900"/>
+              <a:t>■ Allowance for doubtful accounts calculation</a:t>
+            </a:r>
+          </a:p>
+          <a:p>
+            <a:r>
+              <a:rPr sz="900"/>
+              <a:t>■ Aging schedule analysis (30/60/90 days)</a:t>
+            </a:r>
+          </a:p>
+          <a:p>
+            <a:r>
+              <a:rPr sz="900"/>
+              <a:t>■ Credit memo adjustments</a:t>
+            </a:r>
+          </a:p>
+          <a:p>
+            <a:r>
+              <a:rPr sz="900"/>
+              <a:t>■ Factored receivables disclosure</a:t>
+            </a:r>
+          </a:p>
+          <a:p>
+            <a:r>
+              <a:rPr sz="900"/>
+              <a:t>■ Unbilled receivables from progress contracts</a:t>
+            </a:r>
+          </a:p>
+          <a:p>
+            <a:r>
+              <a:rPr b="1" sz="900">
+                <a:solidFill>
+                  <a:srgbClr val="003296"/>
+                </a:solidFill>
+              </a:rPr>
+              <a:t>Non-Current Assets</a:t>
+            </a:r>
+          </a:p>
+          <a:p>
+            <a:r>
+              <a:rPr i="1" sz="900"/>
+              <a:t>Property, Plant &amp; Equipment</a:t>
+            </a:r>
+          </a:p>
+          <a:p>
+            <a:r>
+              <a:rPr sz="900"/>
+              <a:t>■ Land acquisition costs (original purchase)</a:t>
+            </a:r>
+          </a:p>
+          <a:p>
+            <a:r>
+              <a:rPr sz="900"/>
+              <a:t>■ Building improvements capitalization</a:t>
+            </a:r>
+          </a:p>
+          <a:p>
+            <a:r>
+              <a:rPr sz="900"/>
+              <a:t>■ Machinery installation costs</a:t>
+            </a:r>
+          </a:p>
+          <a:p>
+            <a:r>
+              <a:rPr sz="900"/>
+              <a:t>■ Equipment depreciation schedules</a:t>
+            </a:r>
+          </a:p>
+          <a:p>
+            <a:r>
+              <a:rPr sz="900"/>
+              <a:t>■ Leasehold improvement amortization</a:t>
+            </a:r>
+          </a:p>
+          <a:p>
+            <a:r>
+              <a:rPr sz="900"/>
+              <a:t>■ Construction-in-progress accounts</a:t>
+            </a:r>
+          </a:p>
+          <a:p>
+            <a:r>
+              <a:rPr sz="900"/>
+              <a:t>■ Capitalized interest during construction</a:t>
+            </a:r>
+          </a:p>
+          <a:p>
+            <a:r>
+              <a:rPr b="1" sz="900">
+                <a:solidFill>
+                  <a:srgbClr val="003296"/>
+                </a:solidFill>
+              </a:rPr>
+              <a:t>Non-Current Assets</a:t>
+            </a:r>
+          </a:p>
+          <a:p>
+            <a:r>
+              <a:rPr i="1" sz="900"/>
+              <a:t>Intangible Assets</a:t>
+            </a:r>
+          </a:p>
+          <a:p>
+            <a:r>
+              <a:rPr sz="900"/>
+              <a:t>■ Patent acquisition and amortization</a:t>
+            </a:r>
+          </a:p>
+          <a:p>
+            <a:r>
+              <a:rPr sz="900"/>
+              <a:t>■ Trademark registration/maintenance costs</a:t>
             </a:r>
           </a:p>
         </p:txBody>
@@ -3810,131 +3950,157 @@
             <a:endParaRPr/>
           </a:p>
           <a:p>
-            <a:pPr>
-              <a:defRPr b="1" sz="1400"/>
-            </a:pPr>
-            <a:r>
-              <a:t>Current Assets (continued)</a:t>
-            </a:r>
-          </a:p>
-          <a:p>
-            <a:pPr>
-              <a:defRPr i="1" sz="1200"/>
-            </a:pPr>
-            <a:r>
-              <a:t>Accounts Receivable (continued)</a:t>
-            </a:r>
-          </a:p>
-          <a:p>
-            <a:pPr lvl="1">
-              <a:defRPr sz="1100"/>
-            </a:pPr>
-            <a:r>
-              <a:t>Trade receivables from normal</a:t>
-            </a:r>
-          </a:p>
-          <a:p>
-            <a:pPr lvl="1">
-              <a:defRPr sz="1100"/>
-            </a:pPr>
-            <a:r>
-              <a:t>operations Installment</a:t>
-            </a:r>
-          </a:p>
-          <a:p>
-            <a:pPr lvl="1">
-              <a:defRPr sz="1100"/>
-            </a:pPr>
-            <a:r>
-              <a:t>receivables from long-term</a:t>
-            </a:r>
-          </a:p>
-          <a:p>
-            <a:pPr lvl="1">
-              <a:defRPr sz="1100"/>
-            </a:pPr>
-            <a:r>
-              <a:t>contracts</a:t>
-            </a:r>
-          </a:p>
-          <a:p>
-            <a:pPr>
-              <a:defRPr b="1" sz="1400"/>
-            </a:pPr>
-            <a:r>
-              <a:t>Current Assets</a:t>
-            </a:r>
-          </a:p>
-          <a:p>
-            <a:pPr>
-              <a:defRPr i="1" sz="1200"/>
-            </a:pPr>
-            <a:r>
-              <a:t>Accounts Receivable</a:t>
-            </a:r>
-          </a:p>
-          <a:p>
-            <a:pPr lvl="1">
-              <a:defRPr sz="1100"/>
-            </a:pPr>
-            <a:r>
-              <a:t>Trade receivables from normal</a:t>
-            </a:r>
-          </a:p>
-          <a:p>
-            <a:pPr lvl="1">
-              <a:defRPr sz="1100"/>
-            </a:pPr>
-            <a:r>
-              <a:t>operations Installment</a:t>
-            </a:r>
-          </a:p>
-          <a:p>
-            <a:pPr lvl="1">
-              <a:defRPr sz="1100"/>
-            </a:pPr>
-            <a:r>
-              <a:t>receivables from long-term</a:t>
-            </a:r>
-          </a:p>
-          <a:p>
-            <a:pPr lvl="1">
-              <a:defRPr sz="1100"/>
-            </a:pPr>
-            <a:r>
-              <a:t>contracts Receivables from</a:t>
-            </a:r>
-          </a:p>
-          <a:p>
-            <a:pPr lvl="1">
-              <a:defRPr sz="1100"/>
-            </a:pPr>
-            <a:r>
-              <a:t>affiliated companies Allowance</a:t>
-            </a:r>
-          </a:p>
-          <a:p>
-            <a:pPr lvl="1">
-              <a:defRPr sz="1100"/>
-            </a:pPr>
-            <a:r>
-              <a:t>for doubtful accounts</a:t>
-            </a:r>
-          </a:p>
-          <a:p>
-            <a:pPr lvl="1">
-              <a:defRPr sz="1100"/>
-            </a:pPr>
-            <a:r>
-              <a:t>calculation Aging schedule</a:t>
-            </a:r>
-          </a:p>
-          <a:p>
-            <a:pPr lvl="1">
-              <a:defRPr sz="1100"/>
-            </a:pPr>
-            <a:r>
-              <a:t>analysis (30/60/90 days) Credit</a:t>
+            <a:r>
+              <a:rPr b="1" sz="900">
+                <a:solidFill>
+                  <a:srgbClr val="003296"/>
+                </a:solidFill>
+              </a:rPr>
+              <a:t>Non-Current Assets (continued)</a:t>
+            </a:r>
+          </a:p>
+          <a:p>
+            <a:r>
+              <a:rPr i="1" sz="900"/>
+              <a:t>Intangible Assets (continued)</a:t>
+            </a:r>
+          </a:p>
+          <a:p>
+            <a:r>
+              <a:rPr b="1" sz="900">
+                <a:solidFill>
+                  <a:srgbClr val="003296"/>
+                </a:solidFill>
+              </a:rPr>
+              <a:t>Non-Current Assets</a:t>
+            </a:r>
+          </a:p>
+          <a:p>
+            <a:r>
+              <a:rPr i="1" sz="900"/>
+              <a:t>Property, Plant &amp; Equipment</a:t>
+            </a:r>
+          </a:p>
+          <a:p>
+            <a:r>
+              <a:rPr sz="900"/>
+              <a:t>■ Land acquisition costs (original purchase)</a:t>
+            </a:r>
+          </a:p>
+          <a:p>
+            <a:r>
+              <a:rPr sz="900"/>
+              <a:t>■ Building improvements capitalization</a:t>
+            </a:r>
+          </a:p>
+          <a:p>
+            <a:r>
+              <a:rPr sz="900"/>
+              <a:t>■ Machinery installation costs</a:t>
+            </a:r>
+          </a:p>
+          <a:p>
+            <a:r>
+              <a:rPr sz="900"/>
+              <a:t>■ Equipment depreciation schedules</a:t>
+            </a:r>
+          </a:p>
+          <a:p>
+            <a:r>
+              <a:rPr sz="900"/>
+              <a:t>■ Leasehold improvement amortization</a:t>
+            </a:r>
+          </a:p>
+          <a:p>
+            <a:r>
+              <a:rPr sz="900"/>
+              <a:t>■ Construction-in-progress accounts</a:t>
+            </a:r>
+          </a:p>
+          <a:p>
+            <a:r>
+              <a:rPr sz="900"/>
+              <a:t>■ Capitalized interest during construction</a:t>
+            </a:r>
+          </a:p>
+          <a:p>
+            <a:r>
+              <a:rPr b="1" sz="900">
+                <a:solidFill>
+                  <a:srgbClr val="003296"/>
+                </a:solidFill>
+              </a:rPr>
+              <a:t>Non-Current Assets</a:t>
+            </a:r>
+          </a:p>
+          <a:p>
+            <a:r>
+              <a:rPr i="1" sz="900"/>
+              <a:t>Intangible Assets</a:t>
+            </a:r>
+          </a:p>
+          <a:p>
+            <a:r>
+              <a:rPr sz="900"/>
+              <a:t>■ Patent acquisition and amortization</a:t>
+            </a:r>
+          </a:p>
+          <a:p>
+            <a:r>
+              <a:rPr sz="900"/>
+              <a:t>■ Trademark registration/maintenance costs</a:t>
+            </a:r>
+          </a:p>
+          <a:p>
+            <a:r>
+              <a:rPr sz="900"/>
+              <a:t>■ Customer list valuations</a:t>
+            </a:r>
+          </a:p>
+          <a:p>
+            <a:r>
+              <a:rPr sz="900"/>
+              <a:t>■ Non-compete agreement valuations</a:t>
+            </a:r>
+          </a:p>
+          <a:p>
+            <a:r>
+              <a:rPr sz="900"/>
+              <a:t>■ Software development costs</a:t>
+            </a:r>
+          </a:p>
+          <a:p>
+            <a:r>
+              <a:rPr sz="900"/>
+              <a:t>■ Licensing agreements fair value</a:t>
+            </a:r>
+          </a:p>
+          <a:p>
+            <a:r>
+              <a:rPr sz="900"/>
+              <a:t>■ Goodwill impairment testing methodology</a:t>
+            </a:r>
+          </a:p>
+          <a:p>
+            <a:r>
+              <a:rPr b="1" sz="900">
+                <a:solidFill>
+                  <a:srgbClr val="003296"/>
+                </a:solidFill>
+              </a:rPr>
+              <a:t>Non-Current Assets</a:t>
+            </a:r>
+          </a:p>
+          <a:p>
+            <a:r>
+              <a:rPr i="1" sz="900"/>
+              <a:t>Long-Term Investments</a:t>
+            </a:r>
+          </a:p>
+          <a:p>
+            <a:r>
+              <a:rPr sz="900"/>
+              <a:t>■ Held-to-maturity securities portfolio</a:t>
             </a:r>
           </a:p>
         </p:txBody>
@@ -3972,131 +4138,135 @@
             <a:endParaRPr/>
           </a:p>
           <a:p>
-            <a:pPr>
-              <a:defRPr b="1" sz="1400"/>
-            </a:pPr>
-            <a:r>
-              <a:t>Current Assets (continued)</a:t>
-            </a:r>
-          </a:p>
-          <a:p>
-            <a:pPr>
-              <a:defRPr i="1" sz="1200"/>
-            </a:pPr>
-            <a:r>
-              <a:t>Accounts Receivable (continued)</a:t>
-            </a:r>
-          </a:p>
-          <a:p>
-            <a:pPr lvl="1">
-              <a:defRPr sz="1100"/>
-            </a:pPr>
-            <a:r>
-              <a:t>memo adjustments Factored</a:t>
-            </a:r>
-          </a:p>
-          <a:p>
-            <a:pPr lvl="1">
-              <a:defRPr sz="1100"/>
-            </a:pPr>
-            <a:r>
-              <a:t>receivables disclosure Unbilled</a:t>
-            </a:r>
-          </a:p>
-          <a:p>
-            <a:pPr lvl="1">
-              <a:defRPr sz="1100"/>
-            </a:pPr>
-            <a:r>
-              <a:t>receivables from progress</a:t>
-            </a:r>
-          </a:p>
-          <a:p>
-            <a:pPr lvl="1">
-              <a:defRPr sz="1100"/>
-            </a:pPr>
-            <a:r>
-              <a:t>contracts</a:t>
-            </a:r>
-          </a:p>
-          <a:p>
-            <a:pPr>
-              <a:defRPr b="1" sz="1400"/>
-            </a:pPr>
-            <a:r>
-              <a:t>Current Assets</a:t>
-            </a:r>
-          </a:p>
-          <a:p>
-            <a:pPr>
-              <a:defRPr i="1" sz="1200"/>
-            </a:pPr>
-            <a:r>
-              <a:t>Accounts Receivable</a:t>
-            </a:r>
-          </a:p>
-          <a:p>
-            <a:pPr lvl="1">
-              <a:defRPr sz="1100"/>
-            </a:pPr>
-            <a:r>
-              <a:t>Trade receivables from normal</a:t>
-            </a:r>
-          </a:p>
-          <a:p>
-            <a:pPr lvl="1">
-              <a:defRPr sz="1100"/>
-            </a:pPr>
-            <a:r>
-              <a:t>operations Installment</a:t>
-            </a:r>
-          </a:p>
-          <a:p>
-            <a:pPr lvl="1">
-              <a:defRPr sz="1100"/>
-            </a:pPr>
-            <a:r>
-              <a:t>receivables from long-term</a:t>
-            </a:r>
-          </a:p>
-          <a:p>
-            <a:pPr lvl="1">
-              <a:defRPr sz="1100"/>
-            </a:pPr>
-            <a:r>
-              <a:t>contracts Receivables from</a:t>
-            </a:r>
-          </a:p>
-          <a:p>
-            <a:pPr lvl="1">
-              <a:defRPr sz="1100"/>
-            </a:pPr>
-            <a:r>
-              <a:t>affiliated companies Allowance</a:t>
-            </a:r>
-          </a:p>
-          <a:p>
-            <a:pPr lvl="1">
-              <a:defRPr sz="1100"/>
-            </a:pPr>
-            <a:r>
-              <a:t>for doubtful accounts</a:t>
-            </a:r>
-          </a:p>
-          <a:p>
-            <a:pPr lvl="1">
-              <a:defRPr sz="1100"/>
-            </a:pPr>
-            <a:r>
-              <a:t>calculation Aging schedule</a:t>
-            </a:r>
-          </a:p>
-          <a:p>
-            <a:pPr lvl="1">
-              <a:defRPr sz="1100"/>
-            </a:pPr>
-            <a:r>
-              <a:t>analysis (30/60/90 days) Credit</a:t>
+            <a:r>
+              <a:rPr b="1" sz="900">
+                <a:solidFill>
+                  <a:srgbClr val="003296"/>
+                </a:solidFill>
+              </a:rPr>
+              <a:t>Non-Current Assets (continued)</a:t>
+            </a:r>
+          </a:p>
+          <a:p>
+            <a:r>
+              <a:rPr i="1" sz="900"/>
+              <a:t>Long-Term Investments (continued)</a:t>
+            </a:r>
+          </a:p>
+          <a:p>
+            <a:r>
+              <a:rPr b="1" sz="900">
+                <a:solidFill>
+                  <a:srgbClr val="003296"/>
+                </a:solidFill>
+              </a:rPr>
+              <a:t>Non-Current Assets</a:t>
+            </a:r>
+          </a:p>
+          <a:p>
+            <a:r>
+              <a:rPr i="1" sz="900"/>
+              <a:t>Intangible Assets</a:t>
+            </a:r>
+          </a:p>
+          <a:p>
+            <a:r>
+              <a:rPr sz="900"/>
+              <a:t>■ Patent acquisition and amortization</a:t>
+            </a:r>
+          </a:p>
+          <a:p>
+            <a:r>
+              <a:rPr sz="900"/>
+              <a:t>■ Trademark registration/maintenance costs</a:t>
+            </a:r>
+          </a:p>
+          <a:p>
+            <a:r>
+              <a:rPr sz="900"/>
+              <a:t>■ Customer list valuations</a:t>
+            </a:r>
+          </a:p>
+          <a:p>
+            <a:r>
+              <a:rPr sz="900"/>
+              <a:t>■ Non-compete agreement valuations</a:t>
+            </a:r>
+          </a:p>
+          <a:p>
+            <a:r>
+              <a:rPr sz="900"/>
+              <a:t>■ Software development costs</a:t>
+            </a:r>
+          </a:p>
+          <a:p>
+            <a:r>
+              <a:rPr sz="900"/>
+              <a:t>■ Licensing agreements fair value</a:t>
+            </a:r>
+          </a:p>
+          <a:p>
+            <a:r>
+              <a:rPr sz="900"/>
+              <a:t>■ Goodwill impairment testing methodology</a:t>
+            </a:r>
+          </a:p>
+          <a:p>
+            <a:r>
+              <a:rPr b="1" sz="900">
+                <a:solidFill>
+                  <a:srgbClr val="003296"/>
+                </a:solidFill>
+              </a:rPr>
+              <a:t>Non-Current Assets</a:t>
+            </a:r>
+          </a:p>
+          <a:p>
+            <a:r>
+              <a:rPr i="1" sz="900"/>
+              <a:t>Long-Term Investments</a:t>
+            </a:r>
+          </a:p>
+          <a:p>
+            <a:r>
+              <a:rPr sz="900"/>
+              <a:t>■ Held-to-maturity securities portfolio</a:t>
+            </a:r>
+          </a:p>
+          <a:p>
+            <a:r>
+              <a:rPr sz="900"/>
+              <a:t>■ Equity method investment accounting</a:t>
+            </a:r>
+          </a:p>
+          <a:p>
+            <a:r>
+              <a:rPr sz="900"/>
+              <a:t>■ Real estate held for appreciation</a:t>
+            </a:r>
+          </a:p>
+          <a:p>
+            <a:r>
+              <a:rPr sz="900"/>
+              <a:t>■ Venture capital fund investments</a:t>
+            </a:r>
+          </a:p>
+          <a:p>
+            <a:r>
+              <a:rPr sz="900"/>
+              <a:t>■ Convertible debt instruments</a:t>
+            </a:r>
+          </a:p>
+          <a:p>
+            <a:r>
+              <a:rPr sz="900"/>
+              <a:t>■ Restricted stock holdings</a:t>
+            </a:r>
+          </a:p>
+          <a:p>
+            <a:r>
+              <a:rPr sz="900"/>
+              <a:t>■ Investments in subsidiaries</a:t>
             </a:r>
           </a:p>
         </p:txBody>
@@ -4170,131 +4340,177 @@
             <a:endParaRPr/>
           </a:p>
           <a:p>
-            <a:pPr>
-              <a:defRPr b="1" sz="1400"/>
-            </a:pPr>
-            <a:r>
-              <a:t>Current Assets (continued)</a:t>
-            </a:r>
-          </a:p>
-          <a:p>
-            <a:pPr>
-              <a:defRPr i="1" sz="1200"/>
-            </a:pPr>
-            <a:r>
-              <a:t>Accounts Receivable (continued)</a:t>
-            </a:r>
-          </a:p>
-          <a:p>
-            <a:pPr lvl="1">
-              <a:defRPr sz="1100"/>
-            </a:pPr>
-            <a:r>
-              <a:t>memo adjustments Factored</a:t>
-            </a:r>
-          </a:p>
-          <a:p>
-            <a:pPr lvl="1">
-              <a:defRPr sz="1100"/>
-            </a:pPr>
-            <a:r>
-              <a:t>receivables disclosure Unbilled</a:t>
-            </a:r>
-          </a:p>
-          <a:p>
-            <a:pPr lvl="1">
-              <a:defRPr sz="1100"/>
-            </a:pPr>
-            <a:r>
-              <a:t>receivables from progress</a:t>
-            </a:r>
-          </a:p>
-          <a:p>
-            <a:pPr lvl="1">
-              <a:defRPr sz="1100"/>
-            </a:pPr>
-            <a:r>
-              <a:t>contracts</a:t>
-            </a:r>
-          </a:p>
-          <a:p>
-            <a:pPr>
-              <a:defRPr b="1" sz="1400"/>
-            </a:pPr>
-            <a:r>
-              <a:t>Current Assets</a:t>
-            </a:r>
-          </a:p>
-          <a:p>
-            <a:pPr>
-              <a:defRPr i="1" sz="1200"/>
-            </a:pPr>
-            <a:r>
-              <a:t>Accounts Receivable</a:t>
-            </a:r>
-          </a:p>
-          <a:p>
-            <a:pPr lvl="1">
-              <a:defRPr sz="1100"/>
-            </a:pPr>
-            <a:r>
-              <a:t>Trade receivables from normal</a:t>
-            </a:r>
-          </a:p>
-          <a:p>
-            <a:pPr lvl="1">
-              <a:defRPr sz="1100"/>
-            </a:pPr>
-            <a:r>
-              <a:t>operations Installment</a:t>
-            </a:r>
-          </a:p>
-          <a:p>
-            <a:pPr lvl="1">
-              <a:defRPr sz="1100"/>
-            </a:pPr>
-            <a:r>
-              <a:t>receivables from long-term</a:t>
-            </a:r>
-          </a:p>
-          <a:p>
-            <a:pPr lvl="1">
-              <a:defRPr sz="1100"/>
-            </a:pPr>
-            <a:r>
-              <a:t>contracts Receivables from</a:t>
-            </a:r>
-          </a:p>
-          <a:p>
-            <a:pPr lvl="1">
-              <a:defRPr sz="1100"/>
-            </a:pPr>
-            <a:r>
-              <a:t>affiliated companies Allowance</a:t>
-            </a:r>
-          </a:p>
-          <a:p>
-            <a:pPr lvl="1">
-              <a:defRPr sz="1100"/>
-            </a:pPr>
-            <a:r>
-              <a:t>for doubtful accounts</a:t>
-            </a:r>
-          </a:p>
-          <a:p>
-            <a:pPr lvl="1">
-              <a:defRPr sz="1100"/>
-            </a:pPr>
-            <a:r>
-              <a:t>calculation Aging schedule</a:t>
-            </a:r>
-          </a:p>
-          <a:p>
-            <a:pPr lvl="1">
-              <a:defRPr sz="1100"/>
-            </a:pPr>
-            <a:r>
-              <a:t>analysis (30/60/90 days) Credit</a:t>
+            <a:r>
+              <a:rPr b="1" sz="900">
+                <a:solidFill>
+                  <a:srgbClr val="003296"/>
+                </a:solidFill>
+              </a:rPr>
+              <a:t>Non-Current Assets</a:t>
+            </a:r>
+          </a:p>
+          <a:p>
+            <a:r>
+              <a:rPr i="1" sz="900"/>
+              <a:t>Intangible Assets</a:t>
+            </a:r>
+          </a:p>
+          <a:p>
+            <a:r>
+              <a:rPr sz="900"/>
+              <a:t>■ Patent acquisition and amortization</a:t>
+            </a:r>
+          </a:p>
+          <a:p>
+            <a:r>
+              <a:rPr sz="900"/>
+              <a:t>■ Trademark registration/maintenance costs</a:t>
+            </a:r>
+          </a:p>
+          <a:p>
+            <a:r>
+              <a:rPr sz="900"/>
+              <a:t>■ Customer list valuations</a:t>
+            </a:r>
+          </a:p>
+          <a:p>
+            <a:r>
+              <a:rPr sz="900"/>
+              <a:t>■ Non-compete agreement valuations</a:t>
+            </a:r>
+          </a:p>
+          <a:p>
+            <a:r>
+              <a:rPr sz="900"/>
+              <a:t>■ Software development costs</a:t>
+            </a:r>
+          </a:p>
+          <a:p>
+            <a:r>
+              <a:rPr sz="900"/>
+              <a:t>■ Licensing agreements fair value</a:t>
+            </a:r>
+          </a:p>
+          <a:p>
+            <a:r>
+              <a:rPr sz="900"/>
+              <a:t>■ Goodwill impairment testing methodology</a:t>
+            </a:r>
+          </a:p>
+          <a:p>
+            <a:r>
+              <a:rPr b="1" sz="900">
+                <a:solidFill>
+                  <a:srgbClr val="003296"/>
+                </a:solidFill>
+              </a:rPr>
+              <a:t>Non-Current Assets</a:t>
+            </a:r>
+          </a:p>
+          <a:p>
+            <a:r>
+              <a:rPr i="1" sz="900"/>
+              <a:t>Long-Term Investments</a:t>
+            </a:r>
+          </a:p>
+          <a:p>
+            <a:r>
+              <a:rPr sz="900"/>
+              <a:t>■ Held-to-maturity securities portfolio</a:t>
+            </a:r>
+          </a:p>
+          <a:p>
+            <a:r>
+              <a:rPr sz="900"/>
+              <a:t>■ Equity method investment accounting</a:t>
+            </a:r>
+          </a:p>
+          <a:p>
+            <a:r>
+              <a:rPr sz="900"/>
+              <a:t>■ Real estate held for appreciation</a:t>
+            </a:r>
+          </a:p>
+          <a:p>
+            <a:r>
+              <a:rPr sz="900"/>
+              <a:t>■ Venture capital fund investments</a:t>
+            </a:r>
+          </a:p>
+          <a:p>
+            <a:r>
+              <a:rPr sz="900"/>
+              <a:t>■ Convertible debt instruments</a:t>
+            </a:r>
+          </a:p>
+          <a:p>
+            <a:r>
+              <a:rPr sz="900"/>
+              <a:t>■ Restricted stock holdings</a:t>
+            </a:r>
+          </a:p>
+          <a:p>
+            <a:r>
+              <a:rPr sz="900"/>
+              <a:t>■ Investments in subsidiaries</a:t>
+            </a:r>
+          </a:p>
+          <a:p>
+            <a:r>
+              <a:rPr b="1" sz="900">
+                <a:solidFill>
+                  <a:srgbClr val="003296"/>
+                </a:solidFill>
+              </a:rPr>
+              <a:t>Current Liabilities</a:t>
+            </a:r>
+          </a:p>
+          <a:p>
+            <a:r>
+              <a:rPr i="1" sz="900"/>
+              <a:t>Accounts Payable</a:t>
+            </a:r>
+          </a:p>
+          <a:p>
+            <a:r>
+              <a:rPr sz="900"/>
+              <a:t>■ Trade payables to suppliers</a:t>
+            </a:r>
+          </a:p>
+          <a:p>
+            <a:r>
+              <a:rPr sz="900"/>
+              <a:t>■ Accrued purchases for goods received</a:t>
+            </a:r>
+          </a:p>
+          <a:p>
+            <a:r>
+              <a:rPr sz="900"/>
+              <a:t>■ Third-party processor withholdings</a:t>
+            </a:r>
+          </a:p>
+          <a:p>
+            <a:r>
+              <a:rPr sz="900"/>
+              <a:t>■ Construction retainage payable</a:t>
+            </a:r>
+          </a:p>
+          <a:p>
+            <a:r>
+              <a:rPr sz="900"/>
+              <a:t>■ Dividends declared but unpaid</a:t>
+            </a:r>
+          </a:p>
+          <a:p>
+            <a:r>
+              <a:rPr sz="900"/>
+              <a:t>■ Customer deposits/advance payments</a:t>
+            </a:r>
+          </a:p>
+          <a:p>
+            <a:r>
+              <a:rPr sz="900"/>
+              <a:t>■ Escheat liability estimates</a:t>
             </a:r>
           </a:p>
         </p:txBody>
@@ -4332,131 +4548,177 @@
             <a:endParaRPr/>
           </a:p>
           <a:p>
-            <a:pPr>
-              <a:defRPr b="1" sz="1400"/>
-            </a:pPr>
-            <a:r>
-              <a:t>Current Assets (continued)</a:t>
-            </a:r>
-          </a:p>
-          <a:p>
-            <a:pPr>
-              <a:defRPr i="1" sz="1200"/>
-            </a:pPr>
-            <a:r>
-              <a:t>Accounts Receivable (continued)</a:t>
-            </a:r>
-          </a:p>
-          <a:p>
-            <a:pPr lvl="1">
-              <a:defRPr sz="1100"/>
-            </a:pPr>
-            <a:r>
-              <a:t>memo adjustments Factored</a:t>
-            </a:r>
-          </a:p>
-          <a:p>
-            <a:pPr lvl="1">
-              <a:defRPr sz="1100"/>
-            </a:pPr>
-            <a:r>
-              <a:t>receivables disclosure Unbilled</a:t>
-            </a:r>
-          </a:p>
-          <a:p>
-            <a:pPr lvl="1">
-              <a:defRPr sz="1100"/>
-            </a:pPr>
-            <a:r>
-              <a:t>receivables from progress</a:t>
-            </a:r>
-          </a:p>
-          <a:p>
-            <a:pPr lvl="1">
-              <a:defRPr sz="1100"/>
-            </a:pPr>
-            <a:r>
-              <a:t>contracts</a:t>
-            </a:r>
-          </a:p>
-          <a:p>
-            <a:pPr>
-              <a:defRPr b="1" sz="1400"/>
-            </a:pPr>
-            <a:r>
-              <a:t>Current Assets</a:t>
-            </a:r>
-          </a:p>
-          <a:p>
-            <a:pPr>
-              <a:defRPr i="1" sz="1200"/>
-            </a:pPr>
-            <a:r>
-              <a:t>Accounts Receivable</a:t>
-            </a:r>
-          </a:p>
-          <a:p>
-            <a:pPr lvl="1">
-              <a:defRPr sz="1100"/>
-            </a:pPr>
-            <a:r>
-              <a:t>Trade receivables from normal</a:t>
-            </a:r>
-          </a:p>
-          <a:p>
-            <a:pPr lvl="1">
-              <a:defRPr sz="1100"/>
-            </a:pPr>
-            <a:r>
-              <a:t>operations Installment</a:t>
-            </a:r>
-          </a:p>
-          <a:p>
-            <a:pPr lvl="1">
-              <a:defRPr sz="1100"/>
-            </a:pPr>
-            <a:r>
-              <a:t>receivables from long-term</a:t>
-            </a:r>
-          </a:p>
-          <a:p>
-            <a:pPr lvl="1">
-              <a:defRPr sz="1100"/>
-            </a:pPr>
-            <a:r>
-              <a:t>contracts Receivables from</a:t>
-            </a:r>
-          </a:p>
-          <a:p>
-            <a:pPr lvl="1">
-              <a:defRPr sz="1100"/>
-            </a:pPr>
-            <a:r>
-              <a:t>affiliated companies Allowance</a:t>
-            </a:r>
-          </a:p>
-          <a:p>
-            <a:pPr lvl="1">
-              <a:defRPr sz="1100"/>
-            </a:pPr>
-            <a:r>
-              <a:t>for doubtful accounts</a:t>
-            </a:r>
-          </a:p>
-          <a:p>
-            <a:pPr lvl="1">
-              <a:defRPr sz="1100"/>
-            </a:pPr>
-            <a:r>
-              <a:t>calculation Aging schedule</a:t>
-            </a:r>
-          </a:p>
-          <a:p>
-            <a:pPr lvl="1">
-              <a:defRPr sz="1100"/>
-            </a:pPr>
-            <a:r>
-              <a:t>analysis (30/60/90 days) Credit</a:t>
+            <a:r>
+              <a:rPr b="1" sz="900">
+                <a:solidFill>
+                  <a:srgbClr val="003296"/>
+                </a:solidFill>
+              </a:rPr>
+              <a:t>Non-Current Assets (continued)</a:t>
+            </a:r>
+          </a:p>
+          <a:p>
+            <a:r>
+              <a:rPr i="1" sz="900"/>
+              <a:t>Intangible Assets (continued)</a:t>
+            </a:r>
+          </a:p>
+          <a:p>
+            <a:r>
+              <a:rPr sz="900"/>
+              <a:t>■ Patent acquisition and amortization</a:t>
+            </a:r>
+          </a:p>
+          <a:p>
+            <a:r>
+              <a:rPr sz="900"/>
+              <a:t>■ Trademark registration/maintenance costs</a:t>
+            </a:r>
+          </a:p>
+          <a:p>
+            <a:r>
+              <a:rPr sz="900"/>
+              <a:t>■ Customer list valuations</a:t>
+            </a:r>
+          </a:p>
+          <a:p>
+            <a:r>
+              <a:rPr sz="900"/>
+              <a:t>■ Non-compete agreement valuations</a:t>
+            </a:r>
+          </a:p>
+          <a:p>
+            <a:r>
+              <a:rPr sz="900"/>
+              <a:t>■ Software development costs</a:t>
+            </a:r>
+          </a:p>
+          <a:p>
+            <a:r>
+              <a:rPr sz="900"/>
+              <a:t>■ Licensing agreements fair value</a:t>
+            </a:r>
+          </a:p>
+          <a:p>
+            <a:r>
+              <a:rPr sz="900"/>
+              <a:t>■ Goodwill impairment testing methodology</a:t>
+            </a:r>
+          </a:p>
+          <a:p>
+            <a:r>
+              <a:rPr b="1" sz="900">
+                <a:solidFill>
+                  <a:srgbClr val="003296"/>
+                </a:solidFill>
+              </a:rPr>
+              <a:t>Non-Current Assets</a:t>
+            </a:r>
+          </a:p>
+          <a:p>
+            <a:r>
+              <a:rPr i="1" sz="900"/>
+              <a:t>Long-Term Investments</a:t>
+            </a:r>
+          </a:p>
+          <a:p>
+            <a:r>
+              <a:rPr sz="900"/>
+              <a:t>■ Held-to-maturity securities portfolio</a:t>
+            </a:r>
+          </a:p>
+          <a:p>
+            <a:r>
+              <a:rPr sz="900"/>
+              <a:t>■ Equity method investment accounting</a:t>
+            </a:r>
+          </a:p>
+          <a:p>
+            <a:r>
+              <a:rPr sz="900"/>
+              <a:t>■ Real estate held for appreciation</a:t>
+            </a:r>
+          </a:p>
+          <a:p>
+            <a:r>
+              <a:rPr sz="900"/>
+              <a:t>■ Venture capital fund investments</a:t>
+            </a:r>
+          </a:p>
+          <a:p>
+            <a:r>
+              <a:rPr sz="900"/>
+              <a:t>■ Convertible debt instruments</a:t>
+            </a:r>
+          </a:p>
+          <a:p>
+            <a:r>
+              <a:rPr sz="900"/>
+              <a:t>■ Restricted stock holdings</a:t>
+            </a:r>
+          </a:p>
+          <a:p>
+            <a:r>
+              <a:rPr sz="900"/>
+              <a:t>■ Investments in subsidiaries</a:t>
+            </a:r>
+          </a:p>
+          <a:p>
+            <a:r>
+              <a:rPr b="1" sz="900">
+                <a:solidFill>
+                  <a:srgbClr val="003296"/>
+                </a:solidFill>
+              </a:rPr>
+              <a:t>Current Liabilities</a:t>
+            </a:r>
+          </a:p>
+          <a:p>
+            <a:r>
+              <a:rPr i="1" sz="900"/>
+              <a:t>Accounts Payable</a:t>
+            </a:r>
+          </a:p>
+          <a:p>
+            <a:r>
+              <a:rPr sz="900"/>
+              <a:t>■ Trade payables to suppliers</a:t>
+            </a:r>
+          </a:p>
+          <a:p>
+            <a:r>
+              <a:rPr sz="900"/>
+              <a:t>■ Accrued purchases for goods received</a:t>
+            </a:r>
+          </a:p>
+          <a:p>
+            <a:r>
+              <a:rPr sz="900"/>
+              <a:t>■ Third-party processor withholdings</a:t>
+            </a:r>
+          </a:p>
+          <a:p>
+            <a:r>
+              <a:rPr sz="900"/>
+              <a:t>■ Construction retainage payable</a:t>
+            </a:r>
+          </a:p>
+          <a:p>
+            <a:r>
+              <a:rPr sz="900"/>
+              <a:t>■ Dividends declared but unpaid</a:t>
+            </a:r>
+          </a:p>
+          <a:p>
+            <a:r>
+              <a:rPr sz="900"/>
+              <a:t>■ Customer deposits/advance payments</a:t>
+            </a:r>
+          </a:p>
+          <a:p>
+            <a:r>
+              <a:rPr sz="900"/>
+              <a:t>■ Escheat liability estimates</a:t>
             </a:r>
           </a:p>
         </p:txBody>

--- a/financial_report.pptx
+++ b/financial_report.pptx
@@ -3272,7 +3272,7 @@
           <a:noFill/>
         </p:spPr>
         <p:txBody>
-          <a:bodyPr wrap="square">
+          <a:bodyPr wrap="none">
             <a:spAutoFit/>
           </a:bodyPr>
           <a:lstStyle/>
@@ -3281,7 +3281,7 @@
           </a:p>
           <a:p>
             <a:r>
-              <a:rPr b="1" sz="900">
+              <a:rPr sz="900" b="1">
                 <a:solidFill>
                   <a:srgbClr val="003296"/>
                 </a:solidFill>
@@ -3291,172 +3291,556 @@
           </a:p>
           <a:p>
             <a:r>
-              <a:rPr i="1" sz="900"/>
+              <a:rPr sz="900" i="1"/>
               <a:t>Cash and Cash Equivalents</a:t>
             </a:r>
           </a:p>
           <a:p>
-            <a:r>
-              <a:rPr sz="900"/>
-              <a:t>■ Currency in checking/savings accounts</a:t>
-            </a:r>
-          </a:p>
-          <a:p>
-            <a:r>
-              <a:rPr sz="900"/>
-              <a:t>■ Short-term Treasury bills (maturing &lt;3 months)</a:t>
-            </a:r>
-          </a:p>
-          <a:p>
-            <a:r>
-              <a:rPr sz="900"/>
-              <a:t>■ Commercial paper from AAA-rated corporations</a:t>
-            </a:r>
-          </a:p>
-          <a:p>
-            <a:r>
-              <a:rPr sz="900"/>
-              <a:t>■ Money market funds with daily liquidity</a:t>
-            </a:r>
-          </a:p>
-          <a:p>
-            <a:r>
-              <a:rPr sz="900"/>
-              <a:t>■ Petty cash reserves for office expenses</a:t>
-            </a:r>
-          </a:p>
-          <a:p>
-            <a:r>
-              <a:rPr sz="900"/>
-              <a:t>■ Foreign currency holdings in major currencies</a:t>
-            </a:r>
-          </a:p>
-          <a:p>
-            <a:r>
-              <a:rPr sz="900"/>
-              <a:t>■ Undeposited checks from customers</a:t>
-            </a:r>
-          </a:p>
-          <a:p>
-            <a:r>
-              <a:rPr sz="900"/>
-              <a:t>■ Cash in transit between bank accounts</a:t>
-            </a:r>
-          </a:p>
-          <a:p>
-            <a:r>
-              <a:rPr b="1" sz="900">
+            <a:pPr algn="l">
+              <a:lnSpc>
+                <a:spcPct val="100000"/>
+              </a:lnSpc>
+              <a:spcBef>
+                <a:spcPts val="606"/>
+              </a:spcBef>
+            </a:pPr>
+            <a:r>
+              <a:rPr sz="900">
+                <a:solidFill>
+                  <a:srgbClr val="A9A9A9"/>
+                </a:solidFill>
+              </a:rPr>
+              <a:t>■ </a:t>
+            </a:r>
+            <a:r>
+              <a:rPr sz="900">
+                <a:solidFill>
+                  <a:srgbClr val="000000"/>
+                </a:solidFill>
+              </a:rPr>
+              <a:t>Currency in checking/savings accounts Short-term Treasury bills (maturing &lt;3 months)</a:t>
+            </a:r>
+          </a:p>
+          <a:p>
+            <a:pPr algn="l">
+              <a:lnSpc>
+                <a:spcPct val="100000"/>
+              </a:lnSpc>
+              <a:spcBef>
+                <a:spcPts val="606"/>
+              </a:spcBef>
+            </a:pPr>
+            <a:r>
+              <a:rPr sz="900">
+                <a:solidFill>
+                  <a:srgbClr val="A9A9A9"/>
+                </a:solidFill>
+              </a:rPr>
+              <a:t>■ </a:t>
+            </a:r>
+            <a:r>
+              <a:rPr sz="900">
+                <a:solidFill>
+                  <a:srgbClr val="000000"/>
+                </a:solidFill>
+              </a:rPr>
+              <a:t>Commercial paper from AAA-rated corporations Money market funds with daily liquidity</a:t>
+            </a:r>
+          </a:p>
+          <a:p>
+            <a:pPr algn="l">
+              <a:lnSpc>
+                <a:spcPct val="100000"/>
+              </a:lnSpc>
+              <a:spcBef>
+                <a:spcPts val="606"/>
+              </a:spcBef>
+            </a:pPr>
+            <a:r>
+              <a:rPr sz="900">
+                <a:solidFill>
+                  <a:srgbClr val="A9A9A9"/>
+                </a:solidFill>
+              </a:rPr>
+              <a:t>■ </a:t>
+            </a:r>
+            <a:r>
+              <a:rPr sz="900">
+                <a:solidFill>
+                  <a:srgbClr val="000000"/>
+                </a:solidFill>
+              </a:rPr>
+              <a:t>Petty cash reserves for office expenses</a:t>
+            </a:r>
+          </a:p>
+          <a:p>
+            <a:pPr algn="l">
+              <a:lnSpc>
+                <a:spcPct val="100000"/>
+              </a:lnSpc>
+              <a:spcBef>
+                <a:spcPts val="606"/>
+              </a:spcBef>
+            </a:pPr>
+            <a:r>
+              <a:rPr sz="900">
+                <a:solidFill>
+                  <a:srgbClr val="A9A9A9"/>
+                </a:solidFill>
+              </a:rPr>
+              <a:t>■ </a:t>
+            </a:r>
+            <a:r>
+              <a:rPr sz="900">
+                <a:solidFill>
+                  <a:srgbClr val="000000"/>
+                </a:solidFill>
+              </a:rPr>
+              <a:t>Foreign currency holdings in major currencies Undeposited checks from customers</a:t>
+            </a:r>
+          </a:p>
+          <a:p>
+            <a:pPr algn="l">
+              <a:lnSpc>
+                <a:spcPct val="100000"/>
+              </a:lnSpc>
+              <a:spcBef>
+                <a:spcPts val="606"/>
+              </a:spcBef>
+            </a:pPr>
+            <a:r>
+              <a:rPr sz="900">
+                <a:solidFill>
+                  <a:srgbClr val="A9A9A9"/>
+                </a:solidFill>
+              </a:rPr>
+              <a:t>■ </a:t>
+            </a:r>
+            <a:r>
+              <a:rPr sz="900">
+                <a:solidFill>
+                  <a:srgbClr val="000000"/>
+                </a:solidFill>
+              </a:rPr>
+              <a:t>Cash in transit between bank accounts</a:t>
+            </a:r>
+          </a:p>
+          <a:p>
+            <a:r>
+              <a:rPr sz="900" i="1"/>
+              <a:t>Marketable Securities</a:t>
+            </a:r>
+          </a:p>
+          <a:p>
+            <a:pPr algn="l">
+              <a:lnSpc>
+                <a:spcPct val="100000"/>
+              </a:lnSpc>
+              <a:spcBef>
+                <a:spcPts val="606"/>
+              </a:spcBef>
+            </a:pPr>
+            <a:r>
+              <a:rPr sz="900">
+                <a:solidFill>
+                  <a:srgbClr val="A9A9A9"/>
+                </a:solidFill>
+              </a:rPr>
+              <a:t>■ </a:t>
+            </a:r>
+            <a:r>
+              <a:rPr sz="900">
+                <a:solidFill>
+                  <a:srgbClr val="000000"/>
+                </a:solidFill>
+              </a:rPr>
+              <a:t>Corporate bonds with &lt;1yr maturity</a:t>
+            </a:r>
+          </a:p>
+          <a:p>
+            <a:pPr algn="l">
+              <a:lnSpc>
+                <a:spcPct val="100000"/>
+              </a:lnSpc>
+              <a:spcBef>
+                <a:spcPts val="606"/>
+              </a:spcBef>
+            </a:pPr>
+            <a:r>
+              <a:rPr sz="900">
+                <a:solidFill>
+                  <a:srgbClr val="A9A9A9"/>
+                </a:solidFill>
+              </a:rPr>
+              <a:t>■ </a:t>
+            </a:r>
+            <a:r>
+              <a:rPr sz="900">
+                <a:solidFill>
+                  <a:srgbClr val="000000"/>
+                </a:solidFill>
+              </a:rPr>
+              <a:t>Government agency securities Certificates of deposit (CDs)</a:t>
+            </a:r>
+          </a:p>
+          <a:p>
+            <a:pPr algn="l">
+              <a:lnSpc>
+                <a:spcPct val="100000"/>
+              </a:lnSpc>
+              <a:spcBef>
+                <a:spcPts val="606"/>
+              </a:spcBef>
+            </a:pPr>
+            <a:r>
+              <a:rPr sz="900">
+                <a:solidFill>
+                  <a:srgbClr val="A9A9A9"/>
+                </a:solidFill>
+              </a:rPr>
+              <a:t>■ </a:t>
+            </a:r>
+            <a:r>
+              <a:rPr sz="900">
+                <a:solidFill>
+                  <a:srgbClr val="000000"/>
+                </a:solidFill>
+              </a:rPr>
+              <a:t>Bankers' acceptances Commercial paper holdings</a:t>
+            </a:r>
+          </a:p>
+          <a:p>
+            <a:pPr algn="l">
+              <a:lnSpc>
+                <a:spcPct val="100000"/>
+              </a:lnSpc>
+              <a:spcBef>
+                <a:spcPts val="606"/>
+              </a:spcBef>
+            </a:pPr>
+            <a:r>
+              <a:rPr sz="900">
+                <a:solidFill>
+                  <a:srgbClr val="A9A9A9"/>
+                </a:solidFill>
+              </a:rPr>
+              <a:t>■ </a:t>
+            </a:r>
+            <a:r>
+              <a:rPr sz="900">
+                <a:solidFill>
+                  <a:srgbClr val="000000"/>
+                </a:solidFill>
+              </a:rPr>
+              <a:t>Treasury notes maturing within 12 months</a:t>
+            </a:r>
+          </a:p>
+          <a:p>
+            <a:pPr algn="l">
+              <a:lnSpc>
+                <a:spcPct val="100000"/>
+              </a:lnSpc>
+              <a:spcBef>
+                <a:spcPts val="606"/>
+              </a:spcBef>
+            </a:pPr>
+            <a:r>
+              <a:rPr sz="900">
+                <a:solidFill>
+                  <a:srgbClr val="A9A9A9"/>
+                </a:solidFill>
+              </a:rPr>
+              <a:t>■ </a:t>
+            </a:r>
+            <a:r>
+              <a:rPr sz="900">
+                <a:solidFill>
+                  <a:srgbClr val="000000"/>
+                </a:solidFill>
+              </a:rPr>
+              <a:t>Highly liquid ETF positions</a:t>
+            </a:r>
+          </a:p>
+          <a:p>
+            <a:r>
+              <a:rPr sz="900" i="1"/>
+              <a:t>Accounts Receivable</a:t>
+            </a:r>
+          </a:p>
+          <a:p>
+            <a:pPr algn="l">
+              <a:lnSpc>
+                <a:spcPct val="100000"/>
+              </a:lnSpc>
+              <a:spcBef>
+                <a:spcPts val="606"/>
+              </a:spcBef>
+            </a:pPr>
+            <a:r>
+              <a:rPr sz="900">
+                <a:solidFill>
+                  <a:srgbClr val="A9A9A9"/>
+                </a:solidFill>
+              </a:rPr>
+              <a:t>■ </a:t>
+            </a:r>
+            <a:r>
+              <a:rPr sz="900">
+                <a:solidFill>
+                  <a:srgbClr val="000000"/>
+                </a:solidFill>
+              </a:rPr>
+              <a:t>Trade receivables from normal operations</a:t>
+            </a:r>
+          </a:p>
+          <a:p>
+            <a:pPr algn="l">
+              <a:lnSpc>
+                <a:spcPct val="100000"/>
+              </a:lnSpc>
+              <a:spcBef>
+                <a:spcPts val="606"/>
+              </a:spcBef>
+            </a:pPr>
+            <a:r>
+              <a:rPr sz="900">
+                <a:solidFill>
+                  <a:srgbClr val="A9A9A9"/>
+                </a:solidFill>
+              </a:rPr>
+              <a:t>■ </a:t>
+            </a:r>
+            <a:r>
+              <a:rPr sz="900">
+                <a:solidFill>
+                  <a:srgbClr val="000000"/>
+                </a:solidFill>
+              </a:rPr>
+              <a:t>Installment receivables from long-term contracts</a:t>
+            </a:r>
+          </a:p>
+          <a:p>
+            <a:pPr algn="l">
+              <a:lnSpc>
+                <a:spcPct val="100000"/>
+              </a:lnSpc>
+              <a:spcBef>
+                <a:spcPts val="606"/>
+              </a:spcBef>
+            </a:pPr>
+            <a:r>
+              <a:rPr sz="900">
+                <a:solidFill>
+                  <a:srgbClr val="A9A9A9"/>
+                </a:solidFill>
+              </a:rPr>
+              <a:t>■ </a:t>
+            </a:r>
+            <a:r>
+              <a:rPr sz="900">
+                <a:solidFill>
+                  <a:srgbClr val="000000"/>
+                </a:solidFill>
+              </a:rPr>
+              <a:t>Receivables from affiliated companies</a:t>
+            </a:r>
+          </a:p>
+          <a:p>
+            <a:pPr algn="l">
+              <a:lnSpc>
+                <a:spcPct val="100000"/>
+              </a:lnSpc>
+              <a:spcBef>
+                <a:spcPts val="606"/>
+              </a:spcBef>
+            </a:pPr>
+            <a:r>
+              <a:rPr sz="900">
+                <a:solidFill>
+                  <a:srgbClr val="A9A9A9"/>
+                </a:solidFill>
+              </a:rPr>
+              <a:t>■ </a:t>
+            </a:r>
+            <a:r>
+              <a:rPr sz="900">
+                <a:solidFill>
+                  <a:srgbClr val="000000"/>
+                </a:solidFill>
+              </a:rPr>
+              <a:t>Allowance for doubtful accounts calculation</a:t>
+            </a:r>
+          </a:p>
+          <a:p>
+            <a:pPr algn="l">
+              <a:lnSpc>
+                <a:spcPct val="100000"/>
+              </a:lnSpc>
+              <a:spcBef>
+                <a:spcPts val="606"/>
+              </a:spcBef>
+            </a:pPr>
+            <a:r>
+              <a:rPr sz="900">
+                <a:solidFill>
+                  <a:srgbClr val="A9A9A9"/>
+                </a:solidFill>
+              </a:rPr>
+              <a:t>■ </a:t>
+            </a:r>
+            <a:r>
+              <a:rPr sz="900">
+                <a:solidFill>
+                  <a:srgbClr val="000000"/>
+                </a:solidFill>
+              </a:rPr>
+              <a:t>Aging schedule analysis (30/60/90 days)</a:t>
+            </a:r>
+          </a:p>
+          <a:p>
+            <a:pPr algn="l">
+              <a:lnSpc>
+                <a:spcPct val="100000"/>
+              </a:lnSpc>
+              <a:spcBef>
+                <a:spcPts val="606"/>
+              </a:spcBef>
+            </a:pPr>
+            <a:r>
+              <a:rPr sz="900">
+                <a:solidFill>
+                  <a:srgbClr val="A9A9A9"/>
+                </a:solidFill>
+              </a:rPr>
+              <a:t>■ </a:t>
+            </a:r>
+            <a:r>
+              <a:rPr sz="900">
+                <a:solidFill>
+                  <a:srgbClr val="000000"/>
+                </a:solidFill>
+              </a:rPr>
+              <a:t>Credit memo adjustments</a:t>
+            </a:r>
+          </a:p>
+          <a:p>
+            <a:pPr algn="l">
+              <a:lnSpc>
+                <a:spcPct val="100000"/>
+              </a:lnSpc>
+              <a:spcBef>
+                <a:spcPts val="606"/>
+              </a:spcBef>
+            </a:pPr>
+            <a:r>
+              <a:rPr sz="900">
+                <a:solidFill>
+                  <a:srgbClr val="A9A9A9"/>
+                </a:solidFill>
+              </a:rPr>
+              <a:t>■ </a:t>
+            </a:r>
+            <a:r>
+              <a:rPr sz="900">
+                <a:solidFill>
+                  <a:srgbClr val="000000"/>
+                </a:solidFill>
+              </a:rPr>
+              <a:t>Factored receivables disclosure</a:t>
+            </a:r>
+          </a:p>
+          <a:p>
+            <a:pPr algn="l">
+              <a:lnSpc>
+                <a:spcPct val="100000"/>
+              </a:lnSpc>
+              <a:spcBef>
+                <a:spcPts val="606"/>
+              </a:spcBef>
+            </a:pPr>
+            <a:r>
+              <a:rPr sz="900">
+                <a:solidFill>
+                  <a:srgbClr val="A9A9A9"/>
+                </a:solidFill>
+              </a:rPr>
+              <a:t>■ </a:t>
+            </a:r>
+            <a:r>
+              <a:rPr sz="900">
+                <a:solidFill>
+                  <a:srgbClr val="000000"/>
+                </a:solidFill>
+              </a:rPr>
+              <a:t>Unbilled receivables from progress contracts</a:t>
+            </a:r>
+          </a:p>
+          <a:p>
+            <a:r>
+              <a:rPr sz="900" b="1">
                 <a:solidFill>
                   <a:srgbClr val="003296"/>
                 </a:solidFill>
               </a:rPr>
-              <a:t>Current Assets</a:t>
-            </a:r>
-          </a:p>
-          <a:p>
-            <a:r>
-              <a:rPr i="1" sz="900"/>
-              <a:t>Marketable Securities</a:t>
-            </a:r>
-          </a:p>
-          <a:p>
-            <a:r>
-              <a:rPr sz="900"/>
-              <a:t>■ Corporate bonds with &lt;1yr maturity</a:t>
-            </a:r>
-          </a:p>
-          <a:p>
-            <a:r>
-              <a:rPr sz="900"/>
-              <a:t>■ Government agency securities</a:t>
-            </a:r>
-          </a:p>
-          <a:p>
-            <a:r>
-              <a:rPr sz="900"/>
-              <a:t>■ Certificates of deposit (CDs)</a:t>
-            </a:r>
-          </a:p>
-          <a:p>
-            <a:r>
-              <a:rPr sz="900"/>
-              <a:t>■ Bankers' acceptances</a:t>
-            </a:r>
-          </a:p>
-          <a:p>
-            <a:r>
-              <a:rPr sz="900"/>
-              <a:t>■ Commercial paper holdings</a:t>
-            </a:r>
-          </a:p>
-          <a:p>
-            <a:r>
-              <a:rPr sz="900"/>
-              <a:t>■ Treasury notes maturing within 12 months</a:t>
-            </a:r>
-          </a:p>
-          <a:p>
-            <a:r>
-              <a:rPr sz="900"/>
-              <a:t>■ Highly liquid ETF positions</a:t>
-            </a:r>
-          </a:p>
-          <a:p>
-            <a:r>
-              <a:rPr b="1" sz="900">
-                <a:solidFill>
-                  <a:srgbClr val="003296"/>
-                </a:solidFill>
-              </a:rPr>
-              <a:t>Current Assets</a:t>
-            </a:r>
-          </a:p>
-          <a:p>
-            <a:r>
-              <a:rPr i="1" sz="900"/>
-              <a:t>Accounts Receivable</a:t>
-            </a:r>
-          </a:p>
-          <a:p>
-            <a:r>
-              <a:rPr sz="900"/>
-              <a:t>■ Trade receivables from normal operations</a:t>
-            </a:r>
-          </a:p>
-          <a:p>
-            <a:r>
-              <a:rPr sz="900"/>
-              <a:t>■ Installment receivables from long-term contracts</a:t>
-            </a:r>
-          </a:p>
-          <a:p>
-            <a:r>
-              <a:rPr sz="900"/>
-              <a:t>■ Receivables from affiliated companies</a:t>
-            </a:r>
-          </a:p>
-          <a:p>
-            <a:r>
-              <a:rPr sz="900"/>
-              <a:t>■ Allowance for doubtful accounts calculation</a:t>
-            </a:r>
-          </a:p>
-          <a:p>
-            <a:r>
-              <a:rPr sz="900"/>
-              <a:t>■ Aging schedule analysis (30/60/90 days)</a:t>
-            </a:r>
-          </a:p>
-          <a:p>
-            <a:r>
-              <a:rPr sz="900"/>
-              <a:t>■ Credit memo adjustments</a:t>
-            </a:r>
-          </a:p>
-          <a:p>
-            <a:r>
-              <a:rPr sz="900"/>
-              <a:t>■ Factored receivables disclosure</a:t>
+              <a:t>Non-Current Assets</a:t>
+            </a:r>
+          </a:p>
+          <a:p>
+            <a:r>
+              <a:rPr sz="900" i="1"/>
+              <a:t>Property, Plant &amp; Equipment</a:t>
+            </a:r>
+          </a:p>
+          <a:p>
+            <a:pPr algn="l">
+              <a:lnSpc>
+                <a:spcPct val="100000"/>
+              </a:lnSpc>
+              <a:spcBef>
+                <a:spcPts val="606"/>
+              </a:spcBef>
+            </a:pPr>
+            <a:r>
+              <a:rPr sz="900">
+                <a:solidFill>
+                  <a:srgbClr val="A9A9A9"/>
+                </a:solidFill>
+              </a:rPr>
+              <a:t>■ </a:t>
+            </a:r>
+            <a:r>
+              <a:rPr sz="900">
+                <a:solidFill>
+                  <a:srgbClr val="000000"/>
+                </a:solidFill>
+              </a:rPr>
+              <a:t>Land acquisition costs (original purchase) Building improvements capitalization</a:t>
+            </a:r>
+          </a:p>
+          <a:p>
+            <a:pPr algn="l">
+              <a:lnSpc>
+                <a:spcPct val="100000"/>
+              </a:lnSpc>
+              <a:spcBef>
+                <a:spcPts val="606"/>
+              </a:spcBef>
+            </a:pPr>
+            <a:r>
+              <a:rPr sz="900">
+                <a:solidFill>
+                  <a:srgbClr val="A9A9A9"/>
+                </a:solidFill>
+              </a:rPr>
+              <a:t>■ </a:t>
+            </a:r>
+            <a:r>
+              <a:rPr sz="900">
+                <a:solidFill>
+                  <a:srgbClr val="000000"/>
+                </a:solidFill>
+              </a:rPr>
+              <a:t>Machinery installation costs Equipment depreciation schedules</a:t>
             </a:r>
           </a:p>
         </p:txBody>
@@ -3505,7 +3889,7 @@
           <a:noFill/>
         </p:spPr>
         <p:txBody>
-          <a:bodyPr wrap="square">
+          <a:bodyPr wrap="none">
             <a:spAutoFit/>
           </a:bodyPr>
           <a:lstStyle/>
@@ -3514,180 +3898,566 @@
           </a:p>
           <a:p>
             <a:r>
-              <a:rPr b="1" sz="900">
+              <a:rPr sz="900" b="1">
                 <a:solidFill>
                   <a:srgbClr val="003296"/>
                 </a:solidFill>
               </a:rPr>
-              <a:t>Current Assets (continued)</a:t>
-            </a:r>
-          </a:p>
-          <a:p>
-            <a:r>
-              <a:rPr i="1" sz="900"/>
-              <a:t>Accounts Receivable (continued)</a:t>
-            </a:r>
-          </a:p>
-          <a:p>
-            <a:r>
-              <a:rPr b="1" sz="900">
+              <a:t>Non-Current Assets</a:t>
+            </a:r>
+          </a:p>
+          <a:p>
+            <a:r>
+              <a:rPr sz="900" i="1"/>
+              <a:t>Property, Plant &amp; Equipment</a:t>
+            </a:r>
+          </a:p>
+          <a:p>
+            <a:pPr algn="l">
+              <a:lnSpc>
+                <a:spcPct val="100000"/>
+              </a:lnSpc>
+              <a:spcBef>
+                <a:spcPts val="606"/>
+              </a:spcBef>
+            </a:pPr>
+            <a:r>
+              <a:rPr sz="900">
+                <a:solidFill>
+                  <a:srgbClr val="A9A9A9"/>
+                </a:solidFill>
+              </a:rPr>
+              <a:t>■ </a:t>
+            </a:r>
+            <a:r>
+              <a:rPr sz="900">
+                <a:solidFill>
+                  <a:srgbClr val="000000"/>
+                </a:solidFill>
+              </a:rPr>
+              <a:t>Leasehold improvement amortization</a:t>
+            </a:r>
+          </a:p>
+          <a:p>
+            <a:pPr algn="l">
+              <a:lnSpc>
+                <a:spcPct val="100000"/>
+              </a:lnSpc>
+              <a:spcBef>
+                <a:spcPts val="606"/>
+              </a:spcBef>
+            </a:pPr>
+            <a:r>
+              <a:rPr sz="900">
+                <a:solidFill>
+                  <a:srgbClr val="A9A9A9"/>
+                </a:solidFill>
+              </a:rPr>
+              <a:t>■ </a:t>
+            </a:r>
+            <a:r>
+              <a:rPr sz="900">
+                <a:solidFill>
+                  <a:srgbClr val="000000"/>
+                </a:solidFill>
+              </a:rPr>
+              <a:t>Construction-in-progress accounts</a:t>
+            </a:r>
+          </a:p>
+          <a:p>
+            <a:pPr algn="l">
+              <a:lnSpc>
+                <a:spcPct val="100000"/>
+              </a:lnSpc>
+              <a:spcBef>
+                <a:spcPts val="606"/>
+              </a:spcBef>
+            </a:pPr>
+            <a:r>
+              <a:rPr sz="900">
+                <a:solidFill>
+                  <a:srgbClr val="A9A9A9"/>
+                </a:solidFill>
+              </a:rPr>
+              <a:t>■ </a:t>
+            </a:r>
+            <a:r>
+              <a:rPr sz="900">
+                <a:solidFill>
+                  <a:srgbClr val="000000"/>
+                </a:solidFill>
+              </a:rPr>
+              <a:t>Capitalized interest during construction</a:t>
+            </a:r>
+          </a:p>
+          <a:p>
+            <a:r>
+              <a:rPr sz="900" i="1"/>
+              <a:t>Intangible Assets</a:t>
+            </a:r>
+          </a:p>
+          <a:p>
+            <a:pPr algn="l">
+              <a:lnSpc>
+                <a:spcPct val="100000"/>
+              </a:lnSpc>
+              <a:spcBef>
+                <a:spcPts val="606"/>
+              </a:spcBef>
+            </a:pPr>
+            <a:r>
+              <a:rPr sz="900">
+                <a:solidFill>
+                  <a:srgbClr val="A9A9A9"/>
+                </a:solidFill>
+              </a:rPr>
+              <a:t>■ </a:t>
+            </a:r>
+            <a:r>
+              <a:rPr sz="900">
+                <a:solidFill>
+                  <a:srgbClr val="000000"/>
+                </a:solidFill>
+              </a:rPr>
+              <a:t>Patent acquisition and amortization</a:t>
+            </a:r>
+          </a:p>
+          <a:p>
+            <a:pPr algn="l">
+              <a:lnSpc>
+                <a:spcPct val="100000"/>
+              </a:lnSpc>
+              <a:spcBef>
+                <a:spcPts val="606"/>
+              </a:spcBef>
+            </a:pPr>
+            <a:r>
+              <a:rPr sz="900">
+                <a:solidFill>
+                  <a:srgbClr val="A9A9A9"/>
+                </a:solidFill>
+              </a:rPr>
+              <a:t>■ </a:t>
+            </a:r>
+            <a:r>
+              <a:rPr sz="900">
+                <a:solidFill>
+                  <a:srgbClr val="000000"/>
+                </a:solidFill>
+              </a:rPr>
+              <a:t>Trademark registration/maintenance costs</a:t>
+            </a:r>
+          </a:p>
+          <a:p>
+            <a:pPr algn="l">
+              <a:lnSpc>
+                <a:spcPct val="100000"/>
+              </a:lnSpc>
+              <a:spcBef>
+                <a:spcPts val="606"/>
+              </a:spcBef>
+            </a:pPr>
+            <a:r>
+              <a:rPr sz="900">
+                <a:solidFill>
+                  <a:srgbClr val="A9A9A9"/>
+                </a:solidFill>
+              </a:rPr>
+              <a:t>■ </a:t>
+            </a:r>
+            <a:r>
+              <a:rPr sz="900">
+                <a:solidFill>
+                  <a:srgbClr val="000000"/>
+                </a:solidFill>
+              </a:rPr>
+              <a:t>Customer list valuations</a:t>
+            </a:r>
+          </a:p>
+          <a:p>
+            <a:pPr algn="l">
+              <a:lnSpc>
+                <a:spcPct val="100000"/>
+              </a:lnSpc>
+              <a:spcBef>
+                <a:spcPts val="606"/>
+              </a:spcBef>
+            </a:pPr>
+            <a:r>
+              <a:rPr sz="900">
+                <a:solidFill>
+                  <a:srgbClr val="A9A9A9"/>
+                </a:solidFill>
+              </a:rPr>
+              <a:t>■ </a:t>
+            </a:r>
+            <a:r>
+              <a:rPr sz="900">
+                <a:solidFill>
+                  <a:srgbClr val="000000"/>
+                </a:solidFill>
+              </a:rPr>
+              <a:t>Non-compete agreement valuations</a:t>
+            </a:r>
+          </a:p>
+          <a:p>
+            <a:pPr algn="l">
+              <a:lnSpc>
+                <a:spcPct val="100000"/>
+              </a:lnSpc>
+              <a:spcBef>
+                <a:spcPts val="606"/>
+              </a:spcBef>
+            </a:pPr>
+            <a:r>
+              <a:rPr sz="900">
+                <a:solidFill>
+                  <a:srgbClr val="A9A9A9"/>
+                </a:solidFill>
+              </a:rPr>
+              <a:t>■ </a:t>
+            </a:r>
+            <a:r>
+              <a:rPr sz="900">
+                <a:solidFill>
+                  <a:srgbClr val="000000"/>
+                </a:solidFill>
+              </a:rPr>
+              <a:t>Software development costs</a:t>
+            </a:r>
+          </a:p>
+          <a:p>
+            <a:pPr algn="l">
+              <a:lnSpc>
+                <a:spcPct val="100000"/>
+              </a:lnSpc>
+              <a:spcBef>
+                <a:spcPts val="606"/>
+              </a:spcBef>
+            </a:pPr>
+            <a:r>
+              <a:rPr sz="900">
+                <a:solidFill>
+                  <a:srgbClr val="A9A9A9"/>
+                </a:solidFill>
+              </a:rPr>
+              <a:t>■ </a:t>
+            </a:r>
+            <a:r>
+              <a:rPr sz="900">
+                <a:solidFill>
+                  <a:srgbClr val="000000"/>
+                </a:solidFill>
+              </a:rPr>
+              <a:t>Licensing agreements fair value</a:t>
+            </a:r>
+          </a:p>
+          <a:p>
+            <a:pPr algn="l">
+              <a:lnSpc>
+                <a:spcPct val="100000"/>
+              </a:lnSpc>
+              <a:spcBef>
+                <a:spcPts val="606"/>
+              </a:spcBef>
+            </a:pPr>
+            <a:r>
+              <a:rPr sz="900">
+                <a:solidFill>
+                  <a:srgbClr val="A9A9A9"/>
+                </a:solidFill>
+              </a:rPr>
+              <a:t>■ </a:t>
+            </a:r>
+            <a:r>
+              <a:rPr sz="900">
+                <a:solidFill>
+                  <a:srgbClr val="000000"/>
+                </a:solidFill>
+              </a:rPr>
+              <a:t>Goodwill impairment testing methodology</a:t>
+            </a:r>
+          </a:p>
+          <a:p>
+            <a:r>
+              <a:rPr sz="900" i="1"/>
+              <a:t>Long-Term Investments</a:t>
+            </a:r>
+          </a:p>
+          <a:p>
+            <a:pPr algn="l">
+              <a:lnSpc>
+                <a:spcPct val="100000"/>
+              </a:lnSpc>
+              <a:spcBef>
+                <a:spcPts val="606"/>
+              </a:spcBef>
+            </a:pPr>
+            <a:r>
+              <a:rPr sz="900">
+                <a:solidFill>
+                  <a:srgbClr val="A9A9A9"/>
+                </a:solidFill>
+              </a:rPr>
+              <a:t>■ </a:t>
+            </a:r>
+            <a:r>
+              <a:rPr sz="900">
+                <a:solidFill>
+                  <a:srgbClr val="000000"/>
+                </a:solidFill>
+              </a:rPr>
+              <a:t>Held-to-maturity securities portfolio</a:t>
+            </a:r>
+          </a:p>
+          <a:p>
+            <a:pPr algn="l">
+              <a:lnSpc>
+                <a:spcPct val="100000"/>
+              </a:lnSpc>
+              <a:spcBef>
+                <a:spcPts val="606"/>
+              </a:spcBef>
+            </a:pPr>
+            <a:r>
+              <a:rPr sz="900">
+                <a:solidFill>
+                  <a:srgbClr val="A9A9A9"/>
+                </a:solidFill>
+              </a:rPr>
+              <a:t>■ </a:t>
+            </a:r>
+            <a:r>
+              <a:rPr sz="900">
+                <a:solidFill>
+                  <a:srgbClr val="000000"/>
+                </a:solidFill>
+              </a:rPr>
+              <a:t>Equity method investment accounting</a:t>
+            </a:r>
+          </a:p>
+          <a:p>
+            <a:pPr algn="l">
+              <a:lnSpc>
+                <a:spcPct val="100000"/>
+              </a:lnSpc>
+              <a:spcBef>
+                <a:spcPts val="606"/>
+              </a:spcBef>
+            </a:pPr>
+            <a:r>
+              <a:rPr sz="900">
+                <a:solidFill>
+                  <a:srgbClr val="A9A9A9"/>
+                </a:solidFill>
+              </a:rPr>
+              <a:t>■ </a:t>
+            </a:r>
+            <a:r>
+              <a:rPr sz="900">
+                <a:solidFill>
+                  <a:srgbClr val="000000"/>
+                </a:solidFill>
+              </a:rPr>
+              <a:t>Real estate held for appreciation</a:t>
+            </a:r>
+          </a:p>
+          <a:p>
+            <a:pPr algn="l">
+              <a:lnSpc>
+                <a:spcPct val="100000"/>
+              </a:lnSpc>
+              <a:spcBef>
+                <a:spcPts val="606"/>
+              </a:spcBef>
+            </a:pPr>
+            <a:r>
+              <a:rPr sz="900">
+                <a:solidFill>
+                  <a:srgbClr val="A9A9A9"/>
+                </a:solidFill>
+              </a:rPr>
+              <a:t>■ </a:t>
+            </a:r>
+            <a:r>
+              <a:rPr sz="900">
+                <a:solidFill>
+                  <a:srgbClr val="000000"/>
+                </a:solidFill>
+              </a:rPr>
+              <a:t>Venture capital fund investments</a:t>
+            </a:r>
+          </a:p>
+          <a:p>
+            <a:pPr algn="l">
+              <a:lnSpc>
+                <a:spcPct val="100000"/>
+              </a:lnSpc>
+              <a:spcBef>
+                <a:spcPts val="606"/>
+              </a:spcBef>
+            </a:pPr>
+            <a:r>
+              <a:rPr sz="900">
+                <a:solidFill>
+                  <a:srgbClr val="A9A9A9"/>
+                </a:solidFill>
+              </a:rPr>
+              <a:t>■ </a:t>
+            </a:r>
+            <a:r>
+              <a:rPr sz="900">
+                <a:solidFill>
+                  <a:srgbClr val="000000"/>
+                </a:solidFill>
+              </a:rPr>
+              <a:t>Convertible debt instruments</a:t>
+            </a:r>
+          </a:p>
+          <a:p>
+            <a:pPr algn="l">
+              <a:lnSpc>
+                <a:spcPct val="100000"/>
+              </a:lnSpc>
+              <a:spcBef>
+                <a:spcPts val="606"/>
+              </a:spcBef>
+            </a:pPr>
+            <a:r>
+              <a:rPr sz="900">
+                <a:solidFill>
+                  <a:srgbClr val="A9A9A9"/>
+                </a:solidFill>
+              </a:rPr>
+              <a:t>■ </a:t>
+            </a:r>
+            <a:r>
+              <a:rPr sz="900">
+                <a:solidFill>
+                  <a:srgbClr val="000000"/>
+                </a:solidFill>
+              </a:rPr>
+              <a:t>Restricted stock holdings</a:t>
+            </a:r>
+          </a:p>
+          <a:p>
+            <a:pPr algn="l">
+              <a:lnSpc>
+                <a:spcPct val="100000"/>
+              </a:lnSpc>
+              <a:spcBef>
+                <a:spcPts val="606"/>
+              </a:spcBef>
+            </a:pPr>
+            <a:r>
+              <a:rPr sz="900">
+                <a:solidFill>
+                  <a:srgbClr val="A9A9A9"/>
+                </a:solidFill>
+              </a:rPr>
+              <a:t>■ </a:t>
+            </a:r>
+            <a:r>
+              <a:rPr sz="900">
+                <a:solidFill>
+                  <a:srgbClr val="000000"/>
+                </a:solidFill>
+              </a:rPr>
+              <a:t>Investments in subsidiaries</a:t>
+            </a:r>
+          </a:p>
+          <a:p>
+            <a:r>
+              <a:rPr sz="900" b="1">
                 <a:solidFill>
                   <a:srgbClr val="003296"/>
                 </a:solidFill>
               </a:rPr>
-              <a:t>Current Assets</a:t>
-            </a:r>
-          </a:p>
-          <a:p>
-            <a:r>
-              <a:rPr i="1" sz="900"/>
-              <a:t>Marketable Securities</a:t>
-            </a:r>
-          </a:p>
-          <a:p>
-            <a:r>
-              <a:rPr sz="900"/>
-              <a:t>■ Corporate bonds with &lt;1yr maturity</a:t>
-            </a:r>
-          </a:p>
-          <a:p>
-            <a:r>
-              <a:rPr sz="900"/>
-              <a:t>■ Government agency securities</a:t>
-            </a:r>
-          </a:p>
-          <a:p>
-            <a:r>
-              <a:rPr sz="900"/>
-              <a:t>■ Certificates of deposit (CDs)</a:t>
-            </a:r>
-          </a:p>
-          <a:p>
-            <a:r>
-              <a:rPr sz="900"/>
-              <a:t>■ Bankers' acceptances</a:t>
-            </a:r>
-          </a:p>
-          <a:p>
-            <a:r>
-              <a:rPr sz="900"/>
-              <a:t>■ Commercial paper holdings</a:t>
-            </a:r>
-          </a:p>
-          <a:p>
-            <a:r>
-              <a:rPr sz="900"/>
-              <a:t>■ Treasury notes maturing within 12 months</a:t>
-            </a:r>
-          </a:p>
-          <a:p>
-            <a:r>
-              <a:rPr sz="900"/>
-              <a:t>■ Highly liquid ETF positions</a:t>
-            </a:r>
-          </a:p>
-          <a:p>
-            <a:r>
-              <a:rPr b="1" sz="900">
-                <a:solidFill>
-                  <a:srgbClr val="003296"/>
-                </a:solidFill>
-              </a:rPr>
-              <a:t>Current Assets</a:t>
-            </a:r>
-          </a:p>
-          <a:p>
-            <a:r>
-              <a:rPr i="1" sz="900"/>
-              <a:t>Accounts Receivable</a:t>
-            </a:r>
-          </a:p>
-          <a:p>
-            <a:r>
-              <a:rPr sz="900"/>
-              <a:t>■ Trade receivables from normal operations</a:t>
-            </a:r>
-          </a:p>
-          <a:p>
-            <a:r>
-              <a:rPr sz="900"/>
-              <a:t>■ Installment receivables from long-term contracts</a:t>
-            </a:r>
-          </a:p>
-          <a:p>
-            <a:r>
-              <a:rPr sz="900"/>
-              <a:t>■ Receivables from affiliated companies</a:t>
-            </a:r>
-          </a:p>
-          <a:p>
-            <a:r>
-              <a:rPr sz="900"/>
-              <a:t>■ Allowance for doubtful accounts calculation</a:t>
-            </a:r>
-          </a:p>
-          <a:p>
-            <a:r>
-              <a:rPr sz="900"/>
-              <a:t>■ Aging schedule analysis (30/60/90 days)</a:t>
-            </a:r>
-          </a:p>
-          <a:p>
-            <a:r>
-              <a:rPr sz="900"/>
-              <a:t>■ Credit memo adjustments</a:t>
-            </a:r>
-          </a:p>
-          <a:p>
-            <a:r>
-              <a:rPr sz="900"/>
-              <a:t>■ Factored receivables disclosure</a:t>
-            </a:r>
-          </a:p>
-          <a:p>
-            <a:r>
-              <a:rPr sz="900"/>
-              <a:t>■ Unbilled receivables from progress contracts</a:t>
-            </a:r>
-          </a:p>
-          <a:p>
-            <a:r>
-              <a:rPr b="1" sz="900">
-                <a:solidFill>
-                  <a:srgbClr val="003296"/>
-                </a:solidFill>
-              </a:rPr>
-              <a:t>Non-Current Assets</a:t>
-            </a:r>
-          </a:p>
-          <a:p>
-            <a:r>
-              <a:rPr i="1" sz="900"/>
-              <a:t>Property, Plant &amp; Equipment</a:t>
-            </a:r>
-          </a:p>
-          <a:p>
-            <a:r>
-              <a:rPr sz="900"/>
-              <a:t>■ Land acquisition costs (original purchase)</a:t>
-            </a:r>
-          </a:p>
-          <a:p>
-            <a:r>
-              <a:rPr sz="900"/>
-              <a:t>■ Building improvements capitalization</a:t>
-            </a:r>
-          </a:p>
-          <a:p>
-            <a:r>
-              <a:rPr sz="900"/>
-              <a:t>■ Machinery installation costs</a:t>
-            </a:r>
-          </a:p>
-          <a:p>
-            <a:r>
-              <a:rPr sz="900"/>
-              <a:t>■ Equipment depreciation schedules</a:t>
+              <a:t>Current Liabilities</a:t>
+            </a:r>
+          </a:p>
+          <a:p>
+            <a:r>
+              <a:rPr sz="900" i="1"/>
+              <a:t>Accounts Payable</a:t>
+            </a:r>
+          </a:p>
+          <a:p>
+            <a:pPr algn="l">
+              <a:lnSpc>
+                <a:spcPct val="100000"/>
+              </a:lnSpc>
+              <a:spcBef>
+                <a:spcPts val="606"/>
+              </a:spcBef>
+            </a:pPr>
+            <a:r>
+              <a:rPr sz="900">
+                <a:solidFill>
+                  <a:srgbClr val="A9A9A9"/>
+                </a:solidFill>
+              </a:rPr>
+              <a:t>■ </a:t>
+            </a:r>
+            <a:r>
+              <a:rPr sz="900">
+                <a:solidFill>
+                  <a:srgbClr val="000000"/>
+                </a:solidFill>
+              </a:rPr>
+              <a:t>Trade payables to suppliers</a:t>
+            </a:r>
+          </a:p>
+          <a:p>
+            <a:pPr algn="l">
+              <a:lnSpc>
+                <a:spcPct val="100000"/>
+              </a:lnSpc>
+              <a:spcBef>
+                <a:spcPts val="606"/>
+              </a:spcBef>
+            </a:pPr>
+            <a:r>
+              <a:rPr sz="900">
+                <a:solidFill>
+                  <a:srgbClr val="A9A9A9"/>
+                </a:solidFill>
+              </a:rPr>
+              <a:t>■ </a:t>
+            </a:r>
+            <a:r>
+              <a:rPr sz="900">
+                <a:solidFill>
+                  <a:srgbClr val="000000"/>
+                </a:solidFill>
+              </a:rPr>
+              <a:t>Accrued purchases for goods received</a:t>
+            </a:r>
+          </a:p>
+          <a:p>
+            <a:pPr algn="l">
+              <a:lnSpc>
+                <a:spcPct val="100000"/>
+              </a:lnSpc>
+              <a:spcBef>
+                <a:spcPts val="606"/>
+              </a:spcBef>
+            </a:pPr>
+            <a:r>
+              <a:rPr sz="900">
+                <a:solidFill>
+                  <a:srgbClr val="A9A9A9"/>
+                </a:solidFill>
+              </a:rPr>
+              <a:t>■ </a:t>
+            </a:r>
+            <a:r>
+              <a:rPr sz="900">
+                <a:solidFill>
+                  <a:srgbClr val="000000"/>
+                </a:solidFill>
+              </a:rPr>
+              <a:t>Third-party processor withholdings Construction retainage payable</a:t>
             </a:r>
           </a:p>
         </p:txBody>
@@ -3711,7 +4481,7 @@
           <a:noFill/>
         </p:spPr>
         <p:txBody>
-          <a:bodyPr wrap="square">
+          <a:bodyPr wrap="none">
             <a:spAutoFit/>
           </a:bodyPr>
           <a:lstStyle/>
@@ -3720,168 +4490,566 @@
           </a:p>
           <a:p>
             <a:r>
-              <a:rPr b="1" sz="900">
+              <a:rPr sz="900" b="1">
                 <a:solidFill>
                   <a:srgbClr val="003296"/>
                 </a:solidFill>
               </a:rPr>
-              <a:t>Non-Current Assets (continued)</a:t>
-            </a:r>
-          </a:p>
-          <a:p>
-            <a:r>
-              <a:rPr i="1" sz="900"/>
-              <a:t>Property, Plant &amp; Equipment (continued)</a:t>
-            </a:r>
-          </a:p>
-          <a:p>
-            <a:r>
-              <a:rPr b="1" sz="900">
+              <a:t>Current Liabilities</a:t>
+            </a:r>
+          </a:p>
+          <a:p>
+            <a:r>
+              <a:rPr sz="900" i="1"/>
+              <a:t>Accounts Payable</a:t>
+            </a:r>
+          </a:p>
+          <a:p>
+            <a:pPr algn="l">
+              <a:lnSpc>
+                <a:spcPct val="100000"/>
+              </a:lnSpc>
+              <a:spcBef>
+                <a:spcPts val="606"/>
+              </a:spcBef>
+            </a:pPr>
+            <a:r>
+              <a:rPr sz="900">
+                <a:solidFill>
+                  <a:srgbClr val="A9A9A9"/>
+                </a:solidFill>
+              </a:rPr>
+              <a:t>■ </a:t>
+            </a:r>
+            <a:r>
+              <a:rPr sz="900">
+                <a:solidFill>
+                  <a:srgbClr val="000000"/>
+                </a:solidFill>
+              </a:rPr>
+              <a:t>Dividends declared but unpaid</a:t>
+            </a:r>
+          </a:p>
+          <a:p>
+            <a:pPr algn="l">
+              <a:lnSpc>
+                <a:spcPct val="100000"/>
+              </a:lnSpc>
+              <a:spcBef>
+                <a:spcPts val="606"/>
+              </a:spcBef>
+            </a:pPr>
+            <a:r>
+              <a:rPr sz="900">
+                <a:solidFill>
+                  <a:srgbClr val="A9A9A9"/>
+                </a:solidFill>
+              </a:rPr>
+              <a:t>■ </a:t>
+            </a:r>
+            <a:r>
+              <a:rPr sz="900">
+                <a:solidFill>
+                  <a:srgbClr val="000000"/>
+                </a:solidFill>
+              </a:rPr>
+              <a:t>Customer deposits/advance payments</a:t>
+            </a:r>
+          </a:p>
+          <a:p>
+            <a:pPr algn="l">
+              <a:lnSpc>
+                <a:spcPct val="100000"/>
+              </a:lnSpc>
+              <a:spcBef>
+                <a:spcPts val="606"/>
+              </a:spcBef>
+            </a:pPr>
+            <a:r>
+              <a:rPr sz="900">
+                <a:solidFill>
+                  <a:srgbClr val="A9A9A9"/>
+                </a:solidFill>
+              </a:rPr>
+              <a:t>■ </a:t>
+            </a:r>
+            <a:r>
+              <a:rPr sz="900">
+                <a:solidFill>
+                  <a:srgbClr val="000000"/>
+                </a:solidFill>
+              </a:rPr>
+              <a:t>Escheat liability estimates</a:t>
+            </a:r>
+          </a:p>
+          <a:p>
+            <a:r>
+              <a:rPr sz="900" i="1"/>
+              <a:t>Short-Term Debt</a:t>
+            </a:r>
+          </a:p>
+          <a:p>
+            <a:pPr algn="l">
+              <a:lnSpc>
+                <a:spcPct val="100000"/>
+              </a:lnSpc>
+              <a:spcBef>
+                <a:spcPts val="606"/>
+              </a:spcBef>
+            </a:pPr>
+            <a:r>
+              <a:rPr sz="900">
+                <a:solidFill>
+                  <a:srgbClr val="A9A9A9"/>
+                </a:solidFill>
+              </a:rPr>
+              <a:t>■ </a:t>
+            </a:r>
+            <a:r>
+              <a:rPr sz="900">
+                <a:solidFill>
+                  <a:srgbClr val="000000"/>
+                </a:solidFill>
+              </a:rPr>
+              <a:t>Commercial paper outstanding</a:t>
+            </a:r>
+          </a:p>
+          <a:p>
+            <a:pPr algn="l">
+              <a:lnSpc>
+                <a:spcPct val="100000"/>
+              </a:lnSpc>
+              <a:spcBef>
+                <a:spcPts val="606"/>
+              </a:spcBef>
+            </a:pPr>
+            <a:r>
+              <a:rPr sz="900">
+                <a:solidFill>
+                  <a:srgbClr val="A9A9A9"/>
+                </a:solidFill>
+              </a:rPr>
+              <a:t>■ </a:t>
+            </a:r>
+            <a:r>
+              <a:rPr sz="900">
+                <a:solidFill>
+                  <a:srgbClr val="000000"/>
+                </a:solidFill>
+              </a:rPr>
+              <a:t>Revolving credit facility draws</a:t>
+            </a:r>
+          </a:p>
+          <a:p>
+            <a:pPr algn="l">
+              <a:lnSpc>
+                <a:spcPct val="100000"/>
+              </a:lnSpc>
+              <a:spcBef>
+                <a:spcPts val="606"/>
+              </a:spcBef>
+            </a:pPr>
+            <a:r>
+              <a:rPr sz="900">
+                <a:solidFill>
+                  <a:srgbClr val="A9A9A9"/>
+                </a:solidFill>
+              </a:rPr>
+              <a:t>■ </a:t>
+            </a:r>
+            <a:r>
+              <a:rPr sz="900">
+                <a:solidFill>
+                  <a:srgbClr val="000000"/>
+                </a:solidFill>
+              </a:rPr>
+              <a:t>Current portion of long-term debt</a:t>
+            </a:r>
+          </a:p>
+          <a:p>
+            <a:pPr algn="l">
+              <a:lnSpc>
+                <a:spcPct val="100000"/>
+              </a:lnSpc>
+              <a:spcBef>
+                <a:spcPts val="606"/>
+              </a:spcBef>
+            </a:pPr>
+            <a:r>
+              <a:rPr sz="900">
+                <a:solidFill>
+                  <a:srgbClr val="A9A9A9"/>
+                </a:solidFill>
+              </a:rPr>
+              <a:t>■ </a:t>
+            </a:r>
+            <a:r>
+              <a:rPr sz="900">
+                <a:solidFill>
+                  <a:srgbClr val="000000"/>
+                </a:solidFill>
+              </a:rPr>
+              <a:t>Bank overdraft facilities used</a:t>
+            </a:r>
+          </a:p>
+          <a:p>
+            <a:pPr algn="l">
+              <a:lnSpc>
+                <a:spcPct val="100000"/>
+              </a:lnSpc>
+              <a:spcBef>
+                <a:spcPts val="606"/>
+              </a:spcBef>
+            </a:pPr>
+            <a:r>
+              <a:rPr sz="900">
+                <a:solidFill>
+                  <a:srgbClr val="A9A9A9"/>
+                </a:solidFill>
+              </a:rPr>
+              <a:t>■ </a:t>
+            </a:r>
+            <a:r>
+              <a:rPr sz="900">
+                <a:solidFill>
+                  <a:srgbClr val="000000"/>
+                </a:solidFill>
+              </a:rPr>
+              <a:t>Short-term lease liabilities</a:t>
+            </a:r>
+          </a:p>
+          <a:p>
+            <a:pPr algn="l">
+              <a:lnSpc>
+                <a:spcPct val="100000"/>
+              </a:lnSpc>
+              <a:spcBef>
+                <a:spcPts val="606"/>
+              </a:spcBef>
+            </a:pPr>
+            <a:r>
+              <a:rPr sz="900">
+                <a:solidFill>
+                  <a:srgbClr val="A9A9A9"/>
+                </a:solidFill>
+              </a:rPr>
+              <a:t>■ </a:t>
+            </a:r>
+            <a:r>
+              <a:rPr sz="900">
+                <a:solidFill>
+                  <a:srgbClr val="000000"/>
+                </a:solidFill>
+              </a:rPr>
+              <a:t>Vendor financing arrangements</a:t>
+            </a:r>
+          </a:p>
+          <a:p>
+            <a:pPr algn="l">
+              <a:lnSpc>
+                <a:spcPct val="100000"/>
+              </a:lnSpc>
+              <a:spcBef>
+                <a:spcPts val="606"/>
+              </a:spcBef>
+            </a:pPr>
+            <a:r>
+              <a:rPr sz="900">
+                <a:solidFill>
+                  <a:srgbClr val="A9A9A9"/>
+                </a:solidFill>
+              </a:rPr>
+              <a:t>■ </a:t>
+            </a:r>
+            <a:r>
+              <a:rPr sz="900">
+                <a:solidFill>
+                  <a:srgbClr val="000000"/>
+                </a:solidFill>
+              </a:rPr>
+              <a:t>Convertible debt equity component</a:t>
+            </a:r>
+          </a:p>
+          <a:p>
+            <a:r>
+              <a:rPr sz="900" b="1">
                 <a:solidFill>
                   <a:srgbClr val="003296"/>
                 </a:solidFill>
               </a:rPr>
-              <a:t>Current Assets</a:t>
-            </a:r>
-          </a:p>
-          <a:p>
-            <a:r>
-              <a:rPr i="1" sz="900"/>
-              <a:t>Accounts Receivable</a:t>
-            </a:r>
-          </a:p>
-          <a:p>
-            <a:r>
-              <a:rPr sz="900"/>
-              <a:t>■ Trade receivables from normal operations</a:t>
-            </a:r>
-          </a:p>
-          <a:p>
-            <a:r>
-              <a:rPr sz="900"/>
-              <a:t>■ Installment receivables from long-term contracts</a:t>
-            </a:r>
-          </a:p>
-          <a:p>
-            <a:r>
-              <a:rPr sz="900"/>
-              <a:t>■ Receivables from affiliated companies</a:t>
-            </a:r>
-          </a:p>
-          <a:p>
-            <a:r>
-              <a:rPr sz="900"/>
-              <a:t>■ Allowance for doubtful accounts calculation</a:t>
-            </a:r>
-          </a:p>
-          <a:p>
-            <a:r>
-              <a:rPr sz="900"/>
-              <a:t>■ Aging schedule analysis (30/60/90 days)</a:t>
-            </a:r>
-          </a:p>
-          <a:p>
-            <a:r>
-              <a:rPr sz="900"/>
-              <a:t>■ Credit memo adjustments</a:t>
-            </a:r>
-          </a:p>
-          <a:p>
-            <a:r>
-              <a:rPr sz="900"/>
-              <a:t>■ Factored receivables disclosure</a:t>
-            </a:r>
-          </a:p>
-          <a:p>
-            <a:r>
-              <a:rPr sz="900"/>
-              <a:t>■ Unbilled receivables from progress contracts</a:t>
-            </a:r>
-          </a:p>
-          <a:p>
-            <a:r>
-              <a:rPr b="1" sz="900">
-                <a:solidFill>
-                  <a:srgbClr val="003296"/>
-                </a:solidFill>
-              </a:rPr>
-              <a:t>Non-Current Assets</a:t>
-            </a:r>
-          </a:p>
-          <a:p>
-            <a:r>
-              <a:rPr i="1" sz="900"/>
-              <a:t>Property, Plant &amp; Equipment</a:t>
-            </a:r>
-          </a:p>
-          <a:p>
-            <a:r>
-              <a:rPr sz="900"/>
-              <a:t>■ Land acquisition costs (original purchase)</a:t>
-            </a:r>
-          </a:p>
-          <a:p>
-            <a:r>
-              <a:rPr sz="900"/>
-              <a:t>■ Building improvements capitalization</a:t>
-            </a:r>
-          </a:p>
-          <a:p>
-            <a:r>
-              <a:rPr sz="900"/>
-              <a:t>■ Machinery installation costs</a:t>
-            </a:r>
-          </a:p>
-          <a:p>
-            <a:r>
-              <a:rPr sz="900"/>
-              <a:t>■ Equipment depreciation schedules</a:t>
-            </a:r>
-          </a:p>
-          <a:p>
-            <a:r>
-              <a:rPr sz="900"/>
-              <a:t>■ Leasehold improvement amortization</a:t>
-            </a:r>
-          </a:p>
-          <a:p>
-            <a:r>
-              <a:rPr sz="900"/>
-              <a:t>■ Construction-in-progress accounts</a:t>
-            </a:r>
-          </a:p>
-          <a:p>
-            <a:r>
-              <a:rPr sz="900"/>
-              <a:t>■ Capitalized interest during construction</a:t>
-            </a:r>
-          </a:p>
-          <a:p>
-            <a:r>
-              <a:rPr b="1" sz="900">
-                <a:solidFill>
-                  <a:srgbClr val="003296"/>
-                </a:solidFill>
-              </a:rPr>
-              <a:t>Non-Current Assets</a:t>
-            </a:r>
-          </a:p>
-          <a:p>
-            <a:r>
-              <a:rPr i="1" sz="900"/>
-              <a:t>Intangible Assets</a:t>
-            </a:r>
-          </a:p>
-          <a:p>
-            <a:r>
-              <a:rPr sz="900"/>
-              <a:t>■ Patent acquisition and amortization</a:t>
-            </a:r>
-          </a:p>
-          <a:p>
-            <a:r>
-              <a:rPr sz="900"/>
-              <a:t>■ Trademark registration/maintenance costs</a:t>
+              <a:t>Long-Term Liabilities</a:t>
+            </a:r>
+          </a:p>
+          <a:p>
+            <a:r>
+              <a:rPr sz="900" i="1"/>
+              <a:t>Bonds Payable</a:t>
+            </a:r>
+          </a:p>
+          <a:p>
+            <a:pPr algn="l">
+              <a:lnSpc>
+                <a:spcPct val="100000"/>
+              </a:lnSpc>
+              <a:spcBef>
+                <a:spcPts val="606"/>
+              </a:spcBef>
+            </a:pPr>
+            <a:r>
+              <a:rPr sz="900">
+                <a:solidFill>
+                  <a:srgbClr val="A9A9A9"/>
+                </a:solidFill>
+              </a:rPr>
+              <a:t>■ </a:t>
+            </a:r>
+            <a:r>
+              <a:rPr sz="900">
+                <a:solidFill>
+                  <a:srgbClr val="000000"/>
+                </a:solidFill>
+              </a:rPr>
+              <a:t>Corporate bond issuance at premium/discount</a:t>
+            </a:r>
+          </a:p>
+          <a:p>
+            <a:pPr algn="l">
+              <a:lnSpc>
+                <a:spcPct val="100000"/>
+              </a:lnSpc>
+              <a:spcBef>
+                <a:spcPts val="606"/>
+              </a:spcBef>
+            </a:pPr>
+            <a:r>
+              <a:rPr sz="900">
+                <a:solidFill>
+                  <a:srgbClr val="A9A9A9"/>
+                </a:solidFill>
+              </a:rPr>
+              <a:t>■ </a:t>
+            </a:r>
+            <a:r>
+              <a:rPr sz="900">
+                <a:solidFill>
+                  <a:srgbClr val="000000"/>
+                </a:solidFill>
+              </a:rPr>
+              <a:t>Debenture conversion features</a:t>
+            </a:r>
+          </a:p>
+          <a:p>
+            <a:pPr algn="l">
+              <a:lnSpc>
+                <a:spcPct val="100000"/>
+              </a:lnSpc>
+              <a:spcBef>
+                <a:spcPts val="606"/>
+              </a:spcBef>
+            </a:pPr>
+            <a:r>
+              <a:rPr sz="900">
+                <a:solidFill>
+                  <a:srgbClr val="A9A9A9"/>
+                </a:solidFill>
+              </a:rPr>
+              <a:t>■ </a:t>
+            </a:r>
+            <a:r>
+              <a:rPr sz="900">
+                <a:solidFill>
+                  <a:srgbClr val="000000"/>
+                </a:solidFill>
+              </a:rPr>
+              <a:t>Sinking fund requirements</a:t>
+            </a:r>
+          </a:p>
+          <a:p>
+            <a:pPr algn="l">
+              <a:lnSpc>
+                <a:spcPct val="100000"/>
+              </a:lnSpc>
+              <a:spcBef>
+                <a:spcPts val="606"/>
+              </a:spcBef>
+            </a:pPr>
+            <a:r>
+              <a:rPr sz="900">
+                <a:solidFill>
+                  <a:srgbClr val="A9A9A9"/>
+                </a:solidFill>
+              </a:rPr>
+              <a:t>■ </a:t>
+            </a:r>
+            <a:r>
+              <a:rPr sz="900">
+                <a:solidFill>
+                  <a:srgbClr val="000000"/>
+                </a:solidFill>
+              </a:rPr>
+              <a:t>Unamortized bond issuance costs</a:t>
+            </a:r>
+          </a:p>
+          <a:p>
+            <a:pPr algn="l">
+              <a:lnSpc>
+                <a:spcPct val="100000"/>
+              </a:lnSpc>
+              <a:spcBef>
+                <a:spcPts val="606"/>
+              </a:spcBef>
+            </a:pPr>
+            <a:r>
+              <a:rPr sz="900">
+                <a:solidFill>
+                  <a:srgbClr val="A9A9A9"/>
+                </a:solidFill>
+              </a:rPr>
+              <a:t>■ </a:t>
+            </a:r>
+            <a:r>
+              <a:rPr sz="900">
+                <a:solidFill>
+                  <a:srgbClr val="000000"/>
+                </a:solidFill>
+              </a:rPr>
+              <a:t>Fair value hedge adjustments</a:t>
+            </a:r>
+          </a:p>
+          <a:p>
+            <a:pPr algn="l">
+              <a:lnSpc>
+                <a:spcPct val="100000"/>
+              </a:lnSpc>
+              <a:spcBef>
+                <a:spcPts val="606"/>
+              </a:spcBef>
+            </a:pPr>
+            <a:r>
+              <a:rPr sz="900">
+                <a:solidFill>
+                  <a:srgbClr val="A9A9A9"/>
+                </a:solidFill>
+              </a:rPr>
+              <a:t>■ </a:t>
+            </a:r>
+            <a:r>
+              <a:rPr sz="900">
+                <a:solidFill>
+                  <a:srgbClr val="000000"/>
+                </a:solidFill>
+              </a:rPr>
+              <a:t>Callable bond provisions</a:t>
+            </a:r>
+          </a:p>
+          <a:p>
+            <a:pPr algn="l">
+              <a:lnSpc>
+                <a:spcPct val="100000"/>
+              </a:lnSpc>
+              <a:spcBef>
+                <a:spcPts val="606"/>
+              </a:spcBef>
+            </a:pPr>
+            <a:r>
+              <a:rPr sz="900">
+                <a:solidFill>
+                  <a:srgbClr val="A9A9A9"/>
+                </a:solidFill>
+              </a:rPr>
+              <a:t>■ </a:t>
+            </a:r>
+            <a:r>
+              <a:rPr sz="900">
+                <a:solidFill>
+                  <a:srgbClr val="000000"/>
+                </a:solidFill>
+              </a:rPr>
+              <a:t>Convertible bond accounting</a:t>
+            </a:r>
+          </a:p>
+          <a:p>
+            <a:r>
+              <a:rPr sz="900" i="1"/>
+              <a:t>Pension Liabilities</a:t>
+            </a:r>
+          </a:p>
+          <a:p>
+            <a:pPr algn="l">
+              <a:lnSpc>
+                <a:spcPct val="100000"/>
+              </a:lnSpc>
+              <a:spcBef>
+                <a:spcPts val="606"/>
+              </a:spcBef>
+            </a:pPr>
+            <a:r>
+              <a:rPr sz="900">
+                <a:solidFill>
+                  <a:srgbClr val="A9A9A9"/>
+                </a:solidFill>
+              </a:rPr>
+              <a:t>■ </a:t>
+            </a:r>
+            <a:r>
+              <a:rPr sz="900">
+                <a:solidFill>
+                  <a:srgbClr val="000000"/>
+                </a:solidFill>
+              </a:rPr>
+              <a:t>Defined benefit obligation calculations</a:t>
+            </a:r>
+          </a:p>
+          <a:p>
+            <a:pPr algn="l">
+              <a:lnSpc>
+                <a:spcPct val="100000"/>
+              </a:lnSpc>
+              <a:spcBef>
+                <a:spcPts val="606"/>
+              </a:spcBef>
+            </a:pPr>
+            <a:r>
+              <a:rPr sz="900">
+                <a:solidFill>
+                  <a:srgbClr val="A9A9A9"/>
+                </a:solidFill>
+              </a:rPr>
+              <a:t>■ </a:t>
+            </a:r>
+            <a:r>
+              <a:rPr sz="900">
+                <a:solidFill>
+                  <a:srgbClr val="000000"/>
+                </a:solidFill>
+              </a:rPr>
+              <a:t>Actuarial gains/losses recognition</a:t>
+            </a:r>
+          </a:p>
+          <a:p>
+            <a:pPr algn="l">
+              <a:lnSpc>
+                <a:spcPct val="100000"/>
+              </a:lnSpc>
+              <a:spcBef>
+                <a:spcPts val="606"/>
+              </a:spcBef>
+            </a:pPr>
+            <a:r>
+              <a:rPr sz="900">
+                <a:solidFill>
+                  <a:srgbClr val="A9A9A9"/>
+                </a:solidFill>
+              </a:rPr>
+              <a:t>■ </a:t>
+            </a:r>
+            <a:r>
+              <a:rPr sz="900">
+                <a:solidFill>
+                  <a:srgbClr val="000000"/>
+                </a:solidFill>
+              </a:rPr>
+              <a:t>Plan asset valuations</a:t>
             </a:r>
           </a:p>
         </p:txBody>
@@ -3942,7 +5110,7 @@
           <a:noFill/>
         </p:spPr>
         <p:txBody>
-          <a:bodyPr wrap="square">
+          <a:bodyPr wrap="none">
             <a:spAutoFit/>
           </a:bodyPr>
           <a:lstStyle/>
@@ -3951,156 +5119,508 @@
           </a:p>
           <a:p>
             <a:r>
-              <a:rPr b="1" sz="900">
+              <a:rPr sz="900" b="1">
                 <a:solidFill>
                   <a:srgbClr val="003296"/>
                 </a:solidFill>
               </a:rPr>
-              <a:t>Non-Current Assets (continued)</a:t>
-            </a:r>
-          </a:p>
-          <a:p>
-            <a:r>
-              <a:rPr i="1" sz="900"/>
-              <a:t>Intangible Assets (continued)</a:t>
-            </a:r>
-          </a:p>
-          <a:p>
-            <a:r>
-              <a:rPr b="1" sz="900">
+              <a:t>Long-Term Liabilities (continued)</a:t>
+            </a:r>
+          </a:p>
+          <a:p>
+            <a:r>
+              <a:rPr sz="900" i="1"/>
+              <a:t>Pension Liabilities</a:t>
+            </a:r>
+          </a:p>
+          <a:p>
+            <a:pPr algn="l">
+              <a:lnSpc>
+                <a:spcPct val="100000"/>
+              </a:lnSpc>
+              <a:spcBef>
+                <a:spcPts val="606"/>
+              </a:spcBef>
+            </a:pPr>
+            <a:r>
+              <a:rPr sz="900">
+                <a:solidFill>
+                  <a:srgbClr val="A9A9A9"/>
+                </a:solidFill>
+              </a:rPr>
+              <a:t>■ </a:t>
+            </a:r>
+            <a:r>
+              <a:rPr sz="900">
+                <a:solidFill>
+                  <a:srgbClr val="000000"/>
+                </a:solidFill>
+              </a:rPr>
+              <a:t>Curtailment/settlement accounting</a:t>
+            </a:r>
+          </a:p>
+          <a:p>
+            <a:pPr algn="l">
+              <a:lnSpc>
+                <a:spcPct val="100000"/>
+              </a:lnSpc>
+              <a:spcBef>
+                <a:spcPts val="606"/>
+              </a:spcBef>
+            </a:pPr>
+            <a:r>
+              <a:rPr sz="900">
+                <a:solidFill>
+                  <a:srgbClr val="A9A9A9"/>
+                </a:solidFill>
+              </a:rPr>
+              <a:t>■ </a:t>
+            </a:r>
+            <a:r>
+              <a:rPr sz="900">
+                <a:solidFill>
+                  <a:srgbClr val="000000"/>
+                </a:solidFill>
+              </a:rPr>
+              <a:t>Multi-employer plan disclosures</a:t>
+            </a:r>
+          </a:p>
+          <a:p>
+            <a:pPr algn="l">
+              <a:lnSpc>
+                <a:spcPct val="100000"/>
+              </a:lnSpc>
+              <a:spcBef>
+                <a:spcPts val="606"/>
+              </a:spcBef>
+            </a:pPr>
+            <a:r>
+              <a:rPr sz="900">
+                <a:solidFill>
+                  <a:srgbClr val="A9A9A9"/>
+                </a:solidFill>
+              </a:rPr>
+              <a:t>■ </a:t>
+            </a:r>
+            <a:r>
+              <a:rPr sz="900">
+                <a:solidFill>
+                  <a:srgbClr val="000000"/>
+                </a:solidFill>
+              </a:rPr>
+              <a:t>Post-employment benefits accrual</a:t>
+            </a:r>
+          </a:p>
+          <a:p>
+            <a:pPr algn="l">
+              <a:lnSpc>
+                <a:spcPct val="100000"/>
+              </a:lnSpc>
+              <a:spcBef>
+                <a:spcPts val="606"/>
+              </a:spcBef>
+            </a:pPr>
+            <a:r>
+              <a:rPr sz="900">
+                <a:solidFill>
+                  <a:srgbClr val="A9A9A9"/>
+                </a:solidFill>
+              </a:rPr>
+              <a:t>■ </a:t>
+            </a:r>
+            <a:r>
+              <a:rPr sz="900">
+                <a:solidFill>
+                  <a:srgbClr val="000000"/>
+                </a:solidFill>
+              </a:rPr>
+              <a:t>Termination benefit provisions</a:t>
+            </a:r>
+          </a:p>
+          <a:p>
+            <a:r>
+              <a:rPr sz="900" b="1">
                 <a:solidFill>
                   <a:srgbClr val="003296"/>
                 </a:solidFill>
               </a:rPr>
-              <a:t>Non-Current Assets</a:t>
-            </a:r>
-          </a:p>
-          <a:p>
-            <a:r>
-              <a:rPr i="1" sz="900"/>
-              <a:t>Property, Plant &amp; Equipment</a:t>
-            </a:r>
-          </a:p>
-          <a:p>
-            <a:r>
-              <a:rPr sz="900"/>
-              <a:t>■ Land acquisition costs (original purchase)</a:t>
-            </a:r>
-          </a:p>
-          <a:p>
-            <a:r>
-              <a:rPr sz="900"/>
-              <a:t>■ Building improvements capitalization</a:t>
-            </a:r>
-          </a:p>
-          <a:p>
-            <a:r>
-              <a:rPr sz="900"/>
-              <a:t>■ Machinery installation costs</a:t>
-            </a:r>
-          </a:p>
-          <a:p>
-            <a:r>
-              <a:rPr sz="900"/>
-              <a:t>■ Equipment depreciation schedules</a:t>
-            </a:r>
-          </a:p>
-          <a:p>
-            <a:r>
-              <a:rPr sz="900"/>
-              <a:t>■ Leasehold improvement amortization</a:t>
-            </a:r>
-          </a:p>
-          <a:p>
-            <a:r>
-              <a:rPr sz="900"/>
-              <a:t>■ Construction-in-progress accounts</a:t>
-            </a:r>
-          </a:p>
-          <a:p>
-            <a:r>
-              <a:rPr sz="900"/>
-              <a:t>■ Capitalized interest during construction</a:t>
-            </a:r>
-          </a:p>
-          <a:p>
-            <a:r>
-              <a:rPr b="1" sz="900">
-                <a:solidFill>
-                  <a:srgbClr val="003296"/>
-                </a:solidFill>
-              </a:rPr>
-              <a:t>Non-Current Assets</a:t>
-            </a:r>
-          </a:p>
-          <a:p>
-            <a:r>
-              <a:rPr i="1" sz="900"/>
-              <a:t>Intangible Assets</a:t>
-            </a:r>
-          </a:p>
-          <a:p>
-            <a:r>
-              <a:rPr sz="900"/>
-              <a:t>■ Patent acquisition and amortization</a:t>
-            </a:r>
-          </a:p>
-          <a:p>
-            <a:r>
-              <a:rPr sz="900"/>
-              <a:t>■ Trademark registration/maintenance costs</a:t>
-            </a:r>
-          </a:p>
-          <a:p>
-            <a:r>
-              <a:rPr sz="900"/>
-              <a:t>■ Customer list valuations</a:t>
-            </a:r>
-          </a:p>
-          <a:p>
-            <a:r>
-              <a:rPr sz="900"/>
-              <a:t>■ Non-compete agreement valuations</a:t>
-            </a:r>
-          </a:p>
-          <a:p>
-            <a:r>
-              <a:rPr sz="900"/>
-              <a:t>■ Software development costs</a:t>
-            </a:r>
-          </a:p>
-          <a:p>
-            <a:r>
-              <a:rPr sz="900"/>
-              <a:t>■ Licensing agreements fair value</a:t>
-            </a:r>
-          </a:p>
-          <a:p>
-            <a:r>
-              <a:rPr sz="900"/>
-              <a:t>■ Goodwill impairment testing methodology</a:t>
-            </a:r>
-          </a:p>
-          <a:p>
-            <a:r>
-              <a:rPr b="1" sz="900">
-                <a:solidFill>
-                  <a:srgbClr val="003296"/>
-                </a:solidFill>
-              </a:rPr>
-              <a:t>Non-Current Assets</a:t>
-            </a:r>
-          </a:p>
-          <a:p>
-            <a:r>
-              <a:rPr i="1" sz="900"/>
-              <a:t>Long-Term Investments</a:t>
-            </a:r>
-          </a:p>
-          <a:p>
-            <a:r>
-              <a:rPr sz="900"/>
-              <a:t>■ Held-to-maturity securities portfolio</a:t>
+              <a:t>Shareholders' Equity</a:t>
+            </a:r>
+          </a:p>
+          <a:p>
+            <a:r>
+              <a:rPr sz="900" i="1"/>
+              <a:t>Common Stock</a:t>
+            </a:r>
+          </a:p>
+          <a:p>
+            <a:pPr algn="l">
+              <a:lnSpc>
+                <a:spcPct val="100000"/>
+              </a:lnSpc>
+              <a:spcBef>
+                <a:spcPts val="606"/>
+              </a:spcBef>
+            </a:pPr>
+            <a:r>
+              <a:rPr sz="900">
+                <a:solidFill>
+                  <a:srgbClr val="A9A9A9"/>
+                </a:solidFill>
+              </a:rPr>
+              <a:t>■ </a:t>
+            </a:r>
+            <a:r>
+              <a:rPr sz="900">
+                <a:solidFill>
+                  <a:srgbClr val="000000"/>
+                </a:solidFill>
+              </a:rPr>
+              <a:t>Par value per share disclosure</a:t>
+            </a:r>
+          </a:p>
+          <a:p>
+            <a:pPr algn="l">
+              <a:lnSpc>
+                <a:spcPct val="100000"/>
+              </a:lnSpc>
+              <a:spcBef>
+                <a:spcPts val="606"/>
+              </a:spcBef>
+            </a:pPr>
+            <a:r>
+              <a:rPr sz="900">
+                <a:solidFill>
+                  <a:srgbClr val="A9A9A9"/>
+                </a:solidFill>
+              </a:rPr>
+              <a:t>■ </a:t>
+            </a:r>
+            <a:r>
+              <a:rPr sz="900">
+                <a:solidFill>
+                  <a:srgbClr val="000000"/>
+                </a:solidFill>
+              </a:rPr>
+              <a:t>Authorized shares vs outstanding</a:t>
+            </a:r>
+          </a:p>
+          <a:p>
+            <a:pPr algn="l">
+              <a:lnSpc>
+                <a:spcPct val="100000"/>
+              </a:lnSpc>
+              <a:spcBef>
+                <a:spcPts val="606"/>
+              </a:spcBef>
+            </a:pPr>
+            <a:r>
+              <a:rPr sz="900">
+                <a:solidFill>
+                  <a:srgbClr val="A9A9A9"/>
+                </a:solidFill>
+              </a:rPr>
+              <a:t>■ </a:t>
+            </a:r>
+            <a:r>
+              <a:rPr sz="900">
+                <a:solidFill>
+                  <a:srgbClr val="000000"/>
+                </a:solidFill>
+              </a:rPr>
+              <a:t>Treasury stock accounting method</a:t>
+            </a:r>
+          </a:p>
+          <a:p>
+            <a:pPr algn="l">
+              <a:lnSpc>
+                <a:spcPct val="100000"/>
+              </a:lnSpc>
+              <a:spcBef>
+                <a:spcPts val="606"/>
+              </a:spcBef>
+            </a:pPr>
+            <a:r>
+              <a:rPr sz="900">
+                <a:solidFill>
+                  <a:srgbClr val="A9A9A9"/>
+                </a:solidFill>
+              </a:rPr>
+              <a:t>■ </a:t>
+            </a:r>
+            <a:r>
+              <a:rPr sz="900">
+                <a:solidFill>
+                  <a:srgbClr val="000000"/>
+                </a:solidFill>
+              </a:rPr>
+              <a:t>Stock split adjustments</a:t>
+            </a:r>
+          </a:p>
+          <a:p>
+            <a:pPr algn="l">
+              <a:lnSpc>
+                <a:spcPct val="100000"/>
+              </a:lnSpc>
+              <a:spcBef>
+                <a:spcPts val="606"/>
+              </a:spcBef>
+            </a:pPr>
+            <a:r>
+              <a:rPr sz="900">
+                <a:solidFill>
+                  <a:srgbClr val="A9A9A9"/>
+                </a:solidFill>
+              </a:rPr>
+              <a:t>■ </a:t>
+            </a:r>
+            <a:r>
+              <a:rPr sz="900">
+                <a:solidFill>
+                  <a:srgbClr val="000000"/>
+                </a:solidFill>
+              </a:rPr>
+              <a:t>Stock option pool reserves</a:t>
+            </a:r>
+          </a:p>
+          <a:p>
+            <a:pPr algn="l">
+              <a:lnSpc>
+                <a:spcPct val="100000"/>
+              </a:lnSpc>
+              <a:spcBef>
+                <a:spcPts val="606"/>
+              </a:spcBef>
+            </a:pPr>
+            <a:r>
+              <a:rPr sz="900">
+                <a:solidFill>
+                  <a:srgbClr val="A9A9A9"/>
+                </a:solidFill>
+              </a:rPr>
+              <a:t>■ </a:t>
+            </a:r>
+            <a:r>
+              <a:rPr sz="900">
+                <a:solidFill>
+                  <a:srgbClr val="000000"/>
+                </a:solidFill>
+              </a:rPr>
+              <a:t>Restricted stock unit accruals</a:t>
+            </a:r>
+          </a:p>
+          <a:p>
+            <a:pPr algn="l">
+              <a:lnSpc>
+                <a:spcPct val="100000"/>
+              </a:lnSpc>
+              <a:spcBef>
+                <a:spcPts val="606"/>
+              </a:spcBef>
+            </a:pPr>
+            <a:r>
+              <a:rPr sz="900">
+                <a:solidFill>
+                  <a:srgbClr val="A9A9A9"/>
+                </a:solidFill>
+              </a:rPr>
+              <a:t>■ </a:t>
+            </a:r>
+            <a:r>
+              <a:rPr sz="900">
+                <a:solidFill>
+                  <a:srgbClr val="000000"/>
+                </a:solidFill>
+              </a:rPr>
+              <a:t>Dividend reinvestment plan shares</a:t>
+            </a:r>
+          </a:p>
+          <a:p>
+            <a:r>
+              <a:rPr sz="900" i="1"/>
+              <a:t>Retained Earnings</a:t>
+            </a:r>
+          </a:p>
+          <a:p>
+            <a:pPr algn="l">
+              <a:lnSpc>
+                <a:spcPct val="100000"/>
+              </a:lnSpc>
+              <a:spcBef>
+                <a:spcPts val="606"/>
+              </a:spcBef>
+            </a:pPr>
+            <a:r>
+              <a:rPr sz="900">
+                <a:solidFill>
+                  <a:srgbClr val="A9A9A9"/>
+                </a:solidFill>
+              </a:rPr>
+              <a:t>■ </a:t>
+            </a:r>
+            <a:r>
+              <a:rPr sz="900">
+                <a:solidFill>
+                  <a:srgbClr val="000000"/>
+                </a:solidFill>
+              </a:rPr>
+              <a:t>Prior period adjustments</a:t>
+            </a:r>
+          </a:p>
+          <a:p>
+            <a:pPr algn="l">
+              <a:lnSpc>
+                <a:spcPct val="100000"/>
+              </a:lnSpc>
+              <a:spcBef>
+                <a:spcPts val="606"/>
+              </a:spcBef>
+            </a:pPr>
+            <a:r>
+              <a:rPr sz="900">
+                <a:solidFill>
+                  <a:srgbClr val="A9A9A9"/>
+                </a:solidFill>
+              </a:rPr>
+              <a:t>■ </a:t>
+            </a:r>
+            <a:r>
+              <a:rPr sz="900">
+                <a:solidFill>
+                  <a:srgbClr val="000000"/>
+                </a:solidFill>
+              </a:rPr>
+              <a:t>Dividend declaration accounting</a:t>
+            </a:r>
+          </a:p>
+          <a:p>
+            <a:pPr algn="l">
+              <a:lnSpc>
+                <a:spcPct val="100000"/>
+              </a:lnSpc>
+              <a:spcBef>
+                <a:spcPts val="606"/>
+              </a:spcBef>
+            </a:pPr>
+            <a:r>
+              <a:rPr sz="900">
+                <a:solidFill>
+                  <a:srgbClr val="A9A9A9"/>
+                </a:solidFill>
+              </a:rPr>
+              <a:t>■ </a:t>
+            </a:r>
+            <a:r>
+              <a:rPr sz="900">
+                <a:solidFill>
+                  <a:srgbClr val="000000"/>
+                </a:solidFill>
+              </a:rPr>
+              <a:t>ESOP allocation impacts</a:t>
+            </a:r>
+          </a:p>
+          <a:p>
+            <a:pPr algn="l">
+              <a:lnSpc>
+                <a:spcPct val="100000"/>
+              </a:lnSpc>
+              <a:spcBef>
+                <a:spcPts val="606"/>
+              </a:spcBef>
+            </a:pPr>
+            <a:r>
+              <a:rPr sz="900">
+                <a:solidFill>
+                  <a:srgbClr val="A9A9A9"/>
+                </a:solidFill>
+              </a:rPr>
+              <a:t>■ </a:t>
+            </a:r>
+            <a:r>
+              <a:rPr sz="900">
+                <a:solidFill>
+                  <a:srgbClr val="000000"/>
+                </a:solidFill>
+              </a:rPr>
+              <a:t>Foreign currency translation adjustments</a:t>
+            </a:r>
+          </a:p>
+          <a:p>
+            <a:pPr algn="l">
+              <a:lnSpc>
+                <a:spcPct val="100000"/>
+              </a:lnSpc>
+              <a:spcBef>
+                <a:spcPts val="606"/>
+              </a:spcBef>
+            </a:pPr>
+            <a:r>
+              <a:rPr sz="900">
+                <a:solidFill>
+                  <a:srgbClr val="A9A9A9"/>
+                </a:solidFill>
+              </a:rPr>
+              <a:t>■ </a:t>
+            </a:r>
+            <a:r>
+              <a:rPr sz="900">
+                <a:solidFill>
+                  <a:srgbClr val="000000"/>
+                </a:solidFill>
+              </a:rPr>
+              <a:t>Hedging reserve balances</a:t>
+            </a:r>
+          </a:p>
+          <a:p>
+            <a:pPr algn="l">
+              <a:lnSpc>
+                <a:spcPct val="100000"/>
+              </a:lnSpc>
+              <a:spcBef>
+                <a:spcPts val="606"/>
+              </a:spcBef>
+            </a:pPr>
+            <a:r>
+              <a:rPr sz="900">
+                <a:solidFill>
+                  <a:srgbClr val="A9A9A9"/>
+                </a:solidFill>
+              </a:rPr>
+              <a:t>■ </a:t>
+            </a:r>
+            <a:r>
+              <a:rPr sz="900">
+                <a:solidFill>
+                  <a:srgbClr val="000000"/>
+                </a:solidFill>
+              </a:rPr>
+              <a:t>Revaluation surplus accounts</a:t>
+            </a:r>
+          </a:p>
+          <a:p>
+            <a:pPr algn="l">
+              <a:lnSpc>
+                <a:spcPct val="100000"/>
+              </a:lnSpc>
+              <a:spcBef>
+                <a:spcPts val="606"/>
+              </a:spcBef>
+            </a:pPr>
+            <a:r>
+              <a:rPr sz="900">
+                <a:solidFill>
+                  <a:srgbClr val="A9A9A9"/>
+                </a:solidFill>
+              </a:rPr>
+              <a:t>■ </a:t>
+            </a:r>
+            <a:r>
+              <a:rPr sz="900">
+                <a:solidFill>
+                  <a:srgbClr val="000000"/>
+                </a:solidFill>
+              </a:rPr>
+              <a:t>Accumulated other comprehensive income</a:t>
             </a:r>
           </a:p>
         </p:txBody>
@@ -4130,144 +5650,12 @@
           <a:noFill/>
         </p:spPr>
         <p:txBody>
-          <a:bodyPr wrap="square">
+          <a:bodyPr wrap="none">
             <a:spAutoFit/>
           </a:bodyPr>
           <a:lstStyle/>
           <a:p>
             <a:endParaRPr/>
-          </a:p>
-          <a:p>
-            <a:r>
-              <a:rPr b="1" sz="900">
-                <a:solidFill>
-                  <a:srgbClr val="003296"/>
-                </a:solidFill>
-              </a:rPr>
-              <a:t>Non-Current Assets (continued)</a:t>
-            </a:r>
-          </a:p>
-          <a:p>
-            <a:r>
-              <a:rPr i="1" sz="900"/>
-              <a:t>Long-Term Investments (continued)</a:t>
-            </a:r>
-          </a:p>
-          <a:p>
-            <a:r>
-              <a:rPr b="1" sz="900">
-                <a:solidFill>
-                  <a:srgbClr val="003296"/>
-                </a:solidFill>
-              </a:rPr>
-              <a:t>Non-Current Assets</a:t>
-            </a:r>
-          </a:p>
-          <a:p>
-            <a:r>
-              <a:rPr i="1" sz="900"/>
-              <a:t>Intangible Assets</a:t>
-            </a:r>
-          </a:p>
-          <a:p>
-            <a:r>
-              <a:rPr sz="900"/>
-              <a:t>■ Patent acquisition and amortization</a:t>
-            </a:r>
-          </a:p>
-          <a:p>
-            <a:r>
-              <a:rPr sz="900"/>
-              <a:t>■ Trademark registration/maintenance costs</a:t>
-            </a:r>
-          </a:p>
-          <a:p>
-            <a:r>
-              <a:rPr sz="900"/>
-              <a:t>■ Customer list valuations</a:t>
-            </a:r>
-          </a:p>
-          <a:p>
-            <a:r>
-              <a:rPr sz="900"/>
-              <a:t>■ Non-compete agreement valuations</a:t>
-            </a:r>
-          </a:p>
-          <a:p>
-            <a:r>
-              <a:rPr sz="900"/>
-              <a:t>■ Software development costs</a:t>
-            </a:r>
-          </a:p>
-          <a:p>
-            <a:r>
-              <a:rPr sz="900"/>
-              <a:t>■ Licensing agreements fair value</a:t>
-            </a:r>
-          </a:p>
-          <a:p>
-            <a:r>
-              <a:rPr sz="900"/>
-              <a:t>■ Goodwill impairment testing methodology</a:t>
-            </a:r>
-          </a:p>
-          <a:p>
-            <a:r>
-              <a:rPr b="1" sz="900">
-                <a:solidFill>
-                  <a:srgbClr val="003296"/>
-                </a:solidFill>
-              </a:rPr>
-              <a:t>Non-Current Assets</a:t>
-            </a:r>
-          </a:p>
-          <a:p>
-            <a:r>
-              <a:rPr i="1" sz="900"/>
-              <a:t>Long-Term Investments</a:t>
-            </a:r>
-          </a:p>
-          <a:p>
-            <a:r>
-              <a:rPr sz="900"/>
-              <a:t>■ Held-to-maturity securities portfolio</a:t>
-            </a:r>
-          </a:p>
-          <a:p>
-            <a:r>
-              <a:rPr sz="900"/>
-              <a:t>■ Equity method investment accounting</a:t>
-            </a:r>
-          </a:p>
-          <a:p>
-            <a:r>
-              <a:rPr sz="900"/>
-              <a:t>■ Real estate held for appreciation</a:t>
-            </a:r>
-          </a:p>
-          <a:p>
-            <a:r>
-              <a:rPr sz="900"/>
-              <a:t>■ Venture capital fund investments</a:t>
-            </a:r>
-          </a:p>
-          <a:p>
-            <a:r>
-              <a:rPr sz="900"/>
-              <a:t>■ Convertible debt instruments</a:t>
-            </a:r>
-          </a:p>
-          <a:p>
-            <a:r>
-              <a:rPr sz="900"/>
-              <a:t>■ Restricted stock holdings</a:t>
-            </a:r>
-          </a:p>
-          <a:p>
-            <a:r>
-              <a:rPr sz="900"/>
-              <a:t>■ Investments in subsidiaries</a:t>
-            </a:r>
           </a:p>
         </p:txBody>
       </p:sp>
@@ -4332,186 +5720,12 @@
           <a:noFill/>
         </p:spPr>
         <p:txBody>
-          <a:bodyPr wrap="square">
+          <a:bodyPr wrap="none">
             <a:spAutoFit/>
           </a:bodyPr>
           <a:lstStyle/>
           <a:p>
             <a:endParaRPr/>
-          </a:p>
-          <a:p>
-            <a:r>
-              <a:rPr b="1" sz="900">
-                <a:solidFill>
-                  <a:srgbClr val="003296"/>
-                </a:solidFill>
-              </a:rPr>
-              <a:t>Non-Current Assets</a:t>
-            </a:r>
-          </a:p>
-          <a:p>
-            <a:r>
-              <a:rPr i="1" sz="900"/>
-              <a:t>Intangible Assets</a:t>
-            </a:r>
-          </a:p>
-          <a:p>
-            <a:r>
-              <a:rPr sz="900"/>
-              <a:t>■ Patent acquisition and amortization</a:t>
-            </a:r>
-          </a:p>
-          <a:p>
-            <a:r>
-              <a:rPr sz="900"/>
-              <a:t>■ Trademark registration/maintenance costs</a:t>
-            </a:r>
-          </a:p>
-          <a:p>
-            <a:r>
-              <a:rPr sz="900"/>
-              <a:t>■ Customer list valuations</a:t>
-            </a:r>
-          </a:p>
-          <a:p>
-            <a:r>
-              <a:rPr sz="900"/>
-              <a:t>■ Non-compete agreement valuations</a:t>
-            </a:r>
-          </a:p>
-          <a:p>
-            <a:r>
-              <a:rPr sz="900"/>
-              <a:t>■ Software development costs</a:t>
-            </a:r>
-          </a:p>
-          <a:p>
-            <a:r>
-              <a:rPr sz="900"/>
-              <a:t>■ Licensing agreements fair value</a:t>
-            </a:r>
-          </a:p>
-          <a:p>
-            <a:r>
-              <a:rPr sz="900"/>
-              <a:t>■ Goodwill impairment testing methodology</a:t>
-            </a:r>
-          </a:p>
-          <a:p>
-            <a:r>
-              <a:rPr b="1" sz="900">
-                <a:solidFill>
-                  <a:srgbClr val="003296"/>
-                </a:solidFill>
-              </a:rPr>
-              <a:t>Non-Current Assets</a:t>
-            </a:r>
-          </a:p>
-          <a:p>
-            <a:r>
-              <a:rPr i="1" sz="900"/>
-              <a:t>Long-Term Investments</a:t>
-            </a:r>
-          </a:p>
-          <a:p>
-            <a:r>
-              <a:rPr sz="900"/>
-              <a:t>■ Held-to-maturity securities portfolio</a:t>
-            </a:r>
-          </a:p>
-          <a:p>
-            <a:r>
-              <a:rPr sz="900"/>
-              <a:t>■ Equity method investment accounting</a:t>
-            </a:r>
-          </a:p>
-          <a:p>
-            <a:r>
-              <a:rPr sz="900"/>
-              <a:t>■ Real estate held for appreciation</a:t>
-            </a:r>
-          </a:p>
-          <a:p>
-            <a:r>
-              <a:rPr sz="900"/>
-              <a:t>■ Venture capital fund investments</a:t>
-            </a:r>
-          </a:p>
-          <a:p>
-            <a:r>
-              <a:rPr sz="900"/>
-              <a:t>■ Convertible debt instruments</a:t>
-            </a:r>
-          </a:p>
-          <a:p>
-            <a:r>
-              <a:rPr sz="900"/>
-              <a:t>■ Restricted stock holdings</a:t>
-            </a:r>
-          </a:p>
-          <a:p>
-            <a:r>
-              <a:rPr sz="900"/>
-              <a:t>■ Investments in subsidiaries</a:t>
-            </a:r>
-          </a:p>
-          <a:p>
-            <a:r>
-              <a:rPr b="1" sz="900">
-                <a:solidFill>
-                  <a:srgbClr val="003296"/>
-                </a:solidFill>
-              </a:rPr>
-              <a:t>Current Liabilities</a:t>
-            </a:r>
-          </a:p>
-          <a:p>
-            <a:r>
-              <a:rPr i="1" sz="900"/>
-              <a:t>Accounts Payable</a:t>
-            </a:r>
-          </a:p>
-          <a:p>
-            <a:r>
-              <a:rPr sz="900"/>
-              <a:t>■ Trade payables to suppliers</a:t>
-            </a:r>
-          </a:p>
-          <a:p>
-            <a:r>
-              <a:rPr sz="900"/>
-              <a:t>■ Accrued purchases for goods received</a:t>
-            </a:r>
-          </a:p>
-          <a:p>
-            <a:r>
-              <a:rPr sz="900"/>
-              <a:t>■ Third-party processor withholdings</a:t>
-            </a:r>
-          </a:p>
-          <a:p>
-            <a:r>
-              <a:rPr sz="900"/>
-              <a:t>■ Construction retainage payable</a:t>
-            </a:r>
-          </a:p>
-          <a:p>
-            <a:r>
-              <a:rPr sz="900"/>
-              <a:t>■ Dividends declared but unpaid</a:t>
-            </a:r>
-          </a:p>
-          <a:p>
-            <a:r>
-              <a:rPr sz="900"/>
-              <a:t>■ Customer deposits/advance payments</a:t>
-            </a:r>
-          </a:p>
-          <a:p>
-            <a:r>
-              <a:rPr sz="900"/>
-              <a:t>■ Escheat liability estimates</a:t>
-            </a:r>
           </a:p>
         </p:txBody>
       </p:sp>
@@ -4540,186 +5754,12 @@
           <a:noFill/>
         </p:spPr>
         <p:txBody>
-          <a:bodyPr wrap="square">
+          <a:bodyPr wrap="none">
             <a:spAutoFit/>
           </a:bodyPr>
           <a:lstStyle/>
           <a:p>
             <a:endParaRPr/>
-          </a:p>
-          <a:p>
-            <a:r>
-              <a:rPr b="1" sz="900">
-                <a:solidFill>
-                  <a:srgbClr val="003296"/>
-                </a:solidFill>
-              </a:rPr>
-              <a:t>Non-Current Assets (continued)</a:t>
-            </a:r>
-          </a:p>
-          <a:p>
-            <a:r>
-              <a:rPr i="1" sz="900"/>
-              <a:t>Intangible Assets (continued)</a:t>
-            </a:r>
-          </a:p>
-          <a:p>
-            <a:r>
-              <a:rPr sz="900"/>
-              <a:t>■ Patent acquisition and amortization</a:t>
-            </a:r>
-          </a:p>
-          <a:p>
-            <a:r>
-              <a:rPr sz="900"/>
-              <a:t>■ Trademark registration/maintenance costs</a:t>
-            </a:r>
-          </a:p>
-          <a:p>
-            <a:r>
-              <a:rPr sz="900"/>
-              <a:t>■ Customer list valuations</a:t>
-            </a:r>
-          </a:p>
-          <a:p>
-            <a:r>
-              <a:rPr sz="900"/>
-              <a:t>■ Non-compete agreement valuations</a:t>
-            </a:r>
-          </a:p>
-          <a:p>
-            <a:r>
-              <a:rPr sz="900"/>
-              <a:t>■ Software development costs</a:t>
-            </a:r>
-          </a:p>
-          <a:p>
-            <a:r>
-              <a:rPr sz="900"/>
-              <a:t>■ Licensing agreements fair value</a:t>
-            </a:r>
-          </a:p>
-          <a:p>
-            <a:r>
-              <a:rPr sz="900"/>
-              <a:t>■ Goodwill impairment testing methodology</a:t>
-            </a:r>
-          </a:p>
-          <a:p>
-            <a:r>
-              <a:rPr b="1" sz="900">
-                <a:solidFill>
-                  <a:srgbClr val="003296"/>
-                </a:solidFill>
-              </a:rPr>
-              <a:t>Non-Current Assets</a:t>
-            </a:r>
-          </a:p>
-          <a:p>
-            <a:r>
-              <a:rPr i="1" sz="900"/>
-              <a:t>Long-Term Investments</a:t>
-            </a:r>
-          </a:p>
-          <a:p>
-            <a:r>
-              <a:rPr sz="900"/>
-              <a:t>■ Held-to-maturity securities portfolio</a:t>
-            </a:r>
-          </a:p>
-          <a:p>
-            <a:r>
-              <a:rPr sz="900"/>
-              <a:t>■ Equity method investment accounting</a:t>
-            </a:r>
-          </a:p>
-          <a:p>
-            <a:r>
-              <a:rPr sz="900"/>
-              <a:t>■ Real estate held for appreciation</a:t>
-            </a:r>
-          </a:p>
-          <a:p>
-            <a:r>
-              <a:rPr sz="900"/>
-              <a:t>■ Venture capital fund investments</a:t>
-            </a:r>
-          </a:p>
-          <a:p>
-            <a:r>
-              <a:rPr sz="900"/>
-              <a:t>■ Convertible debt instruments</a:t>
-            </a:r>
-          </a:p>
-          <a:p>
-            <a:r>
-              <a:rPr sz="900"/>
-              <a:t>■ Restricted stock holdings</a:t>
-            </a:r>
-          </a:p>
-          <a:p>
-            <a:r>
-              <a:rPr sz="900"/>
-              <a:t>■ Investments in subsidiaries</a:t>
-            </a:r>
-          </a:p>
-          <a:p>
-            <a:r>
-              <a:rPr b="1" sz="900">
-                <a:solidFill>
-                  <a:srgbClr val="003296"/>
-                </a:solidFill>
-              </a:rPr>
-              <a:t>Current Liabilities</a:t>
-            </a:r>
-          </a:p>
-          <a:p>
-            <a:r>
-              <a:rPr i="1" sz="900"/>
-              <a:t>Accounts Payable</a:t>
-            </a:r>
-          </a:p>
-          <a:p>
-            <a:r>
-              <a:rPr sz="900"/>
-              <a:t>■ Trade payables to suppliers</a:t>
-            </a:r>
-          </a:p>
-          <a:p>
-            <a:r>
-              <a:rPr sz="900"/>
-              <a:t>■ Accrued purchases for goods received</a:t>
-            </a:r>
-          </a:p>
-          <a:p>
-            <a:r>
-              <a:rPr sz="900"/>
-              <a:t>■ Third-party processor withholdings</a:t>
-            </a:r>
-          </a:p>
-          <a:p>
-            <a:r>
-              <a:rPr sz="900"/>
-              <a:t>■ Construction retainage payable</a:t>
-            </a:r>
-          </a:p>
-          <a:p>
-            <a:r>
-              <a:rPr sz="900"/>
-              <a:t>■ Dividends declared but unpaid</a:t>
-            </a:r>
-          </a:p>
-          <a:p>
-            <a:r>
-              <a:rPr sz="900"/>
-              <a:t>■ Customer deposits/advance payments</a:t>
-            </a:r>
-          </a:p>
-          <a:p>
-            <a:r>
-              <a:rPr sz="900"/>
-              <a:t>■ Escheat liability estimates</a:t>
-            </a:r>
           </a:p>
         </p:txBody>
       </p:sp>
